--- a/Présentation.pptx
+++ b/Présentation.pptx
@@ -5,10 +5,10 @@
     <p:sldMasterId id="2147483648" r:id="rId1"/>
   </p:sldMasterIdLst>
   <p:notesMasterIdLst>
-    <p:notesMasterId r:id="rId18"/>
+    <p:notesMasterId r:id="rId11"/>
   </p:notesMasterIdLst>
   <p:handoutMasterIdLst>
-    <p:handoutMasterId r:id="rId19"/>
+    <p:handoutMasterId r:id="rId12"/>
   </p:handoutMasterIdLst>
   <p:sldIdLst>
     <p:sldId id="331" r:id="rId2"/>
@@ -16,17 +16,10 @@
     <p:sldId id="313" r:id="rId4"/>
     <p:sldId id="347" r:id="rId5"/>
     <p:sldId id="312" r:id="rId6"/>
-    <p:sldId id="349" r:id="rId7"/>
-    <p:sldId id="338" r:id="rId8"/>
-    <p:sldId id="337" r:id="rId9"/>
-    <p:sldId id="343" r:id="rId10"/>
-    <p:sldId id="344" r:id="rId11"/>
-    <p:sldId id="345" r:id="rId12"/>
-    <p:sldId id="346" r:id="rId13"/>
-    <p:sldId id="342" r:id="rId14"/>
-    <p:sldId id="350" r:id="rId15"/>
-    <p:sldId id="310" r:id="rId16"/>
-    <p:sldId id="323" r:id="rId17"/>
+    <p:sldId id="351" r:id="rId7"/>
+    <p:sldId id="343" r:id="rId8"/>
+    <p:sldId id="310" r:id="rId9"/>
+    <p:sldId id="323" r:id="rId10"/>
   </p:sldIdLst>
   <p:sldSz cx="12192000" cy="6858000"/>
   <p:notesSz cx="6858000" cy="9144000"/>
@@ -162,6 +155,54 @@
 </p:presentation>
 </file>
 
+<file path=ppt/commentAuthors.xml><?xml version="1.0" encoding="utf-8"?>
+<p:cmAuthorLst xmlns:a="http://schemas.openxmlformats.org/drawingml/2006/main" xmlns:r="http://schemas.openxmlformats.org/officeDocument/2006/relationships" xmlns:p="http://schemas.openxmlformats.org/presentationml/2006/main">
+  <p:cmAuthor id="1" name="Vergne Anthony" initials="VA" lastIdx="5" clrIdx="0">
+    <p:extLst>
+      <p:ext uri="{19B8F6BF-5375-455C-9EA6-DF929625EA0E}">
+        <p15:presenceInfo xmlns:p15="http://schemas.microsoft.com/office/powerpoint/2012/main" userId="S-1-5-21-1244826721-3743062774-3831145568-70771" providerId="AD"/>
+      </p:ext>
+    </p:extLst>
+  </p:cmAuthor>
+</p:cmAuthorLst>
+</file>
+
+<file path=ppt/comments/comment1.xml><?xml version="1.0" encoding="utf-8"?>
+<p:cmLst xmlns:a="http://schemas.openxmlformats.org/drawingml/2006/main" xmlns:r="http://schemas.openxmlformats.org/officeDocument/2006/relationships" xmlns:p="http://schemas.openxmlformats.org/presentationml/2006/main">
+  <p:cm authorId="1" dt="2018-08-30T17:41:05.502" idx="2">
+    <p:pos x="10" y="10"/>
+    <p:text>Bonjour</p:text>
+    <p:extLst>
+      <p:ext uri="{C676402C-5697-4E1C-873F-D02D1690AC5C}">
+        <p15:threadingInfo xmlns:p15="http://schemas.microsoft.com/office/powerpoint/2012/main" timeZoneBias="-120"/>
+      </p:ext>
+    </p:extLst>
+  </p:cm>
+  <p:cm authorId="1" dt="2018-08-31T09:10:13.765" idx="4">
+    <p:pos x="10" y="146"/>
+    <p:text>Je m'appel anthony. Je suis stagiaire depuis juin dans l'équipe Burton</p:text>
+    <p:extLst>
+      <p:ext uri="{C676402C-5697-4E1C-873F-D02D1690AC5C}">
+        <p15:threadingInfo xmlns:p15="http://schemas.microsoft.com/office/powerpoint/2012/main" timeZoneBias="-120">
+          <p15:parentCm authorId="1" idx="2"/>
+        </p15:threadingInfo>
+      </p:ext>
+    </p:extLst>
+  </p:cm>
+  <p:cm authorId="1" dt="2018-08-31T09:12:14.422" idx="5">
+    <p:pos x="10" y="282"/>
+    <p:text>Dans le cadre de mon stage j'ai travailler sur dashboard de la cad2d</p:text>
+    <p:extLst>
+      <p:ext uri="{C676402C-5697-4E1C-873F-D02D1690AC5C}">
+        <p15:threadingInfo xmlns:p15="http://schemas.microsoft.com/office/powerpoint/2012/main" timeZoneBias="-120">
+          <p15:parentCm authorId="1" idx="2"/>
+        </p15:threadingInfo>
+      </p:ext>
+    </p:extLst>
+  </p:cm>
+</p:cmLst>
+</file>
+
 <file path=ppt/handoutMasters/handoutMaster1.xml><?xml version="1.0" encoding="utf-8"?>
 <p:handoutMaster xmlns:a="http://schemas.openxmlformats.org/drawingml/2006/main" xmlns:r="http://schemas.openxmlformats.org/officeDocument/2006/relationships" xmlns:p="http://schemas.openxmlformats.org/presentationml/2006/main">
   <p:cSld>
@@ -244,7 +285,7 @@
           <a:p>
             <a:fld id="{45A89E07-4F27-0140-A1B4-08336A2B8E60}" type="datetime1">
               <a:rPr lang="fr-FR" smtClean="0"/>
-              <a:t>30/08/2018</a:t>
+              <a:t>31/08/2018</a:t>
             </a:fld>
             <a:endParaRPr lang="fr-FR"/>
           </a:p>
@@ -413,7 +454,7 @@
           <a:p>
             <a:fld id="{C81F0482-F094-4742-A4E8-C4F099EA4078}" type="datetime1">
               <a:rPr lang="fr-FR" smtClean="0"/>
-              <a:t>30/08/2018</a:t>
+              <a:t>31/08/2018</a:t>
             </a:fld>
             <a:endParaRPr lang="fr-FR"/>
           </a:p>
@@ -728,7 +769,7 @@
           <a:bodyPr/>
           <a:lstStyle/>
           <a:p>
-            <a:endParaRPr lang="en-GB"/>
+            <a:endParaRPr lang="en-GB" dirty="0"/>
           </a:p>
         </p:txBody>
       </p:sp>
@@ -749,9 +790,9 @@
           <a:p>
             <a:fld id="{66A8018A-8B19-7C4E-9A49-14DA3F79DB32}" type="slidenum">
               <a:rPr lang="fr-FR" smtClean="0"/>
-              <a:t>15</a:t>
+              <a:t>8</a:t>
             </a:fld>
-            <a:endParaRPr lang="fr-FR"/>
+            <a:endParaRPr lang="fr-FR" dirty="0"/>
           </a:p>
         </p:txBody>
       </p:sp>
@@ -771,7 +812,7 @@
           <a:lstStyle/>
           <a:p>
             <a:r>
-              <a:rPr lang="fr-FR"/>
+              <a:rPr lang="fr-FR" dirty="0"/>
               <a:t>Ajouter un texte</a:t>
             </a:r>
           </a:p>
@@ -1098,7 +1139,7 @@
           <a:p>
             <a:fld id="{674331B0-CB4C-4283-8E1A-9E123BD113AD}" type="datetime1">
               <a:rPr lang="fr-FR" noProof="0" smtClean="0"/>
-              <a:t>30/08/2018</a:t>
+              <a:t>31/08/2018</a:t>
             </a:fld>
             <a:endParaRPr lang="fr-FR" noProof="0" dirty="0"/>
           </a:p>
@@ -1120,7 +1161,7 @@
           <a:lstStyle/>
           <a:p>
             <a:r>
-              <a:rPr lang="fr-FR" noProof="0" smtClean="0"/>
+              <a:rPr lang="fr-FR" noProof="0" dirty="0" smtClean="0"/>
               <a:t>Titre de la présentation - Interne / Strictement confidentiel / lectra.com</a:t>
             </a:r>
             <a:endParaRPr lang="fr-FR" noProof="0" dirty="0"/>
@@ -1628,7 +1669,7 @@
           <a:p>
             <a:fld id="{1631D64B-3BB6-40BD-81BA-255F8C8A9A9F}" type="datetime1">
               <a:rPr lang="fr-FR" noProof="0" smtClean="0"/>
-              <a:t>30/08/2018</a:t>
+              <a:t>31/08/2018</a:t>
             </a:fld>
             <a:endParaRPr lang="fr-FR" noProof="0" dirty="0"/>
           </a:p>
@@ -1650,7 +1691,7 @@
           <a:lstStyle/>
           <a:p>
             <a:r>
-              <a:rPr lang="fr-FR" noProof="0" smtClean="0"/>
+              <a:rPr lang="fr-FR" noProof="0" dirty="0" smtClean="0"/>
               <a:t>Titre de la présentation - Interne / Strictement confidentiel / lectra.com</a:t>
             </a:r>
             <a:endParaRPr lang="fr-FR" noProof="0" dirty="0"/>
@@ -2582,7 +2623,7 @@
           <a:p>
             <a:fld id="{D4C2622D-6A70-483A-81ED-41FFBD4F1A46}" type="datetime1">
               <a:rPr lang="fr-FR" noProof="0" smtClean="0"/>
-              <a:t>30/08/2018</a:t>
+              <a:t>31/08/2018</a:t>
             </a:fld>
             <a:endParaRPr lang="fr-FR" noProof="0" dirty="0"/>
           </a:p>
@@ -2604,7 +2645,7 @@
           <a:lstStyle/>
           <a:p>
             <a:r>
-              <a:rPr lang="fr-FR" noProof="0" smtClean="0"/>
+              <a:rPr lang="fr-FR" noProof="0" dirty="0" smtClean="0"/>
               <a:t>Titre de la présentation - Interne / Strictement confidentiel / lectra.com</a:t>
             </a:r>
             <a:endParaRPr lang="fr-FR" noProof="0" dirty="0"/>
@@ -3146,7 +3187,7 @@
           <a:p>
             <a:fld id="{1A50393B-22BF-4333-A438-F4EC5261B180}" type="datetime1">
               <a:rPr lang="fr-FR" noProof="0" smtClean="0"/>
-              <a:t>30/08/2018</a:t>
+              <a:t>31/08/2018</a:t>
             </a:fld>
             <a:endParaRPr lang="fr-FR" noProof="0" dirty="0"/>
           </a:p>
@@ -3551,7 +3592,7 @@
           <a:p>
             <a:fld id="{5A930CFB-22F4-48A3-A199-F63A34BE6261}" type="datetime1">
               <a:rPr lang="fr-FR" noProof="0" smtClean="0"/>
-              <a:t>30/08/2018</a:t>
+              <a:t>31/08/2018</a:t>
             </a:fld>
             <a:endParaRPr lang="fr-FR" noProof="0" dirty="0"/>
           </a:p>
@@ -3972,7 +4013,7 @@
           <a:p>
             <a:fld id="{5C1479DD-8424-4C30-B767-230E11F1FD51}" type="datetime1">
               <a:rPr lang="fr-FR" noProof="0" smtClean="0"/>
-              <a:t>30/08/2018</a:t>
+              <a:t>31/08/2018</a:t>
             </a:fld>
             <a:endParaRPr lang="fr-FR" noProof="0" dirty="0"/>
           </a:p>
@@ -4409,7 +4450,7 @@
           <a:p>
             <a:fld id="{83B9AAC7-8700-47DA-9751-8D1A51744083}" type="datetime1">
               <a:rPr lang="fr-FR" noProof="0" smtClean="0"/>
-              <a:t>30/08/2018</a:t>
+              <a:t>31/08/2018</a:t>
             </a:fld>
             <a:endParaRPr lang="fr-FR" noProof="0" dirty="0"/>
           </a:p>
@@ -4712,7 +4753,7 @@
           <a:p>
             <a:fld id="{015E2CED-BDB4-4CE9-98A6-B0FE756DEF5B}" type="datetime1">
               <a:rPr lang="fr-FR" noProof="0" smtClean="0"/>
-              <a:t>30/08/2018</a:t>
+              <a:t>31/08/2018</a:t>
             </a:fld>
             <a:endParaRPr lang="fr-FR" noProof="0" dirty="0"/>
           </a:p>
@@ -5179,7 +5220,7 @@
           <a:p>
             <a:fld id="{B1156C43-A7F8-4C8C-B43B-066E607DE136}" type="datetime1">
               <a:rPr lang="fr-FR" noProof="0" smtClean="0"/>
-              <a:t>30/08/2018</a:t>
+              <a:t>31/08/2018</a:t>
             </a:fld>
             <a:endParaRPr lang="fr-FR" noProof="0" dirty="0"/>
           </a:p>
@@ -5779,7 +5820,7 @@
           <a:p>
             <a:fld id="{808E3BD2-1B5C-460F-86A9-D8730566BD97}" type="datetime1">
               <a:rPr lang="fr-FR" noProof="0" smtClean="0"/>
-              <a:t>30/08/2018</a:t>
+              <a:t>31/08/2018</a:t>
             </a:fld>
             <a:endParaRPr lang="fr-FR" noProof="0" dirty="0"/>
           </a:p>
@@ -6350,7 +6391,7 @@
           <a:p>
             <a:fld id="{5C544381-855C-4DD9-B0A7-645BFC383765}" type="datetime1">
               <a:rPr lang="fr-FR" noProof="0" smtClean="0"/>
-              <a:t>30/08/2018</a:t>
+              <a:t>31/08/2018</a:t>
             </a:fld>
             <a:endParaRPr lang="fr-FR" noProof="0" dirty="0"/>
           </a:p>
@@ -6884,7 +6925,7 @@
           <a:p>
             <a:fld id="{E9A81432-E445-41BD-A997-E091D69DCD83}" type="datetime1">
               <a:rPr lang="fr-FR" noProof="0" smtClean="0"/>
-              <a:t>30/08/2018</a:t>
+              <a:t>31/08/2018</a:t>
             </a:fld>
             <a:endParaRPr lang="fr-FR" noProof="0" dirty="0"/>
           </a:p>
@@ -7547,7 +7588,7 @@
           <a:p>
             <a:fld id="{FB14CDE2-6089-40C2-B040-C20DCA8323D3}" type="datetime1">
               <a:rPr lang="fr-FR" noProof="0" smtClean="0"/>
-              <a:t>30/08/2018</a:t>
+              <a:t>31/08/2018</a:t>
             </a:fld>
             <a:endParaRPr lang="fr-FR" noProof="0" dirty="0"/>
           </a:p>
@@ -8193,7 +8234,7 @@
           <a:p>
             <a:fld id="{F59A7319-51A6-49A0-B663-C56889A23211}" type="datetime1">
               <a:rPr lang="fr-FR" noProof="0" smtClean="0"/>
-              <a:t>30/08/2018</a:t>
+              <a:t>31/08/2018</a:t>
             </a:fld>
             <a:endParaRPr lang="fr-FR" noProof="0" dirty="0"/>
           </a:p>
@@ -8724,7 +8765,7 @@
           <a:p>
             <a:fld id="{F5337D8C-1B43-4991-B658-4003DAE2EB0D}" type="datetime1">
               <a:rPr lang="fr-FR" noProof="0" smtClean="0"/>
-              <a:t>30/08/2018</a:t>
+              <a:t>31/08/2018</a:t>
             </a:fld>
             <a:endParaRPr lang="fr-FR" noProof="0" dirty="0"/>
           </a:p>
@@ -9289,7 +9330,7 @@
           <a:p>
             <a:fld id="{1A0318B8-4686-4547-92AD-93EDEC4AA75B}" type="datetime1">
               <a:rPr lang="fr-FR" noProof="0" smtClean="0"/>
-              <a:t>30/08/2018</a:t>
+              <a:t>31/08/2018</a:t>
             </a:fld>
             <a:endParaRPr lang="fr-FR" noProof="0" dirty="0"/>
           </a:p>
@@ -9453,7 +9494,7 @@
           <a:p>
             <a:fld id="{28FBCCC6-6037-4575-8729-7ECEC751C225}" type="datetime1">
               <a:rPr lang="fr-FR" noProof="0" smtClean="0"/>
-              <a:t>30/08/2018</a:t>
+              <a:t>31/08/2018</a:t>
             </a:fld>
             <a:endParaRPr lang="fr-FR" noProof="0" dirty="0"/>
           </a:p>
@@ -11134,7 +11175,7 @@
           <a:p>
             <a:fld id="{94ED4875-F2C6-421C-8B01-6F7B3DCD970C}" type="datetime1">
               <a:rPr lang="fr-FR" noProof="0" smtClean="0"/>
-              <a:t>30/08/2018</a:t>
+              <a:t>31/08/2018</a:t>
             </a:fld>
             <a:endParaRPr lang="fr-FR" noProof="0" dirty="0"/>
           </a:p>
@@ -11156,7 +11197,7 @@
           <a:lstStyle/>
           <a:p>
             <a:r>
-              <a:rPr lang="fr-FR" noProof="0" smtClean="0"/>
+              <a:rPr lang="fr-FR" noProof="0" dirty="0" smtClean="0"/>
               <a:t>Titre de la présentation - Interne / Strictement confidentiel / lectra.com</a:t>
             </a:r>
             <a:endParaRPr lang="fr-FR" noProof="0" dirty="0"/>
@@ -11852,7 +11893,7 @@
           <a:p>
             <a:fld id="{B615F19A-E6B1-4913-A54F-01DBD17BF392}" type="datetime1">
               <a:rPr lang="fr-FR" noProof="0" smtClean="0"/>
-              <a:t>30/08/2018</a:t>
+              <a:t>31/08/2018</a:t>
             </a:fld>
             <a:endParaRPr lang="fr-FR" noProof="0" dirty="0"/>
           </a:p>
@@ -11874,7 +11915,7 @@
           <a:lstStyle/>
           <a:p>
             <a:r>
-              <a:rPr lang="fr-FR" noProof="0" smtClean="0"/>
+              <a:rPr lang="fr-FR" noProof="0" dirty="0" smtClean="0"/>
               <a:t>Titre de la présentation - Interne / Strictement confidentiel / lectra.com</a:t>
             </a:r>
             <a:endParaRPr lang="fr-FR" noProof="0" dirty="0"/>
@@ -12578,7 +12619,7 @@
           <a:p>
             <a:fld id="{3E7050E7-73C5-4C52-871E-FB2025C720C0}" type="datetime1">
               <a:rPr lang="fr-FR" noProof="0" smtClean="0"/>
-              <a:t>30/08/2018</a:t>
+              <a:t>31/08/2018</a:t>
             </a:fld>
             <a:endParaRPr lang="fr-FR" noProof="0" dirty="0"/>
           </a:p>
@@ -12600,7 +12641,7 @@
           <a:lstStyle/>
           <a:p>
             <a:r>
-              <a:rPr lang="fr-FR" noProof="0" smtClean="0"/>
+              <a:rPr lang="fr-FR" noProof="0" dirty="0" smtClean="0"/>
               <a:t>Titre de la présentation - Interne / Strictement confidentiel / lectra.com</a:t>
             </a:r>
             <a:endParaRPr lang="fr-FR" noProof="0" dirty="0"/>
@@ -13000,7 +13041,7 @@
           <a:p>
             <a:fld id="{C979E3AE-DA54-4EBC-813B-87724D90DAD5}" type="datetime1">
               <a:rPr lang="fr-FR" noProof="0" smtClean="0"/>
-              <a:t>30/08/2018</a:t>
+              <a:t>31/08/2018</a:t>
             </a:fld>
             <a:endParaRPr lang="fr-FR" noProof="0" dirty="0"/>
           </a:p>
@@ -13022,7 +13063,7 @@
           <a:lstStyle/>
           <a:p>
             <a:r>
-              <a:rPr lang="fr-FR" noProof="0" smtClean="0"/>
+              <a:rPr lang="fr-FR" noProof="0" dirty="0" smtClean="0"/>
               <a:t>Titre de la présentation - Interne / Strictement confidentiel / lectra.com</a:t>
             </a:r>
             <a:endParaRPr lang="fr-FR" noProof="0" dirty="0"/>
@@ -13641,7 +13682,7 @@
           <a:p>
             <a:fld id="{F6AE75DE-33F1-442E-9FB8-57C94E136B68}" type="datetime1">
               <a:rPr lang="fr-FR" noProof="0" smtClean="0"/>
-              <a:t>30/08/2018</a:t>
+              <a:t>31/08/2018</a:t>
             </a:fld>
             <a:endParaRPr lang="fr-FR" noProof="0" dirty="0"/>
           </a:p>
@@ -13684,7 +13725,7 @@
           </a:lstStyle>
           <a:p>
             <a:r>
-              <a:rPr lang="fr-FR" noProof="0" smtClean="0"/>
+              <a:rPr lang="fr-FR" noProof="0" dirty="0" smtClean="0"/>
               <a:t>Titre de la présentation - Interne / Strictement confidentiel / lectra.com</a:t>
             </a:r>
             <a:endParaRPr lang="fr-FR" noProof="0" dirty="0"/>
@@ -14174,3352 +14215,6 @@
 </p:sld>
 </file>
 
-<file path=ppt/slides/slide10.xml><?xml version="1.0" encoding="utf-8"?>
-<p:sld xmlns:a="http://schemas.openxmlformats.org/drawingml/2006/main" xmlns:r="http://schemas.openxmlformats.org/officeDocument/2006/relationships" xmlns:p="http://schemas.openxmlformats.org/presentationml/2006/main">
-  <p:cSld>
-    <p:spTree>
-      <p:nvGrpSpPr>
-        <p:cNvPr id="1" name=""/>
-        <p:cNvGrpSpPr/>
-        <p:nvPr/>
-      </p:nvGrpSpPr>
-      <p:grpSpPr>
-        <a:xfrm>
-          <a:off x="0" y="0"/>
-          <a:ext cx="0" cy="0"/>
-          <a:chOff x="0" y="0"/>
-          <a:chExt cx="0" cy="0"/>
-        </a:xfrm>
-      </p:grpSpPr>
-      <p:pic>
-        <p:nvPicPr>
-          <p:cNvPr id="18" name="Espace réservé pour une image  8"/>
-          <p:cNvPicPr>
-            <a:picLocks noChangeAspect="1"/>
-          </p:cNvPicPr>
-          <p:nvPr/>
-        </p:nvPicPr>
-        <p:blipFill>
-          <a:blip r:embed="rId2" cstate="print">
-            <a:extLst>
-              <a:ext uri="{28A0092B-C50C-407E-A947-70E740481C1C}">
-                <a14:useLocalDpi xmlns:a14="http://schemas.microsoft.com/office/drawing/2010/main"/>
-              </a:ext>
-            </a:extLst>
-          </a:blip>
-          <a:srcRect/>
-          <a:stretch>
-            <a:fillRect/>
-          </a:stretch>
-        </p:blipFill>
-        <p:spPr>
-          <a:xfrm>
-            <a:off x="1808163" y="1177925"/>
-            <a:ext cx="8432800" cy="4410075"/>
-          </a:xfrm>
-          <a:prstGeom prst="rect">
-            <a:avLst/>
-          </a:prstGeom>
-        </p:spPr>
-      </p:pic>
-      <p:sp>
-        <p:nvSpPr>
-          <p:cNvPr id="2" name="Espace réservé du numéro de diapositive 1"/>
-          <p:cNvSpPr>
-            <a:spLocks noGrp="1"/>
-          </p:cNvSpPr>
-          <p:nvPr>
-            <p:ph type="sldNum" sz="quarter" idx="10"/>
-          </p:nvPr>
-        </p:nvSpPr>
-        <p:spPr/>
-        <p:txBody>
-          <a:bodyPr/>
-          <a:lstStyle/>
-          <a:p>
-            <a:fld id="{BF139039-C7B8-4F4D-842F-EEB9FD5C5187}" type="slidenum">
-              <a:rPr lang="fr-FR" smtClean="0"/>
-              <a:pPr/>
-              <a:t>10</a:t>
-            </a:fld>
-            <a:endParaRPr lang="fr-FR" dirty="0"/>
-          </a:p>
-        </p:txBody>
-      </p:sp>
-      <p:sp>
-        <p:nvSpPr>
-          <p:cNvPr id="3" name="Espace réservé de la date 2"/>
-          <p:cNvSpPr>
-            <a:spLocks noGrp="1"/>
-          </p:cNvSpPr>
-          <p:nvPr>
-            <p:ph type="dt" sz="half" idx="11"/>
-          </p:nvPr>
-        </p:nvSpPr>
-        <p:spPr/>
-        <p:txBody>
-          <a:bodyPr/>
-          <a:lstStyle/>
-          <a:p>
-            <a:fld id="{1905B660-28A2-4478-9A90-1B1A009E0281}" type="datetime1">
-              <a:rPr lang="fr-FR" smtClean="0"/>
-              <a:t>30/08/2018</a:t>
-            </a:fld>
-            <a:endParaRPr lang="fr-FR" dirty="0"/>
-          </a:p>
-        </p:txBody>
-      </p:sp>
-      <p:sp>
-        <p:nvSpPr>
-          <p:cNvPr id="4" name="Espace réservé du pied de page 3"/>
-          <p:cNvSpPr>
-            <a:spLocks noGrp="1"/>
-          </p:cNvSpPr>
-          <p:nvPr>
-            <p:ph type="ftr" sz="quarter" idx="12"/>
-          </p:nvPr>
-        </p:nvSpPr>
-        <p:spPr/>
-        <p:txBody>
-          <a:bodyPr/>
-          <a:lstStyle/>
-          <a:p>
-            <a:r>
-              <a:rPr lang="fr-FR" dirty="0"/>
-              <a:t>Démo Dashboard CAD</a:t>
-            </a:r>
-            <a:endParaRPr lang="fr-FR" dirty="0"/>
-          </a:p>
-        </p:txBody>
-      </p:sp>
-      <p:sp>
-        <p:nvSpPr>
-          <p:cNvPr id="5" name="Espace réservé du texte 4"/>
-          <p:cNvSpPr>
-            <a:spLocks noGrp="1"/>
-          </p:cNvSpPr>
-          <p:nvPr>
-            <p:ph type="body" sz="quarter" idx="15"/>
-          </p:nvPr>
-        </p:nvSpPr>
-        <p:spPr/>
-        <p:txBody>
-          <a:bodyPr/>
-          <a:lstStyle/>
-          <a:p>
-            <a:r>
-              <a:rPr lang="fr-FR" dirty="0" smtClean="0"/>
-              <a:t>Réutilisables</a:t>
-            </a:r>
-            <a:endParaRPr lang="fr-FR" dirty="0" smtClean="0"/>
-          </a:p>
-          <a:p>
-            <a:endParaRPr lang="fr-FR" dirty="0"/>
-          </a:p>
-        </p:txBody>
-      </p:sp>
-      <p:sp>
-        <p:nvSpPr>
-          <p:cNvPr id="7" name="Rectangle 6"/>
-          <p:cNvSpPr/>
-          <p:nvPr/>
-        </p:nvSpPr>
-        <p:spPr>
-          <a:xfrm>
-            <a:off x="6431280" y="1280160"/>
-            <a:ext cx="3667760" cy="4175760"/>
-          </a:xfrm>
-          <a:prstGeom prst="rect">
-            <a:avLst/>
-          </a:prstGeom>
-          <a:solidFill>
-            <a:schemeClr val="tx1">
-              <a:lumMod val="50000"/>
-              <a:lumOff val="50000"/>
-              <a:alpha val="85000"/>
-            </a:schemeClr>
-          </a:solidFill>
-          <a:ln>
-            <a:noFill/>
-          </a:ln>
-        </p:spPr>
-        <p:style>
-          <a:lnRef idx="2">
-            <a:schemeClr val="accent1">
-              <a:shade val="50000"/>
-            </a:schemeClr>
-          </a:lnRef>
-          <a:fillRef idx="1">
-            <a:schemeClr val="accent1"/>
-          </a:fillRef>
-          <a:effectRef idx="0">
-            <a:schemeClr val="accent1"/>
-          </a:effectRef>
-          <a:fontRef idx="minor">
-            <a:schemeClr val="lt1"/>
-          </a:fontRef>
-        </p:style>
-        <p:txBody>
-          <a:bodyPr rtlCol="0" anchor="ctr"/>
-          <a:lstStyle/>
-          <a:p>
-            <a:pPr algn="ctr"/>
-            <a:endParaRPr lang="fr-FR" dirty="0"/>
-          </a:p>
-        </p:txBody>
-      </p:sp>
-      <p:sp>
-        <p:nvSpPr>
-          <p:cNvPr id="8" name="Rectangle 7"/>
-          <p:cNvSpPr/>
-          <p:nvPr/>
-        </p:nvSpPr>
-        <p:spPr>
-          <a:xfrm>
-            <a:off x="7109254" y="1684865"/>
-            <a:ext cx="304800" cy="115330"/>
-          </a:xfrm>
-          <a:prstGeom prst="rect">
-            <a:avLst/>
-          </a:prstGeom>
-          <a:solidFill>
-            <a:srgbClr val="C00000"/>
-          </a:solidFill>
-          <a:ln>
-            <a:noFill/>
-          </a:ln>
-        </p:spPr>
-        <p:style>
-          <a:lnRef idx="2">
-            <a:schemeClr val="accent1">
-              <a:shade val="50000"/>
-            </a:schemeClr>
-          </a:lnRef>
-          <a:fillRef idx="1">
-            <a:schemeClr val="accent1"/>
-          </a:fillRef>
-          <a:effectRef idx="0">
-            <a:schemeClr val="accent1"/>
-          </a:effectRef>
-          <a:fontRef idx="minor">
-            <a:schemeClr val="lt1"/>
-          </a:fontRef>
-        </p:style>
-        <p:txBody>
-          <a:bodyPr rtlCol="0" anchor="ctr"/>
-          <a:lstStyle/>
-          <a:p>
-            <a:pPr algn="ctr"/>
-            <a:endParaRPr lang="fr-FR" dirty="0">
-              <a:solidFill>
-                <a:srgbClr val="C00000"/>
-              </a:solidFill>
-            </a:endParaRPr>
-          </a:p>
-        </p:txBody>
-      </p:sp>
-      <p:sp>
-        <p:nvSpPr>
-          <p:cNvPr id="9" name="ZoneTexte 8"/>
-          <p:cNvSpPr txBox="1"/>
-          <p:nvPr/>
-        </p:nvSpPr>
-        <p:spPr>
-          <a:xfrm>
-            <a:off x="7172960" y="1629474"/>
-            <a:ext cx="2926080" cy="369332"/>
-          </a:xfrm>
-          <a:prstGeom prst="rect">
-            <a:avLst/>
-          </a:prstGeom>
-          <a:noFill/>
-        </p:spPr>
-        <p:txBody>
-          <a:bodyPr wrap="square" rtlCol="0">
-            <a:spAutoFit/>
-          </a:bodyPr>
-          <a:lstStyle/>
-          <a:p>
-            <a:pPr lvl="0"/>
-            <a:r>
-              <a:rPr lang="fr-FR" dirty="0">
-                <a:solidFill>
-                  <a:prstClr val="white"/>
-                </a:solidFill>
-                <a:latin typeface="Arial" charset="0"/>
-                <a:ea typeface="Arial" charset="0"/>
-                <a:cs typeface="Arial" charset="0"/>
-              </a:rPr>
-              <a:t>Server /API</a:t>
-            </a:r>
-            <a:endParaRPr lang="fr-FR" dirty="0" smtClean="0">
-              <a:solidFill>
-                <a:schemeClr val="bg1"/>
-              </a:solidFill>
-              <a:latin typeface="Arial" charset="0"/>
-              <a:ea typeface="Arial" charset="0"/>
-              <a:cs typeface="Arial" charset="0"/>
-            </a:endParaRPr>
-          </a:p>
-        </p:txBody>
-      </p:sp>
-      <p:sp>
-        <p:nvSpPr>
-          <p:cNvPr id="10" name="Rectangle 9"/>
-          <p:cNvSpPr/>
-          <p:nvPr/>
-        </p:nvSpPr>
-        <p:spPr>
-          <a:xfrm>
-            <a:off x="7109254" y="2507399"/>
-            <a:ext cx="304800" cy="115330"/>
-          </a:xfrm>
-          <a:prstGeom prst="rect">
-            <a:avLst/>
-          </a:prstGeom>
-          <a:solidFill>
-            <a:srgbClr val="C00000"/>
-          </a:solidFill>
-          <a:ln>
-            <a:noFill/>
-          </a:ln>
-        </p:spPr>
-        <p:style>
-          <a:lnRef idx="2">
-            <a:schemeClr val="accent1">
-              <a:shade val="50000"/>
-            </a:schemeClr>
-          </a:lnRef>
-          <a:fillRef idx="1">
-            <a:schemeClr val="accent1"/>
-          </a:fillRef>
-          <a:effectRef idx="0">
-            <a:schemeClr val="accent1"/>
-          </a:effectRef>
-          <a:fontRef idx="minor">
-            <a:schemeClr val="lt1"/>
-          </a:fontRef>
-        </p:style>
-        <p:txBody>
-          <a:bodyPr rtlCol="0" anchor="ctr"/>
-          <a:lstStyle/>
-          <a:p>
-            <a:pPr algn="ctr"/>
-            <a:endParaRPr lang="fr-FR" dirty="0">
-              <a:solidFill>
-                <a:srgbClr val="C00000"/>
-              </a:solidFill>
-            </a:endParaRPr>
-          </a:p>
-        </p:txBody>
-      </p:sp>
-      <p:sp>
-        <p:nvSpPr>
-          <p:cNvPr id="11" name="Rectangle 10"/>
-          <p:cNvSpPr/>
-          <p:nvPr/>
-        </p:nvSpPr>
-        <p:spPr>
-          <a:xfrm>
-            <a:off x="7109254" y="3247301"/>
-            <a:ext cx="304800" cy="115330"/>
-          </a:xfrm>
-          <a:prstGeom prst="rect">
-            <a:avLst/>
-          </a:prstGeom>
-          <a:solidFill>
-            <a:srgbClr val="C00000"/>
-          </a:solidFill>
-          <a:ln>
-            <a:noFill/>
-          </a:ln>
-        </p:spPr>
-        <p:style>
-          <a:lnRef idx="2">
-            <a:schemeClr val="accent1">
-              <a:shade val="50000"/>
-            </a:schemeClr>
-          </a:lnRef>
-          <a:fillRef idx="1">
-            <a:schemeClr val="accent1"/>
-          </a:fillRef>
-          <a:effectRef idx="0">
-            <a:schemeClr val="accent1"/>
-          </a:effectRef>
-          <a:fontRef idx="minor">
-            <a:schemeClr val="lt1"/>
-          </a:fontRef>
-        </p:style>
-        <p:txBody>
-          <a:bodyPr rtlCol="0" anchor="ctr"/>
-          <a:lstStyle/>
-          <a:p>
-            <a:pPr algn="ctr"/>
-            <a:endParaRPr lang="fr-FR" dirty="0">
-              <a:solidFill>
-                <a:srgbClr val="C00000"/>
-              </a:solidFill>
-            </a:endParaRPr>
-          </a:p>
-        </p:txBody>
-      </p:sp>
-      <p:sp>
-        <p:nvSpPr>
-          <p:cNvPr id="14" name="ZoneTexte 13"/>
-          <p:cNvSpPr txBox="1"/>
-          <p:nvPr/>
-        </p:nvSpPr>
-        <p:spPr>
-          <a:xfrm>
-            <a:off x="7194336" y="2432913"/>
-            <a:ext cx="2926080" cy="646331"/>
-          </a:xfrm>
-          <a:prstGeom prst="rect">
-            <a:avLst/>
-          </a:prstGeom>
-          <a:noFill/>
-        </p:spPr>
-        <p:txBody>
-          <a:bodyPr wrap="square" rtlCol="0">
-            <a:spAutoFit/>
-          </a:bodyPr>
-          <a:lstStyle/>
-          <a:p>
-            <a:pPr>
-              <a:defRPr/>
-            </a:pPr>
-            <a:r>
-              <a:rPr lang="fr-FR" b="1" dirty="0" smtClean="0">
-                <a:latin typeface="Arial" charset="0"/>
-                <a:ea typeface="Arial" charset="0"/>
-                <a:cs typeface="Arial" charset="0"/>
-              </a:rPr>
-              <a:t>withRemoteData</a:t>
-            </a:r>
-            <a:endParaRPr lang="fr-FR" b="1" dirty="0">
-              <a:latin typeface="Arial" charset="0"/>
-              <a:ea typeface="Arial" charset="0"/>
-              <a:cs typeface="Arial" charset="0"/>
-            </a:endParaRPr>
-          </a:p>
-          <a:p>
-            <a:pPr lvl="0">
-              <a:defRPr/>
-            </a:pPr>
-            <a:endParaRPr lang="fr-FR" dirty="0" smtClean="0">
-              <a:solidFill>
-                <a:prstClr val="white"/>
-              </a:solidFill>
-              <a:latin typeface="Arial" charset="0"/>
-              <a:ea typeface="Arial" charset="0"/>
-              <a:cs typeface="Arial" charset="0"/>
-            </a:endParaRPr>
-          </a:p>
-        </p:txBody>
-      </p:sp>
-      <p:sp>
-        <p:nvSpPr>
-          <p:cNvPr id="17" name="ZoneTexte 16"/>
-          <p:cNvSpPr txBox="1"/>
-          <p:nvPr/>
-        </p:nvSpPr>
-        <p:spPr>
-          <a:xfrm>
-            <a:off x="7194336" y="3205283"/>
-            <a:ext cx="2926080" cy="369332"/>
-          </a:xfrm>
-          <a:prstGeom prst="rect">
-            <a:avLst/>
-          </a:prstGeom>
-          <a:noFill/>
-        </p:spPr>
-        <p:txBody>
-          <a:bodyPr wrap="square" rtlCol="0">
-            <a:spAutoFit/>
-          </a:bodyPr>
-          <a:lstStyle/>
-          <a:p>
-            <a:pPr lvl="0">
-              <a:defRPr/>
-            </a:pPr>
-            <a:r>
-              <a:rPr lang="fr-FR" dirty="0" smtClean="0">
-                <a:solidFill>
-                  <a:prstClr val="white"/>
-                </a:solidFill>
-                <a:latin typeface="Arial" charset="0"/>
-                <a:ea typeface="Arial" charset="0"/>
-                <a:cs typeface="Arial" charset="0"/>
-              </a:rPr>
-              <a:t>Cron</a:t>
-            </a:r>
-            <a:endParaRPr lang="fr-FR" dirty="0">
-              <a:solidFill>
-                <a:prstClr val="white"/>
-              </a:solidFill>
-              <a:latin typeface="Arial" charset="0"/>
-              <a:ea typeface="Arial" charset="0"/>
-              <a:cs typeface="Arial" charset="0"/>
-            </a:endParaRPr>
-          </a:p>
-        </p:txBody>
-      </p:sp>
-      <p:sp>
-        <p:nvSpPr>
-          <p:cNvPr id="20" name="Rectangle 19"/>
-          <p:cNvSpPr/>
-          <p:nvPr/>
-        </p:nvSpPr>
-        <p:spPr>
-          <a:xfrm>
-            <a:off x="7100018" y="4489362"/>
-            <a:ext cx="304800" cy="115330"/>
-          </a:xfrm>
-          <a:prstGeom prst="rect">
-            <a:avLst/>
-          </a:prstGeom>
-          <a:solidFill>
-            <a:srgbClr val="C00000"/>
-          </a:solidFill>
-          <a:ln>
-            <a:noFill/>
-          </a:ln>
-        </p:spPr>
-        <p:style>
-          <a:lnRef idx="2">
-            <a:schemeClr val="accent1">
-              <a:shade val="50000"/>
-            </a:schemeClr>
-          </a:lnRef>
-          <a:fillRef idx="1">
-            <a:schemeClr val="accent1"/>
-          </a:fillRef>
-          <a:effectRef idx="0">
-            <a:schemeClr val="accent1"/>
-          </a:effectRef>
-          <a:fontRef idx="minor">
-            <a:schemeClr val="lt1"/>
-          </a:fontRef>
-        </p:style>
-        <p:txBody>
-          <a:bodyPr rtlCol="0" anchor="ctr"/>
-          <a:lstStyle/>
-          <a:p>
-            <a:pPr algn="ctr"/>
-            <a:endParaRPr lang="fr-FR" dirty="0">
-              <a:solidFill>
-                <a:srgbClr val="C00000"/>
-              </a:solidFill>
-            </a:endParaRPr>
-          </a:p>
-        </p:txBody>
-      </p:sp>
-      <p:sp>
-        <p:nvSpPr>
-          <p:cNvPr id="22" name="ZoneTexte 21"/>
-          <p:cNvSpPr txBox="1"/>
-          <p:nvPr/>
-        </p:nvSpPr>
-        <p:spPr>
-          <a:xfrm>
-            <a:off x="7144049" y="4446892"/>
-            <a:ext cx="2926080" cy="923330"/>
-          </a:xfrm>
-          <a:prstGeom prst="rect">
-            <a:avLst/>
-          </a:prstGeom>
-          <a:noFill/>
-        </p:spPr>
-        <p:txBody>
-          <a:bodyPr wrap="square" rtlCol="0">
-            <a:spAutoFit/>
-          </a:bodyPr>
-          <a:lstStyle/>
-          <a:p>
-            <a:pPr lvl="0">
-              <a:defRPr/>
-            </a:pPr>
-            <a:r>
-              <a:rPr lang="fr-FR" dirty="0">
-                <a:solidFill>
-                  <a:schemeClr val="bg1"/>
-                </a:solidFill>
-                <a:latin typeface="Arial" charset="0"/>
-                <a:ea typeface="Arial" charset="0"/>
-                <a:cs typeface="Arial" charset="0"/>
-              </a:rPr>
-              <a:t>Carrousel </a:t>
-            </a:r>
-          </a:p>
-          <a:p>
-            <a:pPr lvl="0">
-              <a:defRPr/>
-            </a:pPr>
-            <a:r>
-              <a:rPr lang="fr-FR" dirty="0">
-                <a:solidFill>
-                  <a:schemeClr val="bg1"/>
-                </a:solidFill>
-                <a:latin typeface="Arial" charset="0"/>
-                <a:ea typeface="Arial" charset="0"/>
-                <a:cs typeface="Arial" charset="0"/>
-              </a:rPr>
-              <a:t>et navigation au clavier</a:t>
-            </a:r>
-          </a:p>
-          <a:p>
-            <a:pPr lvl="0">
-              <a:defRPr/>
-            </a:pPr>
-            <a:endParaRPr lang="fr-FR" dirty="0">
-              <a:solidFill>
-                <a:schemeClr val="bg1"/>
-              </a:solidFill>
-              <a:latin typeface="Arial" charset="0"/>
-              <a:ea typeface="Arial" charset="0"/>
-              <a:cs typeface="Arial" charset="0"/>
-            </a:endParaRPr>
-          </a:p>
-        </p:txBody>
-      </p:sp>
-      <p:sp>
-        <p:nvSpPr>
-          <p:cNvPr id="24" name="Rectangle 23"/>
-          <p:cNvSpPr/>
-          <p:nvPr/>
-        </p:nvSpPr>
-        <p:spPr>
-          <a:xfrm>
-            <a:off x="7109254" y="3816077"/>
-            <a:ext cx="304800" cy="115330"/>
-          </a:xfrm>
-          <a:prstGeom prst="rect">
-            <a:avLst/>
-          </a:prstGeom>
-          <a:solidFill>
-            <a:srgbClr val="C00000"/>
-          </a:solidFill>
-          <a:ln>
-            <a:noFill/>
-          </a:ln>
-        </p:spPr>
-        <p:style>
-          <a:lnRef idx="2">
-            <a:schemeClr val="accent1">
-              <a:shade val="50000"/>
-            </a:schemeClr>
-          </a:lnRef>
-          <a:fillRef idx="1">
-            <a:schemeClr val="accent1"/>
-          </a:fillRef>
-          <a:effectRef idx="0">
-            <a:schemeClr val="accent1"/>
-          </a:effectRef>
-          <a:fontRef idx="minor">
-            <a:schemeClr val="lt1"/>
-          </a:fontRef>
-        </p:style>
-        <p:txBody>
-          <a:bodyPr rtlCol="0" anchor="ctr"/>
-          <a:lstStyle/>
-          <a:p>
-            <a:pPr algn="ctr"/>
-            <a:endParaRPr lang="fr-FR" dirty="0">
-              <a:solidFill>
-                <a:srgbClr val="C00000"/>
-              </a:solidFill>
-            </a:endParaRPr>
-          </a:p>
-        </p:txBody>
-      </p:sp>
-      <p:sp>
-        <p:nvSpPr>
-          <p:cNvPr id="25" name="ZoneTexte 24"/>
-          <p:cNvSpPr txBox="1"/>
-          <p:nvPr/>
-        </p:nvSpPr>
-        <p:spPr>
-          <a:xfrm>
-            <a:off x="7194336" y="3751605"/>
-            <a:ext cx="2926080" cy="369332"/>
-          </a:xfrm>
-          <a:prstGeom prst="rect">
-            <a:avLst/>
-          </a:prstGeom>
-          <a:noFill/>
-        </p:spPr>
-        <p:txBody>
-          <a:bodyPr wrap="square" rtlCol="0">
-            <a:spAutoFit/>
-          </a:bodyPr>
-          <a:lstStyle/>
-          <a:p>
-            <a:pPr>
-              <a:defRPr/>
-            </a:pPr>
-            <a:r>
-              <a:rPr lang="fr-FR" dirty="0">
-                <a:solidFill>
-                  <a:schemeClr val="bg1"/>
-                </a:solidFill>
-                <a:latin typeface="Arial" charset="0"/>
-                <a:ea typeface="Arial" charset="0"/>
-                <a:cs typeface="Arial" charset="0"/>
-              </a:rPr>
-              <a:t>Composant </a:t>
-            </a:r>
-            <a:r>
-              <a:rPr lang="fr-FR" dirty="0" smtClean="0">
-                <a:solidFill>
-                  <a:schemeClr val="bg1"/>
-                </a:solidFill>
-                <a:latin typeface="Arial" charset="0"/>
-                <a:ea typeface="Arial" charset="0"/>
-                <a:cs typeface="Arial" charset="0"/>
-              </a:rPr>
-              <a:t>graph</a:t>
-            </a:r>
-            <a:endParaRPr lang="fr-FR" dirty="0">
-              <a:solidFill>
-                <a:schemeClr val="bg1"/>
-              </a:solidFill>
-              <a:latin typeface="Arial" charset="0"/>
-              <a:ea typeface="Arial" charset="0"/>
-              <a:cs typeface="Arial" charset="0"/>
-            </a:endParaRPr>
-          </a:p>
-        </p:txBody>
-      </p:sp>
-    </p:spTree>
-    <p:extLst>
-      <p:ext uri="{BB962C8B-B14F-4D97-AF65-F5344CB8AC3E}">
-        <p14:creationId xmlns:p14="http://schemas.microsoft.com/office/powerpoint/2010/main" val="524367687"/>
-      </p:ext>
-    </p:extLst>
-  </p:cSld>
-  <p:clrMapOvr>
-    <a:masterClrMapping/>
-  </p:clrMapOvr>
-  <p:timing>
-    <p:tnLst>
-      <p:par>
-        <p:cTn id="1" dur="indefinite" restart="never" nodeType="tmRoot"/>
-      </p:par>
-    </p:tnLst>
-  </p:timing>
-</p:sld>
-</file>
-
-<file path=ppt/slides/slide11.xml><?xml version="1.0" encoding="utf-8"?>
-<p:sld xmlns:a="http://schemas.openxmlformats.org/drawingml/2006/main" xmlns:r="http://schemas.openxmlformats.org/officeDocument/2006/relationships" xmlns:p="http://schemas.openxmlformats.org/presentationml/2006/main">
-  <p:cSld>
-    <p:spTree>
-      <p:nvGrpSpPr>
-        <p:cNvPr id="1" name=""/>
-        <p:cNvGrpSpPr/>
-        <p:nvPr/>
-      </p:nvGrpSpPr>
-      <p:grpSpPr>
-        <a:xfrm>
-          <a:off x="0" y="0"/>
-          <a:ext cx="0" cy="0"/>
-          <a:chOff x="0" y="0"/>
-          <a:chExt cx="0" cy="0"/>
-        </a:xfrm>
-      </p:grpSpPr>
-      <p:pic>
-        <p:nvPicPr>
-          <p:cNvPr id="18" name="Espace réservé pour une image  8"/>
-          <p:cNvPicPr>
-            <a:picLocks noChangeAspect="1"/>
-          </p:cNvPicPr>
-          <p:nvPr/>
-        </p:nvPicPr>
-        <p:blipFill>
-          <a:blip r:embed="rId2" cstate="print">
-            <a:extLst>
-              <a:ext uri="{28A0092B-C50C-407E-A947-70E740481C1C}">
-                <a14:useLocalDpi xmlns:a14="http://schemas.microsoft.com/office/drawing/2010/main"/>
-              </a:ext>
-            </a:extLst>
-          </a:blip>
-          <a:srcRect/>
-          <a:stretch>
-            <a:fillRect/>
-          </a:stretch>
-        </p:blipFill>
-        <p:spPr>
-          <a:xfrm>
-            <a:off x="1808163" y="1177925"/>
-            <a:ext cx="8432800" cy="4410075"/>
-          </a:xfrm>
-          <a:prstGeom prst="rect">
-            <a:avLst/>
-          </a:prstGeom>
-        </p:spPr>
-      </p:pic>
-      <p:sp>
-        <p:nvSpPr>
-          <p:cNvPr id="2" name="Espace réservé du numéro de diapositive 1"/>
-          <p:cNvSpPr>
-            <a:spLocks noGrp="1"/>
-          </p:cNvSpPr>
-          <p:nvPr>
-            <p:ph type="sldNum" sz="quarter" idx="10"/>
-          </p:nvPr>
-        </p:nvSpPr>
-        <p:spPr/>
-        <p:txBody>
-          <a:bodyPr/>
-          <a:lstStyle/>
-          <a:p>
-            <a:fld id="{BF139039-C7B8-4F4D-842F-EEB9FD5C5187}" type="slidenum">
-              <a:rPr lang="fr-FR" smtClean="0"/>
-              <a:pPr/>
-              <a:t>11</a:t>
-            </a:fld>
-            <a:endParaRPr lang="fr-FR" dirty="0"/>
-          </a:p>
-        </p:txBody>
-      </p:sp>
-      <p:sp>
-        <p:nvSpPr>
-          <p:cNvPr id="3" name="Espace réservé de la date 2"/>
-          <p:cNvSpPr>
-            <a:spLocks noGrp="1"/>
-          </p:cNvSpPr>
-          <p:nvPr>
-            <p:ph type="dt" sz="half" idx="11"/>
-          </p:nvPr>
-        </p:nvSpPr>
-        <p:spPr/>
-        <p:txBody>
-          <a:bodyPr/>
-          <a:lstStyle/>
-          <a:p>
-            <a:fld id="{1905B660-28A2-4478-9A90-1B1A009E0281}" type="datetime1">
-              <a:rPr lang="fr-FR" smtClean="0"/>
-              <a:t>30/08/2018</a:t>
-            </a:fld>
-            <a:endParaRPr lang="fr-FR" dirty="0"/>
-          </a:p>
-        </p:txBody>
-      </p:sp>
-      <p:sp>
-        <p:nvSpPr>
-          <p:cNvPr id="4" name="Espace réservé du pied de page 3"/>
-          <p:cNvSpPr>
-            <a:spLocks noGrp="1"/>
-          </p:cNvSpPr>
-          <p:nvPr>
-            <p:ph type="ftr" sz="quarter" idx="12"/>
-          </p:nvPr>
-        </p:nvSpPr>
-        <p:spPr/>
-        <p:txBody>
-          <a:bodyPr/>
-          <a:lstStyle/>
-          <a:p>
-            <a:r>
-              <a:rPr lang="fr-FR" dirty="0"/>
-              <a:t>Démo Dashboard CAD</a:t>
-            </a:r>
-            <a:endParaRPr lang="fr-FR" dirty="0"/>
-          </a:p>
-        </p:txBody>
-      </p:sp>
-      <p:sp>
-        <p:nvSpPr>
-          <p:cNvPr id="5" name="Espace réservé du texte 4"/>
-          <p:cNvSpPr>
-            <a:spLocks noGrp="1"/>
-          </p:cNvSpPr>
-          <p:nvPr>
-            <p:ph type="body" sz="quarter" idx="15"/>
-          </p:nvPr>
-        </p:nvSpPr>
-        <p:spPr/>
-        <p:txBody>
-          <a:bodyPr/>
-          <a:lstStyle/>
-          <a:p>
-            <a:r>
-              <a:rPr lang="fr-FR" dirty="0" smtClean="0"/>
-              <a:t>Réutilisables</a:t>
-            </a:r>
-            <a:endParaRPr lang="fr-FR" dirty="0" smtClean="0"/>
-          </a:p>
-          <a:p>
-            <a:endParaRPr lang="fr-FR" dirty="0"/>
-          </a:p>
-        </p:txBody>
-      </p:sp>
-      <p:sp>
-        <p:nvSpPr>
-          <p:cNvPr id="7" name="Rectangle 6"/>
-          <p:cNvSpPr/>
-          <p:nvPr/>
-        </p:nvSpPr>
-        <p:spPr>
-          <a:xfrm>
-            <a:off x="6431280" y="1280160"/>
-            <a:ext cx="3667760" cy="4175760"/>
-          </a:xfrm>
-          <a:prstGeom prst="rect">
-            <a:avLst/>
-          </a:prstGeom>
-          <a:solidFill>
-            <a:schemeClr val="tx1">
-              <a:lumMod val="50000"/>
-              <a:lumOff val="50000"/>
-              <a:alpha val="85000"/>
-            </a:schemeClr>
-          </a:solidFill>
-          <a:ln>
-            <a:noFill/>
-          </a:ln>
-        </p:spPr>
-        <p:style>
-          <a:lnRef idx="2">
-            <a:schemeClr val="accent1">
-              <a:shade val="50000"/>
-            </a:schemeClr>
-          </a:lnRef>
-          <a:fillRef idx="1">
-            <a:schemeClr val="accent1"/>
-          </a:fillRef>
-          <a:effectRef idx="0">
-            <a:schemeClr val="accent1"/>
-          </a:effectRef>
-          <a:fontRef idx="minor">
-            <a:schemeClr val="lt1"/>
-          </a:fontRef>
-        </p:style>
-        <p:txBody>
-          <a:bodyPr rtlCol="0" anchor="ctr"/>
-          <a:lstStyle/>
-          <a:p>
-            <a:pPr algn="ctr"/>
-            <a:endParaRPr lang="fr-FR" dirty="0"/>
-          </a:p>
-        </p:txBody>
-      </p:sp>
-      <p:sp>
-        <p:nvSpPr>
-          <p:cNvPr id="8" name="Rectangle 7"/>
-          <p:cNvSpPr/>
-          <p:nvPr/>
-        </p:nvSpPr>
-        <p:spPr>
-          <a:xfrm>
-            <a:off x="7109254" y="1684865"/>
-            <a:ext cx="304800" cy="115330"/>
-          </a:xfrm>
-          <a:prstGeom prst="rect">
-            <a:avLst/>
-          </a:prstGeom>
-          <a:solidFill>
-            <a:srgbClr val="C00000"/>
-          </a:solidFill>
-          <a:ln>
-            <a:noFill/>
-          </a:ln>
-        </p:spPr>
-        <p:style>
-          <a:lnRef idx="2">
-            <a:schemeClr val="accent1">
-              <a:shade val="50000"/>
-            </a:schemeClr>
-          </a:lnRef>
-          <a:fillRef idx="1">
-            <a:schemeClr val="accent1"/>
-          </a:fillRef>
-          <a:effectRef idx="0">
-            <a:schemeClr val="accent1"/>
-          </a:effectRef>
-          <a:fontRef idx="minor">
-            <a:schemeClr val="lt1"/>
-          </a:fontRef>
-        </p:style>
-        <p:txBody>
-          <a:bodyPr rtlCol="0" anchor="ctr"/>
-          <a:lstStyle/>
-          <a:p>
-            <a:pPr algn="ctr"/>
-            <a:endParaRPr lang="fr-FR" dirty="0">
-              <a:solidFill>
-                <a:srgbClr val="C00000"/>
-              </a:solidFill>
-            </a:endParaRPr>
-          </a:p>
-        </p:txBody>
-      </p:sp>
-      <p:sp>
-        <p:nvSpPr>
-          <p:cNvPr id="9" name="ZoneTexte 8"/>
-          <p:cNvSpPr txBox="1"/>
-          <p:nvPr/>
-        </p:nvSpPr>
-        <p:spPr>
-          <a:xfrm>
-            <a:off x="7172960" y="1629474"/>
-            <a:ext cx="2926080" cy="369332"/>
-          </a:xfrm>
-          <a:prstGeom prst="rect">
-            <a:avLst/>
-          </a:prstGeom>
-          <a:noFill/>
-        </p:spPr>
-        <p:txBody>
-          <a:bodyPr wrap="square" rtlCol="0">
-            <a:spAutoFit/>
-          </a:bodyPr>
-          <a:lstStyle/>
-          <a:p>
-            <a:pPr lvl="0"/>
-            <a:r>
-              <a:rPr lang="fr-FR" dirty="0">
-                <a:solidFill>
-                  <a:prstClr val="white"/>
-                </a:solidFill>
-                <a:latin typeface="Arial" charset="0"/>
-                <a:ea typeface="Arial" charset="0"/>
-                <a:cs typeface="Arial" charset="0"/>
-              </a:rPr>
-              <a:t>Server /API</a:t>
-            </a:r>
-            <a:endParaRPr lang="fr-FR" dirty="0" smtClean="0">
-              <a:solidFill>
-                <a:schemeClr val="bg1"/>
-              </a:solidFill>
-              <a:latin typeface="Arial" charset="0"/>
-              <a:ea typeface="Arial" charset="0"/>
-              <a:cs typeface="Arial" charset="0"/>
-            </a:endParaRPr>
-          </a:p>
-        </p:txBody>
-      </p:sp>
-      <p:sp>
-        <p:nvSpPr>
-          <p:cNvPr id="10" name="Rectangle 9"/>
-          <p:cNvSpPr/>
-          <p:nvPr/>
-        </p:nvSpPr>
-        <p:spPr>
-          <a:xfrm>
-            <a:off x="7109254" y="2507399"/>
-            <a:ext cx="304800" cy="115330"/>
-          </a:xfrm>
-          <a:prstGeom prst="rect">
-            <a:avLst/>
-          </a:prstGeom>
-          <a:solidFill>
-            <a:srgbClr val="C00000"/>
-          </a:solidFill>
-          <a:ln>
-            <a:noFill/>
-          </a:ln>
-        </p:spPr>
-        <p:style>
-          <a:lnRef idx="2">
-            <a:schemeClr val="accent1">
-              <a:shade val="50000"/>
-            </a:schemeClr>
-          </a:lnRef>
-          <a:fillRef idx="1">
-            <a:schemeClr val="accent1"/>
-          </a:fillRef>
-          <a:effectRef idx="0">
-            <a:schemeClr val="accent1"/>
-          </a:effectRef>
-          <a:fontRef idx="minor">
-            <a:schemeClr val="lt1"/>
-          </a:fontRef>
-        </p:style>
-        <p:txBody>
-          <a:bodyPr rtlCol="0" anchor="ctr"/>
-          <a:lstStyle/>
-          <a:p>
-            <a:pPr algn="ctr"/>
-            <a:endParaRPr lang="fr-FR" dirty="0">
-              <a:solidFill>
-                <a:srgbClr val="C00000"/>
-              </a:solidFill>
-            </a:endParaRPr>
-          </a:p>
-        </p:txBody>
-      </p:sp>
-      <p:sp>
-        <p:nvSpPr>
-          <p:cNvPr id="11" name="Rectangle 10"/>
-          <p:cNvSpPr/>
-          <p:nvPr/>
-        </p:nvSpPr>
-        <p:spPr>
-          <a:xfrm>
-            <a:off x="7109254" y="3247301"/>
-            <a:ext cx="304800" cy="115330"/>
-          </a:xfrm>
-          <a:prstGeom prst="rect">
-            <a:avLst/>
-          </a:prstGeom>
-          <a:solidFill>
-            <a:srgbClr val="C00000"/>
-          </a:solidFill>
-          <a:ln>
-            <a:noFill/>
-          </a:ln>
-        </p:spPr>
-        <p:style>
-          <a:lnRef idx="2">
-            <a:schemeClr val="accent1">
-              <a:shade val="50000"/>
-            </a:schemeClr>
-          </a:lnRef>
-          <a:fillRef idx="1">
-            <a:schemeClr val="accent1"/>
-          </a:fillRef>
-          <a:effectRef idx="0">
-            <a:schemeClr val="accent1"/>
-          </a:effectRef>
-          <a:fontRef idx="minor">
-            <a:schemeClr val="lt1"/>
-          </a:fontRef>
-        </p:style>
-        <p:txBody>
-          <a:bodyPr rtlCol="0" anchor="ctr"/>
-          <a:lstStyle/>
-          <a:p>
-            <a:pPr algn="ctr"/>
-            <a:endParaRPr lang="fr-FR" dirty="0">
-              <a:solidFill>
-                <a:srgbClr val="C00000"/>
-              </a:solidFill>
-            </a:endParaRPr>
-          </a:p>
-        </p:txBody>
-      </p:sp>
-      <p:sp>
-        <p:nvSpPr>
-          <p:cNvPr id="14" name="ZoneTexte 13"/>
-          <p:cNvSpPr txBox="1"/>
-          <p:nvPr/>
-        </p:nvSpPr>
-        <p:spPr>
-          <a:xfrm>
-            <a:off x="7194336" y="2432913"/>
-            <a:ext cx="2926080" cy="646331"/>
-          </a:xfrm>
-          <a:prstGeom prst="rect">
-            <a:avLst/>
-          </a:prstGeom>
-          <a:noFill/>
-        </p:spPr>
-        <p:txBody>
-          <a:bodyPr wrap="square" rtlCol="0">
-            <a:spAutoFit/>
-          </a:bodyPr>
-          <a:lstStyle/>
-          <a:p>
-            <a:pPr>
-              <a:defRPr/>
-            </a:pPr>
-            <a:r>
-              <a:rPr lang="fr-FR" dirty="0" smtClean="0">
-                <a:solidFill>
-                  <a:schemeClr val="bg1"/>
-                </a:solidFill>
-                <a:latin typeface="Arial" charset="0"/>
-                <a:ea typeface="Arial" charset="0"/>
-                <a:cs typeface="Arial" charset="0"/>
-              </a:rPr>
-              <a:t>withRemoteData</a:t>
-            </a:r>
-            <a:endParaRPr lang="fr-FR" dirty="0">
-              <a:solidFill>
-                <a:schemeClr val="bg1"/>
-              </a:solidFill>
-              <a:latin typeface="Arial" charset="0"/>
-              <a:ea typeface="Arial" charset="0"/>
-              <a:cs typeface="Arial" charset="0"/>
-            </a:endParaRPr>
-          </a:p>
-          <a:p>
-            <a:pPr lvl="0">
-              <a:defRPr/>
-            </a:pPr>
-            <a:endParaRPr lang="fr-FR" dirty="0" smtClean="0">
-              <a:solidFill>
-                <a:prstClr val="white"/>
-              </a:solidFill>
-              <a:latin typeface="Arial" charset="0"/>
-              <a:ea typeface="Arial" charset="0"/>
-              <a:cs typeface="Arial" charset="0"/>
-            </a:endParaRPr>
-          </a:p>
-        </p:txBody>
-      </p:sp>
-      <p:sp>
-        <p:nvSpPr>
-          <p:cNvPr id="17" name="ZoneTexte 16"/>
-          <p:cNvSpPr txBox="1"/>
-          <p:nvPr/>
-        </p:nvSpPr>
-        <p:spPr>
-          <a:xfrm>
-            <a:off x="7194336" y="3205283"/>
-            <a:ext cx="2926080" cy="369332"/>
-          </a:xfrm>
-          <a:prstGeom prst="rect">
-            <a:avLst/>
-          </a:prstGeom>
-          <a:noFill/>
-        </p:spPr>
-        <p:txBody>
-          <a:bodyPr wrap="square" rtlCol="0">
-            <a:spAutoFit/>
-          </a:bodyPr>
-          <a:lstStyle/>
-          <a:p>
-            <a:pPr lvl="0">
-              <a:defRPr/>
-            </a:pPr>
-            <a:r>
-              <a:rPr lang="fr-FR" b="1" dirty="0" smtClean="0">
-                <a:latin typeface="Arial" charset="0"/>
-                <a:ea typeface="Arial" charset="0"/>
-                <a:cs typeface="Arial" charset="0"/>
-              </a:rPr>
-              <a:t>Cron</a:t>
-            </a:r>
-            <a:endParaRPr lang="fr-FR" b="1" dirty="0">
-              <a:latin typeface="Arial" charset="0"/>
-              <a:ea typeface="Arial" charset="0"/>
-              <a:cs typeface="Arial" charset="0"/>
-            </a:endParaRPr>
-          </a:p>
-        </p:txBody>
-      </p:sp>
-      <p:sp>
-        <p:nvSpPr>
-          <p:cNvPr id="20" name="Rectangle 19"/>
-          <p:cNvSpPr/>
-          <p:nvPr/>
-        </p:nvSpPr>
-        <p:spPr>
-          <a:xfrm>
-            <a:off x="7100018" y="4489362"/>
-            <a:ext cx="304800" cy="115330"/>
-          </a:xfrm>
-          <a:prstGeom prst="rect">
-            <a:avLst/>
-          </a:prstGeom>
-          <a:solidFill>
-            <a:srgbClr val="C00000"/>
-          </a:solidFill>
-          <a:ln>
-            <a:noFill/>
-          </a:ln>
-        </p:spPr>
-        <p:style>
-          <a:lnRef idx="2">
-            <a:schemeClr val="accent1">
-              <a:shade val="50000"/>
-            </a:schemeClr>
-          </a:lnRef>
-          <a:fillRef idx="1">
-            <a:schemeClr val="accent1"/>
-          </a:fillRef>
-          <a:effectRef idx="0">
-            <a:schemeClr val="accent1"/>
-          </a:effectRef>
-          <a:fontRef idx="minor">
-            <a:schemeClr val="lt1"/>
-          </a:fontRef>
-        </p:style>
-        <p:txBody>
-          <a:bodyPr rtlCol="0" anchor="ctr"/>
-          <a:lstStyle/>
-          <a:p>
-            <a:pPr algn="ctr"/>
-            <a:endParaRPr lang="fr-FR" dirty="0">
-              <a:solidFill>
-                <a:srgbClr val="C00000"/>
-              </a:solidFill>
-            </a:endParaRPr>
-          </a:p>
-        </p:txBody>
-      </p:sp>
-      <p:sp>
-        <p:nvSpPr>
-          <p:cNvPr id="22" name="ZoneTexte 21"/>
-          <p:cNvSpPr txBox="1"/>
-          <p:nvPr/>
-        </p:nvSpPr>
-        <p:spPr>
-          <a:xfrm>
-            <a:off x="7144049" y="4446892"/>
-            <a:ext cx="2926080" cy="923330"/>
-          </a:xfrm>
-          <a:prstGeom prst="rect">
-            <a:avLst/>
-          </a:prstGeom>
-          <a:noFill/>
-        </p:spPr>
-        <p:txBody>
-          <a:bodyPr wrap="square" rtlCol="0">
-            <a:spAutoFit/>
-          </a:bodyPr>
-          <a:lstStyle/>
-          <a:p>
-            <a:pPr lvl="0">
-              <a:defRPr/>
-            </a:pPr>
-            <a:r>
-              <a:rPr lang="fr-FR" dirty="0">
-                <a:solidFill>
-                  <a:schemeClr val="bg1"/>
-                </a:solidFill>
-                <a:latin typeface="Arial" charset="0"/>
-                <a:ea typeface="Arial" charset="0"/>
-                <a:cs typeface="Arial" charset="0"/>
-              </a:rPr>
-              <a:t>Carrousel </a:t>
-            </a:r>
-          </a:p>
-          <a:p>
-            <a:pPr lvl="0">
-              <a:defRPr/>
-            </a:pPr>
-            <a:r>
-              <a:rPr lang="fr-FR" dirty="0">
-                <a:solidFill>
-                  <a:schemeClr val="bg1"/>
-                </a:solidFill>
-                <a:latin typeface="Arial" charset="0"/>
-                <a:ea typeface="Arial" charset="0"/>
-                <a:cs typeface="Arial" charset="0"/>
-              </a:rPr>
-              <a:t>et navigation au clavier</a:t>
-            </a:r>
-          </a:p>
-          <a:p>
-            <a:pPr lvl="0">
-              <a:defRPr/>
-            </a:pPr>
-            <a:endParaRPr lang="fr-FR" dirty="0">
-              <a:solidFill>
-                <a:schemeClr val="bg1"/>
-              </a:solidFill>
-              <a:latin typeface="Arial" charset="0"/>
-              <a:ea typeface="Arial" charset="0"/>
-              <a:cs typeface="Arial" charset="0"/>
-            </a:endParaRPr>
-          </a:p>
-        </p:txBody>
-      </p:sp>
-      <p:sp>
-        <p:nvSpPr>
-          <p:cNvPr id="24" name="Rectangle 23"/>
-          <p:cNvSpPr/>
-          <p:nvPr/>
-        </p:nvSpPr>
-        <p:spPr>
-          <a:xfrm>
-            <a:off x="7109254" y="3816077"/>
-            <a:ext cx="304800" cy="115330"/>
-          </a:xfrm>
-          <a:prstGeom prst="rect">
-            <a:avLst/>
-          </a:prstGeom>
-          <a:solidFill>
-            <a:srgbClr val="C00000"/>
-          </a:solidFill>
-          <a:ln>
-            <a:noFill/>
-          </a:ln>
-        </p:spPr>
-        <p:style>
-          <a:lnRef idx="2">
-            <a:schemeClr val="accent1">
-              <a:shade val="50000"/>
-            </a:schemeClr>
-          </a:lnRef>
-          <a:fillRef idx="1">
-            <a:schemeClr val="accent1"/>
-          </a:fillRef>
-          <a:effectRef idx="0">
-            <a:schemeClr val="accent1"/>
-          </a:effectRef>
-          <a:fontRef idx="minor">
-            <a:schemeClr val="lt1"/>
-          </a:fontRef>
-        </p:style>
-        <p:txBody>
-          <a:bodyPr rtlCol="0" anchor="ctr"/>
-          <a:lstStyle/>
-          <a:p>
-            <a:pPr algn="ctr"/>
-            <a:endParaRPr lang="fr-FR" dirty="0">
-              <a:solidFill>
-                <a:srgbClr val="C00000"/>
-              </a:solidFill>
-            </a:endParaRPr>
-          </a:p>
-        </p:txBody>
-      </p:sp>
-      <p:sp>
-        <p:nvSpPr>
-          <p:cNvPr id="25" name="ZoneTexte 24"/>
-          <p:cNvSpPr txBox="1"/>
-          <p:nvPr/>
-        </p:nvSpPr>
-        <p:spPr>
-          <a:xfrm>
-            <a:off x="7194336" y="3751605"/>
-            <a:ext cx="2926080" cy="369332"/>
-          </a:xfrm>
-          <a:prstGeom prst="rect">
-            <a:avLst/>
-          </a:prstGeom>
-          <a:noFill/>
-        </p:spPr>
-        <p:txBody>
-          <a:bodyPr wrap="square" rtlCol="0">
-            <a:spAutoFit/>
-          </a:bodyPr>
-          <a:lstStyle/>
-          <a:p>
-            <a:pPr>
-              <a:defRPr/>
-            </a:pPr>
-            <a:r>
-              <a:rPr lang="fr-FR" dirty="0">
-                <a:solidFill>
-                  <a:schemeClr val="bg1"/>
-                </a:solidFill>
-                <a:latin typeface="Arial" charset="0"/>
-                <a:ea typeface="Arial" charset="0"/>
-                <a:cs typeface="Arial" charset="0"/>
-              </a:rPr>
-              <a:t>Composant </a:t>
-            </a:r>
-            <a:r>
-              <a:rPr lang="fr-FR" dirty="0" smtClean="0">
-                <a:solidFill>
-                  <a:schemeClr val="bg1"/>
-                </a:solidFill>
-                <a:latin typeface="Arial" charset="0"/>
-                <a:ea typeface="Arial" charset="0"/>
-                <a:cs typeface="Arial" charset="0"/>
-              </a:rPr>
-              <a:t>graph</a:t>
-            </a:r>
-            <a:endParaRPr lang="fr-FR" dirty="0">
-              <a:solidFill>
-                <a:schemeClr val="bg1"/>
-              </a:solidFill>
-              <a:latin typeface="Arial" charset="0"/>
-              <a:ea typeface="Arial" charset="0"/>
-              <a:cs typeface="Arial" charset="0"/>
-            </a:endParaRPr>
-          </a:p>
-        </p:txBody>
-      </p:sp>
-    </p:spTree>
-    <p:extLst>
-      <p:ext uri="{BB962C8B-B14F-4D97-AF65-F5344CB8AC3E}">
-        <p14:creationId xmlns:p14="http://schemas.microsoft.com/office/powerpoint/2010/main" val="1251106804"/>
-      </p:ext>
-    </p:extLst>
-  </p:cSld>
-  <p:clrMapOvr>
-    <a:masterClrMapping/>
-  </p:clrMapOvr>
-  <p:timing>
-    <p:tnLst>
-      <p:par>
-        <p:cTn id="1" dur="indefinite" restart="never" nodeType="tmRoot"/>
-      </p:par>
-    </p:tnLst>
-  </p:timing>
-</p:sld>
-</file>
-
-<file path=ppt/slides/slide12.xml><?xml version="1.0" encoding="utf-8"?>
-<p:sld xmlns:a="http://schemas.openxmlformats.org/drawingml/2006/main" xmlns:r="http://schemas.openxmlformats.org/officeDocument/2006/relationships" xmlns:p="http://schemas.openxmlformats.org/presentationml/2006/main">
-  <p:cSld>
-    <p:spTree>
-      <p:nvGrpSpPr>
-        <p:cNvPr id="1" name=""/>
-        <p:cNvGrpSpPr/>
-        <p:nvPr/>
-      </p:nvGrpSpPr>
-      <p:grpSpPr>
-        <a:xfrm>
-          <a:off x="0" y="0"/>
-          <a:ext cx="0" cy="0"/>
-          <a:chOff x="0" y="0"/>
-          <a:chExt cx="0" cy="0"/>
-        </a:xfrm>
-      </p:grpSpPr>
-      <p:pic>
-        <p:nvPicPr>
-          <p:cNvPr id="18" name="Espace réservé pour une image  8"/>
-          <p:cNvPicPr>
-            <a:picLocks noChangeAspect="1"/>
-          </p:cNvPicPr>
-          <p:nvPr/>
-        </p:nvPicPr>
-        <p:blipFill>
-          <a:blip r:embed="rId2" cstate="print">
-            <a:extLst>
-              <a:ext uri="{28A0092B-C50C-407E-A947-70E740481C1C}">
-                <a14:useLocalDpi xmlns:a14="http://schemas.microsoft.com/office/drawing/2010/main"/>
-              </a:ext>
-            </a:extLst>
-          </a:blip>
-          <a:srcRect/>
-          <a:stretch>
-            <a:fillRect/>
-          </a:stretch>
-        </p:blipFill>
-        <p:spPr>
-          <a:xfrm>
-            <a:off x="1808163" y="1177925"/>
-            <a:ext cx="8432800" cy="4410075"/>
-          </a:xfrm>
-          <a:prstGeom prst="rect">
-            <a:avLst/>
-          </a:prstGeom>
-        </p:spPr>
-      </p:pic>
-      <p:sp>
-        <p:nvSpPr>
-          <p:cNvPr id="2" name="Espace réservé du numéro de diapositive 1"/>
-          <p:cNvSpPr>
-            <a:spLocks noGrp="1"/>
-          </p:cNvSpPr>
-          <p:nvPr>
-            <p:ph type="sldNum" sz="quarter" idx="10"/>
-          </p:nvPr>
-        </p:nvSpPr>
-        <p:spPr/>
-        <p:txBody>
-          <a:bodyPr/>
-          <a:lstStyle/>
-          <a:p>
-            <a:fld id="{BF139039-C7B8-4F4D-842F-EEB9FD5C5187}" type="slidenum">
-              <a:rPr lang="fr-FR" smtClean="0"/>
-              <a:pPr/>
-              <a:t>12</a:t>
-            </a:fld>
-            <a:endParaRPr lang="fr-FR" dirty="0"/>
-          </a:p>
-        </p:txBody>
-      </p:sp>
-      <p:sp>
-        <p:nvSpPr>
-          <p:cNvPr id="3" name="Espace réservé de la date 2"/>
-          <p:cNvSpPr>
-            <a:spLocks noGrp="1"/>
-          </p:cNvSpPr>
-          <p:nvPr>
-            <p:ph type="dt" sz="half" idx="11"/>
-          </p:nvPr>
-        </p:nvSpPr>
-        <p:spPr/>
-        <p:txBody>
-          <a:bodyPr/>
-          <a:lstStyle/>
-          <a:p>
-            <a:fld id="{1905B660-28A2-4478-9A90-1B1A009E0281}" type="datetime1">
-              <a:rPr lang="fr-FR" smtClean="0"/>
-              <a:t>30/08/2018</a:t>
-            </a:fld>
-            <a:endParaRPr lang="fr-FR" dirty="0"/>
-          </a:p>
-        </p:txBody>
-      </p:sp>
-      <p:sp>
-        <p:nvSpPr>
-          <p:cNvPr id="4" name="Espace réservé du pied de page 3"/>
-          <p:cNvSpPr>
-            <a:spLocks noGrp="1"/>
-          </p:cNvSpPr>
-          <p:nvPr>
-            <p:ph type="ftr" sz="quarter" idx="12"/>
-          </p:nvPr>
-        </p:nvSpPr>
-        <p:spPr/>
-        <p:txBody>
-          <a:bodyPr/>
-          <a:lstStyle/>
-          <a:p>
-            <a:r>
-              <a:rPr lang="fr-FR" dirty="0"/>
-              <a:t>Démo Dashboard CAD</a:t>
-            </a:r>
-            <a:endParaRPr lang="fr-FR" dirty="0"/>
-          </a:p>
-        </p:txBody>
-      </p:sp>
-      <p:sp>
-        <p:nvSpPr>
-          <p:cNvPr id="5" name="Espace réservé du texte 4"/>
-          <p:cNvSpPr>
-            <a:spLocks noGrp="1"/>
-          </p:cNvSpPr>
-          <p:nvPr>
-            <p:ph type="body" sz="quarter" idx="15"/>
-          </p:nvPr>
-        </p:nvSpPr>
-        <p:spPr/>
-        <p:txBody>
-          <a:bodyPr/>
-          <a:lstStyle/>
-          <a:p>
-            <a:r>
-              <a:rPr lang="fr-FR" dirty="0" smtClean="0"/>
-              <a:t>Réutilisables</a:t>
-            </a:r>
-            <a:endParaRPr lang="fr-FR" dirty="0" smtClean="0"/>
-          </a:p>
-          <a:p>
-            <a:endParaRPr lang="fr-FR" dirty="0"/>
-          </a:p>
-        </p:txBody>
-      </p:sp>
-      <p:sp>
-        <p:nvSpPr>
-          <p:cNvPr id="7" name="Rectangle 6"/>
-          <p:cNvSpPr/>
-          <p:nvPr/>
-        </p:nvSpPr>
-        <p:spPr>
-          <a:xfrm>
-            <a:off x="6431280" y="1280160"/>
-            <a:ext cx="3667760" cy="4175760"/>
-          </a:xfrm>
-          <a:prstGeom prst="rect">
-            <a:avLst/>
-          </a:prstGeom>
-          <a:solidFill>
-            <a:schemeClr val="tx1">
-              <a:lumMod val="50000"/>
-              <a:lumOff val="50000"/>
-              <a:alpha val="85000"/>
-            </a:schemeClr>
-          </a:solidFill>
-          <a:ln>
-            <a:noFill/>
-          </a:ln>
-        </p:spPr>
-        <p:style>
-          <a:lnRef idx="2">
-            <a:schemeClr val="accent1">
-              <a:shade val="50000"/>
-            </a:schemeClr>
-          </a:lnRef>
-          <a:fillRef idx="1">
-            <a:schemeClr val="accent1"/>
-          </a:fillRef>
-          <a:effectRef idx="0">
-            <a:schemeClr val="accent1"/>
-          </a:effectRef>
-          <a:fontRef idx="minor">
-            <a:schemeClr val="lt1"/>
-          </a:fontRef>
-        </p:style>
-        <p:txBody>
-          <a:bodyPr rtlCol="0" anchor="ctr"/>
-          <a:lstStyle/>
-          <a:p>
-            <a:pPr algn="ctr"/>
-            <a:endParaRPr lang="fr-FR" dirty="0"/>
-          </a:p>
-        </p:txBody>
-      </p:sp>
-      <p:sp>
-        <p:nvSpPr>
-          <p:cNvPr id="8" name="Rectangle 7"/>
-          <p:cNvSpPr/>
-          <p:nvPr/>
-        </p:nvSpPr>
-        <p:spPr>
-          <a:xfrm>
-            <a:off x="7109254" y="1684865"/>
-            <a:ext cx="304800" cy="115330"/>
-          </a:xfrm>
-          <a:prstGeom prst="rect">
-            <a:avLst/>
-          </a:prstGeom>
-          <a:solidFill>
-            <a:srgbClr val="C00000"/>
-          </a:solidFill>
-          <a:ln>
-            <a:noFill/>
-          </a:ln>
-        </p:spPr>
-        <p:style>
-          <a:lnRef idx="2">
-            <a:schemeClr val="accent1">
-              <a:shade val="50000"/>
-            </a:schemeClr>
-          </a:lnRef>
-          <a:fillRef idx="1">
-            <a:schemeClr val="accent1"/>
-          </a:fillRef>
-          <a:effectRef idx="0">
-            <a:schemeClr val="accent1"/>
-          </a:effectRef>
-          <a:fontRef idx="minor">
-            <a:schemeClr val="lt1"/>
-          </a:fontRef>
-        </p:style>
-        <p:txBody>
-          <a:bodyPr rtlCol="0" anchor="ctr"/>
-          <a:lstStyle/>
-          <a:p>
-            <a:pPr algn="ctr"/>
-            <a:endParaRPr lang="fr-FR" dirty="0">
-              <a:solidFill>
-                <a:srgbClr val="C00000"/>
-              </a:solidFill>
-            </a:endParaRPr>
-          </a:p>
-        </p:txBody>
-      </p:sp>
-      <p:sp>
-        <p:nvSpPr>
-          <p:cNvPr id="9" name="ZoneTexte 8"/>
-          <p:cNvSpPr txBox="1"/>
-          <p:nvPr/>
-        </p:nvSpPr>
-        <p:spPr>
-          <a:xfrm>
-            <a:off x="7172960" y="1629474"/>
-            <a:ext cx="2926080" cy="369332"/>
-          </a:xfrm>
-          <a:prstGeom prst="rect">
-            <a:avLst/>
-          </a:prstGeom>
-          <a:noFill/>
-        </p:spPr>
-        <p:txBody>
-          <a:bodyPr wrap="square" rtlCol="0">
-            <a:spAutoFit/>
-          </a:bodyPr>
-          <a:lstStyle/>
-          <a:p>
-            <a:pPr lvl="0"/>
-            <a:r>
-              <a:rPr lang="fr-FR" dirty="0">
-                <a:solidFill>
-                  <a:prstClr val="white"/>
-                </a:solidFill>
-                <a:latin typeface="Arial" charset="0"/>
-                <a:ea typeface="Arial" charset="0"/>
-                <a:cs typeface="Arial" charset="0"/>
-              </a:rPr>
-              <a:t>Server /API</a:t>
-            </a:r>
-            <a:endParaRPr lang="fr-FR" dirty="0" smtClean="0">
-              <a:solidFill>
-                <a:schemeClr val="bg1"/>
-              </a:solidFill>
-              <a:latin typeface="Arial" charset="0"/>
-              <a:ea typeface="Arial" charset="0"/>
-              <a:cs typeface="Arial" charset="0"/>
-            </a:endParaRPr>
-          </a:p>
-        </p:txBody>
-      </p:sp>
-      <p:sp>
-        <p:nvSpPr>
-          <p:cNvPr id="10" name="Rectangle 9"/>
-          <p:cNvSpPr/>
-          <p:nvPr/>
-        </p:nvSpPr>
-        <p:spPr>
-          <a:xfrm>
-            <a:off x="7109254" y="2507399"/>
-            <a:ext cx="304800" cy="115330"/>
-          </a:xfrm>
-          <a:prstGeom prst="rect">
-            <a:avLst/>
-          </a:prstGeom>
-          <a:solidFill>
-            <a:srgbClr val="C00000"/>
-          </a:solidFill>
-          <a:ln>
-            <a:noFill/>
-          </a:ln>
-        </p:spPr>
-        <p:style>
-          <a:lnRef idx="2">
-            <a:schemeClr val="accent1">
-              <a:shade val="50000"/>
-            </a:schemeClr>
-          </a:lnRef>
-          <a:fillRef idx="1">
-            <a:schemeClr val="accent1"/>
-          </a:fillRef>
-          <a:effectRef idx="0">
-            <a:schemeClr val="accent1"/>
-          </a:effectRef>
-          <a:fontRef idx="minor">
-            <a:schemeClr val="lt1"/>
-          </a:fontRef>
-        </p:style>
-        <p:txBody>
-          <a:bodyPr rtlCol="0" anchor="ctr"/>
-          <a:lstStyle/>
-          <a:p>
-            <a:pPr algn="ctr"/>
-            <a:endParaRPr lang="fr-FR" dirty="0">
-              <a:solidFill>
-                <a:srgbClr val="C00000"/>
-              </a:solidFill>
-            </a:endParaRPr>
-          </a:p>
-        </p:txBody>
-      </p:sp>
-      <p:sp>
-        <p:nvSpPr>
-          <p:cNvPr id="11" name="Rectangle 10"/>
-          <p:cNvSpPr/>
-          <p:nvPr/>
-        </p:nvSpPr>
-        <p:spPr>
-          <a:xfrm>
-            <a:off x="7109254" y="3247301"/>
-            <a:ext cx="304800" cy="115330"/>
-          </a:xfrm>
-          <a:prstGeom prst="rect">
-            <a:avLst/>
-          </a:prstGeom>
-          <a:solidFill>
-            <a:srgbClr val="C00000"/>
-          </a:solidFill>
-          <a:ln>
-            <a:noFill/>
-          </a:ln>
-        </p:spPr>
-        <p:style>
-          <a:lnRef idx="2">
-            <a:schemeClr val="accent1">
-              <a:shade val="50000"/>
-            </a:schemeClr>
-          </a:lnRef>
-          <a:fillRef idx="1">
-            <a:schemeClr val="accent1"/>
-          </a:fillRef>
-          <a:effectRef idx="0">
-            <a:schemeClr val="accent1"/>
-          </a:effectRef>
-          <a:fontRef idx="minor">
-            <a:schemeClr val="lt1"/>
-          </a:fontRef>
-        </p:style>
-        <p:txBody>
-          <a:bodyPr rtlCol="0" anchor="ctr"/>
-          <a:lstStyle/>
-          <a:p>
-            <a:pPr algn="ctr"/>
-            <a:endParaRPr lang="fr-FR" dirty="0">
-              <a:solidFill>
-                <a:srgbClr val="C00000"/>
-              </a:solidFill>
-            </a:endParaRPr>
-          </a:p>
-        </p:txBody>
-      </p:sp>
-      <p:sp>
-        <p:nvSpPr>
-          <p:cNvPr id="14" name="ZoneTexte 13"/>
-          <p:cNvSpPr txBox="1"/>
-          <p:nvPr/>
-        </p:nvSpPr>
-        <p:spPr>
-          <a:xfrm>
-            <a:off x="7194336" y="2432913"/>
-            <a:ext cx="2926080" cy="646331"/>
-          </a:xfrm>
-          <a:prstGeom prst="rect">
-            <a:avLst/>
-          </a:prstGeom>
-          <a:noFill/>
-        </p:spPr>
-        <p:txBody>
-          <a:bodyPr wrap="square" rtlCol="0">
-            <a:spAutoFit/>
-          </a:bodyPr>
-          <a:lstStyle/>
-          <a:p>
-            <a:pPr>
-              <a:defRPr/>
-            </a:pPr>
-            <a:r>
-              <a:rPr lang="fr-FR" dirty="0" smtClean="0">
-                <a:solidFill>
-                  <a:schemeClr val="bg1"/>
-                </a:solidFill>
-                <a:latin typeface="Arial" charset="0"/>
-                <a:ea typeface="Arial" charset="0"/>
-                <a:cs typeface="Arial" charset="0"/>
-              </a:rPr>
-              <a:t>withRemoteData</a:t>
-            </a:r>
-            <a:endParaRPr lang="fr-FR" dirty="0">
-              <a:solidFill>
-                <a:schemeClr val="bg1"/>
-              </a:solidFill>
-              <a:latin typeface="Arial" charset="0"/>
-              <a:ea typeface="Arial" charset="0"/>
-              <a:cs typeface="Arial" charset="0"/>
-            </a:endParaRPr>
-          </a:p>
-          <a:p>
-            <a:pPr lvl="0">
-              <a:defRPr/>
-            </a:pPr>
-            <a:endParaRPr lang="fr-FR" dirty="0" smtClean="0">
-              <a:solidFill>
-                <a:prstClr val="white"/>
-              </a:solidFill>
-              <a:latin typeface="Arial" charset="0"/>
-              <a:ea typeface="Arial" charset="0"/>
-              <a:cs typeface="Arial" charset="0"/>
-            </a:endParaRPr>
-          </a:p>
-        </p:txBody>
-      </p:sp>
-      <p:sp>
-        <p:nvSpPr>
-          <p:cNvPr id="17" name="ZoneTexte 16"/>
-          <p:cNvSpPr txBox="1"/>
-          <p:nvPr/>
-        </p:nvSpPr>
-        <p:spPr>
-          <a:xfrm>
-            <a:off x="7194336" y="3205283"/>
-            <a:ext cx="2926080" cy="369332"/>
-          </a:xfrm>
-          <a:prstGeom prst="rect">
-            <a:avLst/>
-          </a:prstGeom>
-          <a:noFill/>
-        </p:spPr>
-        <p:txBody>
-          <a:bodyPr wrap="square" rtlCol="0">
-            <a:spAutoFit/>
-          </a:bodyPr>
-          <a:lstStyle/>
-          <a:p>
-            <a:pPr lvl="0">
-              <a:defRPr/>
-            </a:pPr>
-            <a:r>
-              <a:rPr lang="fr-FR" dirty="0">
-                <a:solidFill>
-                  <a:schemeClr val="bg1"/>
-                </a:solidFill>
-              </a:rPr>
-              <a:t>Cron</a:t>
-            </a:r>
-            <a:endParaRPr lang="fr-FR" dirty="0">
-              <a:solidFill>
-                <a:schemeClr val="bg1"/>
-              </a:solidFill>
-            </a:endParaRPr>
-          </a:p>
-        </p:txBody>
-      </p:sp>
-      <p:sp>
-        <p:nvSpPr>
-          <p:cNvPr id="20" name="Rectangle 19"/>
-          <p:cNvSpPr/>
-          <p:nvPr/>
-        </p:nvSpPr>
-        <p:spPr>
-          <a:xfrm>
-            <a:off x="7100018" y="4489362"/>
-            <a:ext cx="304800" cy="115330"/>
-          </a:xfrm>
-          <a:prstGeom prst="rect">
-            <a:avLst/>
-          </a:prstGeom>
-          <a:solidFill>
-            <a:srgbClr val="C00000"/>
-          </a:solidFill>
-          <a:ln>
-            <a:noFill/>
-          </a:ln>
-        </p:spPr>
-        <p:style>
-          <a:lnRef idx="2">
-            <a:schemeClr val="accent1">
-              <a:shade val="50000"/>
-            </a:schemeClr>
-          </a:lnRef>
-          <a:fillRef idx="1">
-            <a:schemeClr val="accent1"/>
-          </a:fillRef>
-          <a:effectRef idx="0">
-            <a:schemeClr val="accent1"/>
-          </a:effectRef>
-          <a:fontRef idx="minor">
-            <a:schemeClr val="lt1"/>
-          </a:fontRef>
-        </p:style>
-        <p:txBody>
-          <a:bodyPr rtlCol="0" anchor="ctr"/>
-          <a:lstStyle/>
-          <a:p>
-            <a:pPr algn="ctr"/>
-            <a:endParaRPr lang="fr-FR" dirty="0">
-              <a:solidFill>
-                <a:srgbClr val="C00000"/>
-              </a:solidFill>
-            </a:endParaRPr>
-          </a:p>
-        </p:txBody>
-      </p:sp>
-      <p:sp>
-        <p:nvSpPr>
-          <p:cNvPr id="22" name="ZoneTexte 21"/>
-          <p:cNvSpPr txBox="1"/>
-          <p:nvPr/>
-        </p:nvSpPr>
-        <p:spPr>
-          <a:xfrm>
-            <a:off x="7144049" y="4446892"/>
-            <a:ext cx="2926080" cy="923330"/>
-          </a:xfrm>
-          <a:prstGeom prst="rect">
-            <a:avLst/>
-          </a:prstGeom>
-          <a:noFill/>
-        </p:spPr>
-        <p:txBody>
-          <a:bodyPr wrap="square" rtlCol="0">
-            <a:spAutoFit/>
-          </a:bodyPr>
-          <a:lstStyle/>
-          <a:p>
-            <a:pPr lvl="0">
-              <a:defRPr/>
-            </a:pPr>
-            <a:r>
-              <a:rPr lang="fr-FR" dirty="0">
-                <a:solidFill>
-                  <a:schemeClr val="bg1"/>
-                </a:solidFill>
-                <a:latin typeface="Arial" charset="0"/>
-                <a:ea typeface="Arial" charset="0"/>
-                <a:cs typeface="Arial" charset="0"/>
-              </a:rPr>
-              <a:t>Carrousel </a:t>
-            </a:r>
-          </a:p>
-          <a:p>
-            <a:pPr lvl="0">
-              <a:defRPr/>
-            </a:pPr>
-            <a:r>
-              <a:rPr lang="fr-FR" dirty="0">
-                <a:solidFill>
-                  <a:schemeClr val="bg1"/>
-                </a:solidFill>
-                <a:latin typeface="Arial" charset="0"/>
-                <a:ea typeface="Arial" charset="0"/>
-                <a:cs typeface="Arial" charset="0"/>
-              </a:rPr>
-              <a:t>et navigation au clavier</a:t>
-            </a:r>
-          </a:p>
-          <a:p>
-            <a:pPr lvl="0">
-              <a:defRPr/>
-            </a:pPr>
-            <a:endParaRPr lang="fr-FR" b="1" dirty="0">
-              <a:latin typeface="Arial" charset="0"/>
-              <a:ea typeface="Arial" charset="0"/>
-              <a:cs typeface="Arial" charset="0"/>
-            </a:endParaRPr>
-          </a:p>
-        </p:txBody>
-      </p:sp>
-      <p:sp>
-        <p:nvSpPr>
-          <p:cNvPr id="24" name="Rectangle 23"/>
-          <p:cNvSpPr/>
-          <p:nvPr/>
-        </p:nvSpPr>
-        <p:spPr>
-          <a:xfrm>
-            <a:off x="7109254" y="3816077"/>
-            <a:ext cx="304800" cy="115330"/>
-          </a:xfrm>
-          <a:prstGeom prst="rect">
-            <a:avLst/>
-          </a:prstGeom>
-          <a:solidFill>
-            <a:srgbClr val="C00000"/>
-          </a:solidFill>
-          <a:ln>
-            <a:noFill/>
-          </a:ln>
-        </p:spPr>
-        <p:style>
-          <a:lnRef idx="2">
-            <a:schemeClr val="accent1">
-              <a:shade val="50000"/>
-            </a:schemeClr>
-          </a:lnRef>
-          <a:fillRef idx="1">
-            <a:schemeClr val="accent1"/>
-          </a:fillRef>
-          <a:effectRef idx="0">
-            <a:schemeClr val="accent1"/>
-          </a:effectRef>
-          <a:fontRef idx="minor">
-            <a:schemeClr val="lt1"/>
-          </a:fontRef>
-        </p:style>
-        <p:txBody>
-          <a:bodyPr rtlCol="0" anchor="ctr"/>
-          <a:lstStyle/>
-          <a:p>
-            <a:pPr algn="ctr"/>
-            <a:endParaRPr lang="fr-FR" dirty="0">
-              <a:solidFill>
-                <a:srgbClr val="C00000"/>
-              </a:solidFill>
-            </a:endParaRPr>
-          </a:p>
-        </p:txBody>
-      </p:sp>
-      <p:sp>
-        <p:nvSpPr>
-          <p:cNvPr id="25" name="ZoneTexte 24"/>
-          <p:cNvSpPr txBox="1"/>
-          <p:nvPr/>
-        </p:nvSpPr>
-        <p:spPr>
-          <a:xfrm>
-            <a:off x="7194336" y="3751605"/>
-            <a:ext cx="2926080" cy="369332"/>
-          </a:xfrm>
-          <a:prstGeom prst="rect">
-            <a:avLst/>
-          </a:prstGeom>
-          <a:noFill/>
-        </p:spPr>
-        <p:txBody>
-          <a:bodyPr wrap="square" rtlCol="0">
-            <a:spAutoFit/>
-          </a:bodyPr>
-          <a:lstStyle/>
-          <a:p>
-            <a:pPr>
-              <a:defRPr/>
-            </a:pPr>
-            <a:r>
-              <a:rPr lang="fr-FR" b="1" dirty="0" smtClean="0">
-                <a:latin typeface="Arial" charset="0"/>
-                <a:ea typeface="Arial" charset="0"/>
-                <a:cs typeface="Arial" charset="0"/>
-              </a:rPr>
-              <a:t>Composant graph</a:t>
-            </a:r>
-            <a:endParaRPr lang="fr-FR" b="1" dirty="0">
-              <a:latin typeface="Arial" charset="0"/>
-              <a:ea typeface="Arial" charset="0"/>
-              <a:cs typeface="Arial" charset="0"/>
-            </a:endParaRPr>
-          </a:p>
-        </p:txBody>
-      </p:sp>
-    </p:spTree>
-    <p:extLst>
-      <p:ext uri="{BB962C8B-B14F-4D97-AF65-F5344CB8AC3E}">
-        <p14:creationId xmlns:p14="http://schemas.microsoft.com/office/powerpoint/2010/main" val="4272018840"/>
-      </p:ext>
-    </p:extLst>
-  </p:cSld>
-  <p:clrMapOvr>
-    <a:masterClrMapping/>
-  </p:clrMapOvr>
-  <p:timing>
-    <p:tnLst>
-      <p:par>
-        <p:cTn id="1" dur="indefinite" restart="never" nodeType="tmRoot"/>
-      </p:par>
-    </p:tnLst>
-  </p:timing>
-</p:sld>
-</file>
-
-<file path=ppt/slides/slide13.xml><?xml version="1.0" encoding="utf-8"?>
-<p:sld xmlns:a="http://schemas.openxmlformats.org/drawingml/2006/main" xmlns:r="http://schemas.openxmlformats.org/officeDocument/2006/relationships" xmlns:p="http://schemas.openxmlformats.org/presentationml/2006/main">
-  <p:cSld>
-    <p:spTree>
-      <p:nvGrpSpPr>
-        <p:cNvPr id="1" name=""/>
-        <p:cNvGrpSpPr/>
-        <p:nvPr/>
-      </p:nvGrpSpPr>
-      <p:grpSpPr>
-        <a:xfrm>
-          <a:off x="0" y="0"/>
-          <a:ext cx="0" cy="0"/>
-          <a:chOff x="0" y="0"/>
-          <a:chExt cx="0" cy="0"/>
-        </a:xfrm>
-      </p:grpSpPr>
-      <p:pic>
-        <p:nvPicPr>
-          <p:cNvPr id="18" name="Espace réservé pour une image  8"/>
-          <p:cNvPicPr>
-            <a:picLocks noChangeAspect="1"/>
-          </p:cNvPicPr>
-          <p:nvPr/>
-        </p:nvPicPr>
-        <p:blipFill>
-          <a:blip r:embed="rId2" cstate="print">
-            <a:extLst>
-              <a:ext uri="{28A0092B-C50C-407E-A947-70E740481C1C}">
-                <a14:useLocalDpi xmlns:a14="http://schemas.microsoft.com/office/drawing/2010/main"/>
-              </a:ext>
-            </a:extLst>
-          </a:blip>
-          <a:srcRect/>
-          <a:stretch>
-            <a:fillRect/>
-          </a:stretch>
-        </p:blipFill>
-        <p:spPr>
-          <a:xfrm>
-            <a:off x="1808163" y="1177925"/>
-            <a:ext cx="8432800" cy="4410075"/>
-          </a:xfrm>
-          <a:prstGeom prst="rect">
-            <a:avLst/>
-          </a:prstGeom>
-        </p:spPr>
-      </p:pic>
-      <p:sp>
-        <p:nvSpPr>
-          <p:cNvPr id="2" name="Espace réservé du numéro de diapositive 1"/>
-          <p:cNvSpPr>
-            <a:spLocks noGrp="1"/>
-          </p:cNvSpPr>
-          <p:nvPr>
-            <p:ph type="sldNum" sz="quarter" idx="10"/>
-          </p:nvPr>
-        </p:nvSpPr>
-        <p:spPr/>
-        <p:txBody>
-          <a:bodyPr/>
-          <a:lstStyle/>
-          <a:p>
-            <a:fld id="{BF139039-C7B8-4F4D-842F-EEB9FD5C5187}" type="slidenum">
-              <a:rPr lang="fr-FR" smtClean="0"/>
-              <a:pPr/>
-              <a:t>13</a:t>
-            </a:fld>
-            <a:endParaRPr lang="fr-FR" dirty="0"/>
-          </a:p>
-        </p:txBody>
-      </p:sp>
-      <p:sp>
-        <p:nvSpPr>
-          <p:cNvPr id="3" name="Espace réservé de la date 2"/>
-          <p:cNvSpPr>
-            <a:spLocks noGrp="1"/>
-          </p:cNvSpPr>
-          <p:nvPr>
-            <p:ph type="dt" sz="half" idx="11"/>
-          </p:nvPr>
-        </p:nvSpPr>
-        <p:spPr/>
-        <p:txBody>
-          <a:bodyPr/>
-          <a:lstStyle/>
-          <a:p>
-            <a:fld id="{1905B660-28A2-4478-9A90-1B1A009E0281}" type="datetime1">
-              <a:rPr lang="fr-FR" smtClean="0"/>
-              <a:t>30/08/2018</a:t>
-            </a:fld>
-            <a:endParaRPr lang="fr-FR" dirty="0"/>
-          </a:p>
-        </p:txBody>
-      </p:sp>
-      <p:sp>
-        <p:nvSpPr>
-          <p:cNvPr id="4" name="Espace réservé du pied de page 3"/>
-          <p:cNvSpPr>
-            <a:spLocks noGrp="1"/>
-          </p:cNvSpPr>
-          <p:nvPr>
-            <p:ph type="ftr" sz="quarter" idx="12"/>
-          </p:nvPr>
-        </p:nvSpPr>
-        <p:spPr/>
-        <p:txBody>
-          <a:bodyPr/>
-          <a:lstStyle/>
-          <a:p>
-            <a:r>
-              <a:rPr lang="fr-FR" dirty="0"/>
-              <a:t>Démo Dashboard CAD</a:t>
-            </a:r>
-            <a:endParaRPr lang="fr-FR" dirty="0"/>
-          </a:p>
-        </p:txBody>
-      </p:sp>
-      <p:sp>
-        <p:nvSpPr>
-          <p:cNvPr id="5" name="Espace réservé du texte 4"/>
-          <p:cNvSpPr>
-            <a:spLocks noGrp="1"/>
-          </p:cNvSpPr>
-          <p:nvPr>
-            <p:ph type="body" sz="quarter" idx="15"/>
-          </p:nvPr>
-        </p:nvSpPr>
-        <p:spPr/>
-        <p:txBody>
-          <a:bodyPr/>
-          <a:lstStyle/>
-          <a:p>
-            <a:r>
-              <a:rPr lang="fr-FR" dirty="0" smtClean="0"/>
-              <a:t>Réutilisables</a:t>
-            </a:r>
-            <a:endParaRPr lang="fr-FR" dirty="0" smtClean="0"/>
-          </a:p>
-          <a:p>
-            <a:endParaRPr lang="fr-FR" dirty="0"/>
-          </a:p>
-        </p:txBody>
-      </p:sp>
-      <p:sp>
-        <p:nvSpPr>
-          <p:cNvPr id="7" name="Rectangle 6"/>
-          <p:cNvSpPr/>
-          <p:nvPr/>
-        </p:nvSpPr>
-        <p:spPr>
-          <a:xfrm>
-            <a:off x="6431280" y="1280160"/>
-            <a:ext cx="3667760" cy="4175760"/>
-          </a:xfrm>
-          <a:prstGeom prst="rect">
-            <a:avLst/>
-          </a:prstGeom>
-          <a:solidFill>
-            <a:schemeClr val="tx1">
-              <a:lumMod val="50000"/>
-              <a:lumOff val="50000"/>
-              <a:alpha val="85000"/>
-            </a:schemeClr>
-          </a:solidFill>
-          <a:ln>
-            <a:noFill/>
-          </a:ln>
-        </p:spPr>
-        <p:style>
-          <a:lnRef idx="2">
-            <a:schemeClr val="accent1">
-              <a:shade val="50000"/>
-            </a:schemeClr>
-          </a:lnRef>
-          <a:fillRef idx="1">
-            <a:schemeClr val="accent1"/>
-          </a:fillRef>
-          <a:effectRef idx="0">
-            <a:schemeClr val="accent1"/>
-          </a:effectRef>
-          <a:fontRef idx="minor">
-            <a:schemeClr val="lt1"/>
-          </a:fontRef>
-        </p:style>
-        <p:txBody>
-          <a:bodyPr rtlCol="0" anchor="ctr"/>
-          <a:lstStyle/>
-          <a:p>
-            <a:pPr algn="ctr"/>
-            <a:endParaRPr lang="fr-FR" dirty="0"/>
-          </a:p>
-        </p:txBody>
-      </p:sp>
-      <p:sp>
-        <p:nvSpPr>
-          <p:cNvPr id="8" name="Rectangle 7"/>
-          <p:cNvSpPr/>
-          <p:nvPr/>
-        </p:nvSpPr>
-        <p:spPr>
-          <a:xfrm>
-            <a:off x="7109254" y="1684865"/>
-            <a:ext cx="304800" cy="115330"/>
-          </a:xfrm>
-          <a:prstGeom prst="rect">
-            <a:avLst/>
-          </a:prstGeom>
-          <a:solidFill>
-            <a:srgbClr val="C00000"/>
-          </a:solidFill>
-          <a:ln>
-            <a:noFill/>
-          </a:ln>
-        </p:spPr>
-        <p:style>
-          <a:lnRef idx="2">
-            <a:schemeClr val="accent1">
-              <a:shade val="50000"/>
-            </a:schemeClr>
-          </a:lnRef>
-          <a:fillRef idx="1">
-            <a:schemeClr val="accent1"/>
-          </a:fillRef>
-          <a:effectRef idx="0">
-            <a:schemeClr val="accent1"/>
-          </a:effectRef>
-          <a:fontRef idx="minor">
-            <a:schemeClr val="lt1"/>
-          </a:fontRef>
-        </p:style>
-        <p:txBody>
-          <a:bodyPr rtlCol="0" anchor="ctr"/>
-          <a:lstStyle/>
-          <a:p>
-            <a:pPr algn="ctr"/>
-            <a:endParaRPr lang="fr-FR" dirty="0">
-              <a:solidFill>
-                <a:srgbClr val="C00000"/>
-              </a:solidFill>
-            </a:endParaRPr>
-          </a:p>
-        </p:txBody>
-      </p:sp>
-      <p:sp>
-        <p:nvSpPr>
-          <p:cNvPr id="9" name="ZoneTexte 8"/>
-          <p:cNvSpPr txBox="1"/>
-          <p:nvPr/>
-        </p:nvSpPr>
-        <p:spPr>
-          <a:xfrm>
-            <a:off x="7172960" y="1629474"/>
-            <a:ext cx="2926080" cy="369332"/>
-          </a:xfrm>
-          <a:prstGeom prst="rect">
-            <a:avLst/>
-          </a:prstGeom>
-          <a:noFill/>
-        </p:spPr>
-        <p:txBody>
-          <a:bodyPr wrap="square" rtlCol="0">
-            <a:spAutoFit/>
-          </a:bodyPr>
-          <a:lstStyle/>
-          <a:p>
-            <a:pPr lvl="0"/>
-            <a:r>
-              <a:rPr lang="fr-FR" dirty="0">
-                <a:solidFill>
-                  <a:prstClr val="white"/>
-                </a:solidFill>
-                <a:latin typeface="Arial" charset="0"/>
-                <a:ea typeface="Arial" charset="0"/>
-                <a:cs typeface="Arial" charset="0"/>
-              </a:rPr>
-              <a:t>Server /API</a:t>
-            </a:r>
-            <a:endParaRPr lang="fr-FR" dirty="0" smtClean="0">
-              <a:solidFill>
-                <a:schemeClr val="bg1"/>
-              </a:solidFill>
-              <a:latin typeface="Arial" charset="0"/>
-              <a:ea typeface="Arial" charset="0"/>
-              <a:cs typeface="Arial" charset="0"/>
-            </a:endParaRPr>
-          </a:p>
-        </p:txBody>
-      </p:sp>
-      <p:sp>
-        <p:nvSpPr>
-          <p:cNvPr id="10" name="Rectangle 9"/>
-          <p:cNvSpPr/>
-          <p:nvPr/>
-        </p:nvSpPr>
-        <p:spPr>
-          <a:xfrm>
-            <a:off x="7109254" y="2507399"/>
-            <a:ext cx="304800" cy="115330"/>
-          </a:xfrm>
-          <a:prstGeom prst="rect">
-            <a:avLst/>
-          </a:prstGeom>
-          <a:solidFill>
-            <a:srgbClr val="C00000"/>
-          </a:solidFill>
-          <a:ln>
-            <a:noFill/>
-          </a:ln>
-        </p:spPr>
-        <p:style>
-          <a:lnRef idx="2">
-            <a:schemeClr val="accent1">
-              <a:shade val="50000"/>
-            </a:schemeClr>
-          </a:lnRef>
-          <a:fillRef idx="1">
-            <a:schemeClr val="accent1"/>
-          </a:fillRef>
-          <a:effectRef idx="0">
-            <a:schemeClr val="accent1"/>
-          </a:effectRef>
-          <a:fontRef idx="minor">
-            <a:schemeClr val="lt1"/>
-          </a:fontRef>
-        </p:style>
-        <p:txBody>
-          <a:bodyPr rtlCol="0" anchor="ctr"/>
-          <a:lstStyle/>
-          <a:p>
-            <a:pPr algn="ctr"/>
-            <a:endParaRPr lang="fr-FR" dirty="0">
-              <a:solidFill>
-                <a:srgbClr val="C00000"/>
-              </a:solidFill>
-            </a:endParaRPr>
-          </a:p>
-        </p:txBody>
-      </p:sp>
-      <p:sp>
-        <p:nvSpPr>
-          <p:cNvPr id="11" name="Rectangle 10"/>
-          <p:cNvSpPr/>
-          <p:nvPr/>
-        </p:nvSpPr>
-        <p:spPr>
-          <a:xfrm>
-            <a:off x="7109254" y="3247301"/>
-            <a:ext cx="304800" cy="115330"/>
-          </a:xfrm>
-          <a:prstGeom prst="rect">
-            <a:avLst/>
-          </a:prstGeom>
-          <a:solidFill>
-            <a:srgbClr val="C00000"/>
-          </a:solidFill>
-          <a:ln>
-            <a:noFill/>
-          </a:ln>
-        </p:spPr>
-        <p:style>
-          <a:lnRef idx="2">
-            <a:schemeClr val="accent1">
-              <a:shade val="50000"/>
-            </a:schemeClr>
-          </a:lnRef>
-          <a:fillRef idx="1">
-            <a:schemeClr val="accent1"/>
-          </a:fillRef>
-          <a:effectRef idx="0">
-            <a:schemeClr val="accent1"/>
-          </a:effectRef>
-          <a:fontRef idx="minor">
-            <a:schemeClr val="lt1"/>
-          </a:fontRef>
-        </p:style>
-        <p:txBody>
-          <a:bodyPr rtlCol="0" anchor="ctr"/>
-          <a:lstStyle/>
-          <a:p>
-            <a:pPr algn="ctr"/>
-            <a:endParaRPr lang="fr-FR" dirty="0">
-              <a:solidFill>
-                <a:srgbClr val="C00000"/>
-              </a:solidFill>
-            </a:endParaRPr>
-          </a:p>
-        </p:txBody>
-      </p:sp>
-      <p:sp>
-        <p:nvSpPr>
-          <p:cNvPr id="14" name="ZoneTexte 13"/>
-          <p:cNvSpPr txBox="1"/>
-          <p:nvPr/>
-        </p:nvSpPr>
-        <p:spPr>
-          <a:xfrm>
-            <a:off x="7194336" y="2432913"/>
-            <a:ext cx="2926080" cy="646331"/>
-          </a:xfrm>
-          <a:prstGeom prst="rect">
-            <a:avLst/>
-          </a:prstGeom>
-          <a:noFill/>
-        </p:spPr>
-        <p:txBody>
-          <a:bodyPr wrap="square" rtlCol="0">
-            <a:spAutoFit/>
-          </a:bodyPr>
-          <a:lstStyle/>
-          <a:p>
-            <a:pPr>
-              <a:defRPr/>
-            </a:pPr>
-            <a:r>
-              <a:rPr lang="fr-FR" dirty="0" smtClean="0">
-                <a:solidFill>
-                  <a:schemeClr val="bg1"/>
-                </a:solidFill>
-                <a:latin typeface="Arial" charset="0"/>
-                <a:ea typeface="Arial" charset="0"/>
-                <a:cs typeface="Arial" charset="0"/>
-              </a:rPr>
-              <a:t>withRemoteData</a:t>
-            </a:r>
-            <a:endParaRPr lang="fr-FR" dirty="0">
-              <a:solidFill>
-                <a:schemeClr val="bg1"/>
-              </a:solidFill>
-              <a:latin typeface="Arial" charset="0"/>
-              <a:ea typeface="Arial" charset="0"/>
-              <a:cs typeface="Arial" charset="0"/>
-            </a:endParaRPr>
-          </a:p>
-          <a:p>
-            <a:pPr lvl="0">
-              <a:defRPr/>
-            </a:pPr>
-            <a:endParaRPr lang="fr-FR" dirty="0" smtClean="0">
-              <a:solidFill>
-                <a:prstClr val="white"/>
-              </a:solidFill>
-              <a:latin typeface="Arial" charset="0"/>
-              <a:ea typeface="Arial" charset="0"/>
-              <a:cs typeface="Arial" charset="0"/>
-            </a:endParaRPr>
-          </a:p>
-        </p:txBody>
-      </p:sp>
-      <p:sp>
-        <p:nvSpPr>
-          <p:cNvPr id="17" name="ZoneTexte 16"/>
-          <p:cNvSpPr txBox="1"/>
-          <p:nvPr/>
-        </p:nvSpPr>
-        <p:spPr>
-          <a:xfrm>
-            <a:off x="7194336" y="3205283"/>
-            <a:ext cx="2926080" cy="369332"/>
-          </a:xfrm>
-          <a:prstGeom prst="rect">
-            <a:avLst/>
-          </a:prstGeom>
-          <a:noFill/>
-        </p:spPr>
-        <p:txBody>
-          <a:bodyPr wrap="square" rtlCol="0">
-            <a:spAutoFit/>
-          </a:bodyPr>
-          <a:lstStyle/>
-          <a:p>
-            <a:pPr lvl="0">
-              <a:defRPr/>
-            </a:pPr>
-            <a:r>
-              <a:rPr lang="fr-FR" dirty="0" smtClean="0">
-                <a:solidFill>
-                  <a:prstClr val="white"/>
-                </a:solidFill>
-                <a:latin typeface="Arial" charset="0"/>
-                <a:ea typeface="Arial" charset="0"/>
-                <a:cs typeface="Arial" charset="0"/>
-              </a:rPr>
-              <a:t>Cron</a:t>
-            </a:r>
-            <a:endParaRPr lang="fr-FR" dirty="0">
-              <a:solidFill>
-                <a:prstClr val="white"/>
-              </a:solidFill>
-              <a:latin typeface="Arial" charset="0"/>
-              <a:ea typeface="Arial" charset="0"/>
-              <a:cs typeface="Arial" charset="0"/>
-            </a:endParaRPr>
-          </a:p>
-        </p:txBody>
-      </p:sp>
-      <p:sp>
-        <p:nvSpPr>
-          <p:cNvPr id="20" name="Rectangle 19"/>
-          <p:cNvSpPr/>
-          <p:nvPr/>
-        </p:nvSpPr>
-        <p:spPr>
-          <a:xfrm>
-            <a:off x="7100018" y="4489362"/>
-            <a:ext cx="304800" cy="115330"/>
-          </a:xfrm>
-          <a:prstGeom prst="rect">
-            <a:avLst/>
-          </a:prstGeom>
-          <a:solidFill>
-            <a:srgbClr val="C00000"/>
-          </a:solidFill>
-          <a:ln>
-            <a:noFill/>
-          </a:ln>
-        </p:spPr>
-        <p:style>
-          <a:lnRef idx="2">
-            <a:schemeClr val="accent1">
-              <a:shade val="50000"/>
-            </a:schemeClr>
-          </a:lnRef>
-          <a:fillRef idx="1">
-            <a:schemeClr val="accent1"/>
-          </a:fillRef>
-          <a:effectRef idx="0">
-            <a:schemeClr val="accent1"/>
-          </a:effectRef>
-          <a:fontRef idx="minor">
-            <a:schemeClr val="lt1"/>
-          </a:fontRef>
-        </p:style>
-        <p:txBody>
-          <a:bodyPr rtlCol="0" anchor="ctr"/>
-          <a:lstStyle/>
-          <a:p>
-            <a:pPr algn="ctr"/>
-            <a:endParaRPr lang="fr-FR" dirty="0">
-              <a:solidFill>
-                <a:srgbClr val="C00000"/>
-              </a:solidFill>
-            </a:endParaRPr>
-          </a:p>
-        </p:txBody>
-      </p:sp>
-      <p:sp>
-        <p:nvSpPr>
-          <p:cNvPr id="22" name="ZoneTexte 21"/>
-          <p:cNvSpPr txBox="1"/>
-          <p:nvPr/>
-        </p:nvSpPr>
-        <p:spPr>
-          <a:xfrm>
-            <a:off x="7144049" y="4446892"/>
-            <a:ext cx="2926080" cy="923330"/>
-          </a:xfrm>
-          <a:prstGeom prst="rect">
-            <a:avLst/>
-          </a:prstGeom>
-          <a:noFill/>
-        </p:spPr>
-        <p:txBody>
-          <a:bodyPr wrap="square" rtlCol="0">
-            <a:spAutoFit/>
-          </a:bodyPr>
-          <a:lstStyle/>
-          <a:p>
-            <a:pPr lvl="0">
-              <a:defRPr/>
-            </a:pPr>
-            <a:r>
-              <a:rPr lang="fr-FR" b="1" dirty="0">
-                <a:latin typeface="Arial" charset="0"/>
-                <a:ea typeface="Arial" charset="0"/>
-                <a:cs typeface="Arial" charset="0"/>
-              </a:rPr>
-              <a:t>Carrousel </a:t>
-            </a:r>
-          </a:p>
-          <a:p>
-            <a:pPr lvl="0">
-              <a:defRPr/>
-            </a:pPr>
-            <a:r>
-              <a:rPr lang="fr-FR" b="1" dirty="0">
-                <a:latin typeface="Arial" charset="0"/>
-                <a:ea typeface="Arial" charset="0"/>
-                <a:cs typeface="Arial" charset="0"/>
-              </a:rPr>
-              <a:t>et navigation au clavier</a:t>
-            </a:r>
-          </a:p>
-          <a:p>
-            <a:pPr lvl="0">
-              <a:defRPr/>
-            </a:pPr>
-            <a:endParaRPr lang="fr-FR" b="1" dirty="0">
-              <a:latin typeface="Arial" charset="0"/>
-              <a:ea typeface="Arial" charset="0"/>
-              <a:cs typeface="Arial" charset="0"/>
-            </a:endParaRPr>
-          </a:p>
-        </p:txBody>
-      </p:sp>
-      <p:sp>
-        <p:nvSpPr>
-          <p:cNvPr id="24" name="Rectangle 23"/>
-          <p:cNvSpPr/>
-          <p:nvPr/>
-        </p:nvSpPr>
-        <p:spPr>
-          <a:xfrm>
-            <a:off x="7109254" y="3816077"/>
-            <a:ext cx="304800" cy="115330"/>
-          </a:xfrm>
-          <a:prstGeom prst="rect">
-            <a:avLst/>
-          </a:prstGeom>
-          <a:solidFill>
-            <a:srgbClr val="C00000"/>
-          </a:solidFill>
-          <a:ln>
-            <a:noFill/>
-          </a:ln>
-        </p:spPr>
-        <p:style>
-          <a:lnRef idx="2">
-            <a:schemeClr val="accent1">
-              <a:shade val="50000"/>
-            </a:schemeClr>
-          </a:lnRef>
-          <a:fillRef idx="1">
-            <a:schemeClr val="accent1"/>
-          </a:fillRef>
-          <a:effectRef idx="0">
-            <a:schemeClr val="accent1"/>
-          </a:effectRef>
-          <a:fontRef idx="minor">
-            <a:schemeClr val="lt1"/>
-          </a:fontRef>
-        </p:style>
-        <p:txBody>
-          <a:bodyPr rtlCol="0" anchor="ctr"/>
-          <a:lstStyle/>
-          <a:p>
-            <a:pPr algn="ctr"/>
-            <a:endParaRPr lang="fr-FR" dirty="0">
-              <a:solidFill>
-                <a:srgbClr val="C00000"/>
-              </a:solidFill>
-            </a:endParaRPr>
-          </a:p>
-        </p:txBody>
-      </p:sp>
-      <p:sp>
-        <p:nvSpPr>
-          <p:cNvPr id="25" name="ZoneTexte 24"/>
-          <p:cNvSpPr txBox="1"/>
-          <p:nvPr/>
-        </p:nvSpPr>
-        <p:spPr>
-          <a:xfrm>
-            <a:off x="7194336" y="3751605"/>
-            <a:ext cx="2926080" cy="369332"/>
-          </a:xfrm>
-          <a:prstGeom prst="rect">
-            <a:avLst/>
-          </a:prstGeom>
-          <a:noFill/>
-        </p:spPr>
-        <p:txBody>
-          <a:bodyPr wrap="square" rtlCol="0">
-            <a:spAutoFit/>
-          </a:bodyPr>
-          <a:lstStyle/>
-          <a:p>
-            <a:pPr>
-              <a:defRPr/>
-            </a:pPr>
-            <a:r>
-              <a:rPr lang="fr-FR" dirty="0">
-                <a:solidFill>
-                  <a:schemeClr val="bg1"/>
-                </a:solidFill>
-                <a:latin typeface="Arial" charset="0"/>
-                <a:ea typeface="Arial" charset="0"/>
-                <a:cs typeface="Arial" charset="0"/>
-              </a:rPr>
-              <a:t>Composant </a:t>
-            </a:r>
-            <a:r>
-              <a:rPr lang="fr-FR" dirty="0" smtClean="0">
-                <a:solidFill>
-                  <a:schemeClr val="bg1"/>
-                </a:solidFill>
-                <a:latin typeface="Arial" charset="0"/>
-                <a:ea typeface="Arial" charset="0"/>
-                <a:cs typeface="Arial" charset="0"/>
-              </a:rPr>
-              <a:t>graph</a:t>
-            </a:r>
-            <a:endParaRPr lang="fr-FR" dirty="0">
-              <a:solidFill>
-                <a:schemeClr val="bg1"/>
-              </a:solidFill>
-              <a:latin typeface="Arial" charset="0"/>
-              <a:ea typeface="Arial" charset="0"/>
-              <a:cs typeface="Arial" charset="0"/>
-            </a:endParaRPr>
-          </a:p>
-        </p:txBody>
-      </p:sp>
-    </p:spTree>
-    <p:extLst>
-      <p:ext uri="{BB962C8B-B14F-4D97-AF65-F5344CB8AC3E}">
-        <p14:creationId xmlns:p14="http://schemas.microsoft.com/office/powerpoint/2010/main" val="3440709857"/>
-      </p:ext>
-    </p:extLst>
-  </p:cSld>
-  <p:clrMapOvr>
-    <a:masterClrMapping/>
-  </p:clrMapOvr>
-  <p:timing>
-    <p:tnLst>
-      <p:par>
-        <p:cTn id="1" dur="indefinite" restart="never" nodeType="tmRoot"/>
-      </p:par>
-    </p:tnLst>
-  </p:timing>
-</p:sld>
-</file>
-
-<file path=ppt/slides/slide14.xml><?xml version="1.0" encoding="utf-8"?>
-<p:sld xmlns:a="http://schemas.openxmlformats.org/drawingml/2006/main" xmlns:r="http://schemas.openxmlformats.org/officeDocument/2006/relationships" xmlns:p="http://schemas.openxmlformats.org/presentationml/2006/main">
-  <p:cSld>
-    <p:spTree>
-      <p:nvGrpSpPr>
-        <p:cNvPr id="1" name=""/>
-        <p:cNvGrpSpPr/>
-        <p:nvPr/>
-      </p:nvGrpSpPr>
-      <p:grpSpPr>
-        <a:xfrm>
-          <a:off x="0" y="0"/>
-          <a:ext cx="0" cy="0"/>
-          <a:chOff x="0" y="0"/>
-          <a:chExt cx="0" cy="0"/>
-        </a:xfrm>
-      </p:grpSpPr>
-      <p:sp>
-        <p:nvSpPr>
-          <p:cNvPr id="2" name="Espace réservé du texte 1"/>
-          <p:cNvSpPr>
-            <a:spLocks noGrp="1"/>
-          </p:cNvSpPr>
-          <p:nvPr>
-            <p:ph type="body" sz="quarter" idx="15"/>
-          </p:nvPr>
-        </p:nvSpPr>
-        <p:spPr/>
-        <p:txBody>
-          <a:bodyPr/>
-          <a:lstStyle/>
-          <a:p>
-            <a:r>
-              <a:rPr lang="fr-FR" dirty="0" smtClean="0"/>
-              <a:t>Importer l’ancien Radiator (non traité)</a:t>
-            </a:r>
-            <a:endParaRPr lang="fr-FR" dirty="0"/>
-          </a:p>
-        </p:txBody>
-      </p:sp>
-      <p:sp>
-        <p:nvSpPr>
-          <p:cNvPr id="3" name="Titre 2"/>
-          <p:cNvSpPr>
-            <a:spLocks noGrp="1"/>
-          </p:cNvSpPr>
-          <p:nvPr>
-            <p:ph type="title"/>
-          </p:nvPr>
-        </p:nvSpPr>
-        <p:spPr/>
-        <p:txBody>
-          <a:bodyPr/>
-          <a:lstStyle/>
-          <a:p>
-            <a:r>
-              <a:rPr lang="fr-FR" dirty="0" smtClean="0"/>
-              <a:t>Transférer le composant Jenkins précédemment utilisé par le plateau</a:t>
-            </a:r>
-            <a:endParaRPr lang="fr-FR" dirty="0"/>
-          </a:p>
-        </p:txBody>
-      </p:sp>
-      <p:sp>
-        <p:nvSpPr>
-          <p:cNvPr id="4" name="Espace réservé du numéro de diapositive 3"/>
-          <p:cNvSpPr>
-            <a:spLocks noGrp="1"/>
-          </p:cNvSpPr>
-          <p:nvPr>
-            <p:ph type="sldNum" sz="quarter" idx="10"/>
-          </p:nvPr>
-        </p:nvSpPr>
-        <p:spPr/>
-        <p:txBody>
-          <a:bodyPr/>
-          <a:lstStyle/>
-          <a:p>
-            <a:fld id="{BF139039-C7B8-4F4D-842F-EEB9FD5C5187}" type="slidenum">
-              <a:rPr lang="fr-FR" noProof="0" smtClean="0"/>
-              <a:pPr/>
-              <a:t>14</a:t>
-            </a:fld>
-            <a:endParaRPr lang="fr-FR" noProof="0" dirty="0"/>
-          </a:p>
-        </p:txBody>
-      </p:sp>
-      <p:sp>
-        <p:nvSpPr>
-          <p:cNvPr id="5" name="Espace réservé de la date 4"/>
-          <p:cNvSpPr>
-            <a:spLocks noGrp="1"/>
-          </p:cNvSpPr>
-          <p:nvPr>
-            <p:ph type="dt" sz="half" idx="11"/>
-          </p:nvPr>
-        </p:nvSpPr>
-        <p:spPr/>
-        <p:txBody>
-          <a:bodyPr/>
-          <a:lstStyle/>
-          <a:p>
-            <a:fld id="{94ED4875-F2C6-421C-8B01-6F7B3DCD970C}" type="datetime1">
-              <a:rPr lang="fr-FR" noProof="0" smtClean="0"/>
-              <a:t>30/08/2018</a:t>
-            </a:fld>
-            <a:endParaRPr lang="fr-FR" noProof="0" dirty="0"/>
-          </a:p>
-        </p:txBody>
-      </p:sp>
-      <p:sp>
-        <p:nvSpPr>
-          <p:cNvPr id="6" name="Espace réservé du pied de page 5"/>
-          <p:cNvSpPr>
-            <a:spLocks noGrp="1"/>
-          </p:cNvSpPr>
-          <p:nvPr>
-            <p:ph type="ftr" sz="quarter" idx="12"/>
-          </p:nvPr>
-        </p:nvSpPr>
-        <p:spPr/>
-        <p:txBody>
-          <a:bodyPr/>
-          <a:lstStyle/>
-          <a:p>
-            <a:r>
-              <a:rPr lang="fr-FR" dirty="0"/>
-              <a:t>Démo Dashboard CAD</a:t>
-            </a:r>
-            <a:endParaRPr lang="fr-FR" dirty="0"/>
-          </a:p>
-        </p:txBody>
-      </p:sp>
-      <p:sp>
-        <p:nvSpPr>
-          <p:cNvPr id="7" name="Espace réservé du contenu 6"/>
-          <p:cNvSpPr>
-            <a:spLocks noGrp="1"/>
-          </p:cNvSpPr>
-          <p:nvPr>
-            <p:ph sz="quarter" idx="13"/>
-          </p:nvPr>
-        </p:nvSpPr>
-        <p:spPr/>
-        <p:txBody>
-          <a:bodyPr/>
-          <a:lstStyle/>
-          <a:p>
-            <a:endParaRPr lang="fr-FR" dirty="0" smtClean="0"/>
-          </a:p>
-          <a:p>
-            <a:endParaRPr lang="fr-FR" dirty="0"/>
-          </a:p>
-          <a:p>
-            <a:r>
-              <a:rPr lang="fr-FR" dirty="0" smtClean="0"/>
-              <a:t>Composant déjà existant mais non utilisé sur le plateau CAD pour le moment</a:t>
-            </a:r>
-            <a:endParaRPr lang="fr-FR" dirty="0"/>
-          </a:p>
-        </p:txBody>
-      </p:sp>
-    </p:spTree>
-    <p:extLst>
-      <p:ext uri="{BB962C8B-B14F-4D97-AF65-F5344CB8AC3E}">
-        <p14:creationId xmlns:p14="http://schemas.microsoft.com/office/powerpoint/2010/main" val="2837201312"/>
-      </p:ext>
-    </p:extLst>
-  </p:cSld>
-  <p:clrMapOvr>
-    <a:masterClrMapping/>
-  </p:clrMapOvr>
-</p:sld>
-</file>
-
-<file path=ppt/slides/slide15.xml><?xml version="1.0" encoding="utf-8"?>
-<p:sld xmlns:a="http://schemas.openxmlformats.org/drawingml/2006/main" xmlns:r="http://schemas.openxmlformats.org/officeDocument/2006/relationships" xmlns:p="http://schemas.openxmlformats.org/presentationml/2006/main">
-  <p:cSld>
-    <p:spTree>
-      <p:nvGrpSpPr>
-        <p:cNvPr id="1" name=""/>
-        <p:cNvGrpSpPr/>
-        <p:nvPr/>
-      </p:nvGrpSpPr>
-      <p:grpSpPr>
-        <a:xfrm>
-          <a:off x="0" y="0"/>
-          <a:ext cx="0" cy="0"/>
-          <a:chOff x="0" y="0"/>
-          <a:chExt cx="0" cy="0"/>
-        </a:xfrm>
-      </p:grpSpPr>
-      <p:sp>
-        <p:nvSpPr>
-          <p:cNvPr id="10" name="Espace réservé du numéro de diapositive 1"/>
-          <p:cNvSpPr>
-            <a:spLocks noGrp="1"/>
-          </p:cNvSpPr>
-          <p:nvPr>
-            <p:ph type="sldNum" sz="quarter" idx="10"/>
-          </p:nvPr>
-        </p:nvSpPr>
-        <p:spPr/>
-        <p:txBody>
-          <a:bodyPr/>
-          <a:lstStyle/>
-          <a:p>
-            <a:fld id="{BF139039-C7B8-4F4D-842F-EEB9FD5C5187}" type="slidenum">
-              <a:rPr lang="fr-FR" smtClean="0"/>
-              <a:pPr/>
-              <a:t>15</a:t>
-            </a:fld>
-            <a:endParaRPr lang="fr-FR" dirty="0"/>
-          </a:p>
-        </p:txBody>
-      </p:sp>
-      <p:sp>
-        <p:nvSpPr>
-          <p:cNvPr id="11" name="Espace réservé de la date 2"/>
-          <p:cNvSpPr>
-            <a:spLocks noGrp="1"/>
-          </p:cNvSpPr>
-          <p:nvPr>
-            <p:ph type="dt" sz="half" idx="11"/>
-          </p:nvPr>
-        </p:nvSpPr>
-        <p:spPr/>
-        <p:txBody>
-          <a:bodyPr/>
-          <a:lstStyle/>
-          <a:p>
-            <a:fld id="{ACA7FC07-7638-4B7A-9D25-4FA0111C493B}" type="datetime1">
-              <a:rPr lang="fr-FR" smtClean="0"/>
-              <a:t>30/08/2018</a:t>
-            </a:fld>
-            <a:endParaRPr lang="fr-FR" dirty="0"/>
-          </a:p>
-        </p:txBody>
-      </p:sp>
-      <p:sp>
-        <p:nvSpPr>
-          <p:cNvPr id="18" name="Espace réservé du pied de page 3"/>
-          <p:cNvSpPr>
-            <a:spLocks noGrp="1"/>
-          </p:cNvSpPr>
-          <p:nvPr>
-            <p:ph type="ftr" sz="quarter" idx="12"/>
-          </p:nvPr>
-        </p:nvSpPr>
-        <p:spPr/>
-        <p:txBody>
-          <a:bodyPr/>
-          <a:lstStyle/>
-          <a:p>
-            <a:r>
-              <a:rPr lang="fr-FR" dirty="0"/>
-              <a:t>Démo Dashboard CAD</a:t>
-            </a:r>
-            <a:endParaRPr lang="fr-FR" dirty="0"/>
-          </a:p>
-        </p:txBody>
-      </p:sp>
-      <p:sp>
-        <p:nvSpPr>
-          <p:cNvPr id="13" name="Titre 4"/>
-          <p:cNvSpPr>
-            <a:spLocks noGrp="1"/>
-          </p:cNvSpPr>
-          <p:nvPr>
-            <p:ph type="title"/>
-          </p:nvPr>
-        </p:nvSpPr>
-        <p:spPr/>
-        <p:txBody>
-          <a:bodyPr/>
-          <a:lstStyle/>
-          <a:p>
-            <a:r>
-              <a:rPr lang="fr-FR" dirty="0" smtClean="0"/>
-              <a:t>L’utilisateur a le pouvoir de paramétrer le Dashboard</a:t>
-            </a:r>
-            <a:endParaRPr lang="fr-FR" dirty="0"/>
-          </a:p>
-        </p:txBody>
-      </p:sp>
-      <p:sp>
-        <p:nvSpPr>
-          <p:cNvPr id="16" name="Espace réservé du texte 7"/>
-          <p:cNvSpPr>
-            <a:spLocks noGrp="1"/>
-          </p:cNvSpPr>
-          <p:nvPr>
-            <p:ph type="body" sz="quarter" idx="16"/>
-          </p:nvPr>
-        </p:nvSpPr>
-        <p:spPr/>
-        <p:txBody>
-          <a:bodyPr/>
-          <a:lstStyle/>
-          <a:p>
-            <a:r>
-              <a:rPr lang="fr-FR" dirty="0" smtClean="0"/>
-              <a:t>  .env</a:t>
-            </a:r>
-            <a:endParaRPr lang="fr-FR" dirty="0"/>
-          </a:p>
-        </p:txBody>
-      </p:sp>
-      <p:pic>
-        <p:nvPicPr>
-          <p:cNvPr id="19" name="Espace réservé pour une image  2"/>
-          <p:cNvPicPr>
-            <a:picLocks noChangeAspect="1"/>
-          </p:cNvPicPr>
-          <p:nvPr/>
-        </p:nvPicPr>
-        <p:blipFill>
-          <a:blip r:embed="rId3">
-            <a:extLst>
-              <a:ext uri="{28A0092B-C50C-407E-A947-70E740481C1C}">
-                <a14:useLocalDpi xmlns:a14="http://schemas.microsoft.com/office/drawing/2010/main"/>
-              </a:ext>
-            </a:extLst>
-          </a:blip>
-          <a:stretch>
-            <a:fillRect/>
-          </a:stretch>
-        </p:blipFill>
-        <p:spPr>
-          <a:xfrm>
-            <a:off x="1813135" y="1909763"/>
-            <a:ext cx="8423173" cy="3556000"/>
-          </a:xfrm>
-          <a:prstGeom prst="rect">
-            <a:avLst/>
-          </a:prstGeom>
-        </p:spPr>
-      </p:pic>
-      <p:pic>
-        <p:nvPicPr>
-          <p:cNvPr id="20" name="Image 21"/>
-          <p:cNvPicPr>
-            <a:picLocks noChangeAspect="1"/>
-          </p:cNvPicPr>
-          <p:nvPr/>
-        </p:nvPicPr>
-        <p:blipFill>
-          <a:blip r:embed="rId4" cstate="print">
-            <a:extLst>
-              <a:ext uri="{28A0092B-C50C-407E-A947-70E740481C1C}">
-                <a14:useLocalDpi xmlns:a14="http://schemas.microsoft.com/office/drawing/2010/main"/>
-              </a:ext>
-            </a:extLst>
-          </a:blip>
-          <a:stretch>
-            <a:fillRect/>
-          </a:stretch>
-        </p:blipFill>
-        <p:spPr>
-          <a:xfrm>
-            <a:off x="210532" y="5541296"/>
-            <a:ext cx="960120" cy="646176"/>
-          </a:xfrm>
-          <a:prstGeom prst="rect">
-            <a:avLst/>
-          </a:prstGeom>
-        </p:spPr>
-      </p:pic>
-    </p:spTree>
-    <p:extLst>
-      <p:ext uri="{BB962C8B-B14F-4D97-AF65-F5344CB8AC3E}">
-        <p14:creationId xmlns:p14="http://schemas.microsoft.com/office/powerpoint/2010/main" val="2133718726"/>
-      </p:ext>
-    </p:extLst>
-  </p:cSld>
-  <p:clrMapOvr>
-    <a:masterClrMapping/>
-  </p:clrMapOvr>
-  <p:timing>
-    <p:tnLst>
-      <p:par>
-        <p:cTn id="1" dur="indefinite" restart="never" nodeType="tmRoot"/>
-      </p:par>
-    </p:tnLst>
-  </p:timing>
-</p:sld>
-</file>
-
-<file path=ppt/slides/slide16.xml><?xml version="1.0" encoding="utf-8"?>
-<p:sld xmlns:a="http://schemas.openxmlformats.org/drawingml/2006/main" xmlns:r="http://schemas.openxmlformats.org/officeDocument/2006/relationships" xmlns:p="http://schemas.openxmlformats.org/presentationml/2006/main">
-  <p:cSld>
-    <p:spTree>
-      <p:nvGrpSpPr>
-        <p:cNvPr id="1" name=""/>
-        <p:cNvGrpSpPr/>
-        <p:nvPr/>
-      </p:nvGrpSpPr>
-      <p:grpSpPr>
-        <a:xfrm>
-          <a:off x="0" y="0"/>
-          <a:ext cx="0" cy="0"/>
-          <a:chOff x="0" y="0"/>
-          <a:chExt cx="0" cy="0"/>
-        </a:xfrm>
-      </p:grpSpPr>
-    </p:spTree>
-    <p:extLst>
-      <p:ext uri="{BB962C8B-B14F-4D97-AF65-F5344CB8AC3E}">
-        <p14:creationId xmlns:p14="http://schemas.microsoft.com/office/powerpoint/2010/main" val="2913702200"/>
-      </p:ext>
-    </p:extLst>
-  </p:cSld>
-  <p:clrMapOvr>
-    <a:masterClrMapping/>
-  </p:clrMapOvr>
-  <p:timing>
-    <p:tnLst>
-      <p:par>
-        <p:cTn id="1" dur="indefinite" restart="never" nodeType="tmRoot"/>
-      </p:par>
-    </p:tnLst>
-  </p:timing>
-</p:sld>
-</file>
-
 <file path=ppt/slides/slide2.xml><?xml version="1.0" encoding="utf-8"?>
 <p:sld xmlns:a="http://schemas.openxmlformats.org/drawingml/2006/main" xmlns:r="http://schemas.openxmlformats.org/officeDocument/2006/relationships" xmlns:p="http://schemas.openxmlformats.org/presentationml/2006/main">
   <p:cSld>
@@ -17539,32 +14234,6 @@
       </p:grpSpPr>
       <p:sp>
         <p:nvSpPr>
-          <p:cNvPr id="7" name="Espace réservé du texte 6"/>
-          <p:cNvSpPr>
-            <a:spLocks noGrp="1"/>
-          </p:cNvSpPr>
-          <p:nvPr>
-            <p:ph type="body" sz="quarter" idx="15"/>
-          </p:nvPr>
-        </p:nvSpPr>
-        <p:spPr/>
-        <p:txBody>
-          <a:bodyPr/>
-          <a:lstStyle/>
-          <a:p>
-            <a:r>
-              <a:rPr lang="fr-FR" dirty="0" smtClean="0"/>
-              <a:t>Expression de besoin</a:t>
-            </a:r>
-            <a:endParaRPr lang="fr-FR" dirty="0" smtClean="0"/>
-          </a:p>
-          <a:p>
-            <a:endParaRPr lang="fr-FR" dirty="0"/>
-          </a:p>
-        </p:txBody>
-      </p:sp>
-      <p:sp>
-        <p:nvSpPr>
           <p:cNvPr id="3" name="Espace réservé du numéro de diapositive 2"/>
           <p:cNvSpPr>
             <a:spLocks noGrp="1"/>
@@ -17604,7 +14273,7 @@
           <a:p>
             <a:fld id="{63B61A1F-ADB2-4C00-9768-B4A748B827D8}" type="datetime1">
               <a:rPr lang="fr-FR" smtClean="0"/>
-              <a:t>30/08/2018</a:t>
+              <a:t>31/08/2018</a:t>
             </a:fld>
             <a:endParaRPr lang="fr-FR" dirty="0"/>
           </a:p>
@@ -17654,33 +14323,42 @@
           <a:lstStyle/>
           <a:p>
             <a:r>
+              <a:rPr lang="fr-FR" b="1" dirty="0" smtClean="0"/>
+              <a:t> </a:t>
+            </a:r>
+            <a:r>
               <a:rPr lang="fr-FR" b="1" dirty="0"/>
-              <a:t>I- Automatiser les taches récurrentes liées à l’agilité   </a:t>
-            </a:r>
+              <a:t>Automatiser les taches </a:t>
+            </a:r>
+            <a:r>
+              <a:rPr lang="fr-FR" b="1" dirty="0" smtClean="0"/>
+              <a:t>récurrentes de l’équipe Burton</a:t>
+            </a:r>
+            <a:endParaRPr lang="fr-FR" b="1" dirty="0"/>
           </a:p>
           <a:p>
             <a:pPr lvl="1"/>
             <a:r>
+              <a:rPr lang="fr-FR" dirty="0" smtClean="0"/>
+              <a:t>Graphiques support / validation</a:t>
+            </a:r>
+          </a:p>
+          <a:p>
+            <a:pPr lvl="2"/>
+            <a:r>
               <a:rPr lang="fr-FR" dirty="0"/>
-              <a:t>Graphiques support / validation</a:t>
-            </a:r>
-          </a:p>
-          <a:p>
-            <a:pPr lvl="2"/>
-            <a:r>
-              <a:rPr lang="fr-FR" dirty="0"/>
-              <a:t>Lead </a:t>
+              <a:t>Lead Time </a:t>
             </a:r>
             <a:r>
               <a:rPr lang="fr-FR" dirty="0" smtClean="0"/>
-              <a:t>Time Modaris</a:t>
-            </a:r>
-            <a:endParaRPr lang="fr-FR" dirty="0"/>
+              <a:t>Modaris</a:t>
+            </a:r>
+            <a:endParaRPr lang="fr-FR" dirty="0" smtClean="0"/>
           </a:p>
           <a:p>
             <a:pPr lvl="1"/>
             <a:r>
-              <a:rPr lang="fr-FR" dirty="0"/>
+              <a:rPr lang="fr-FR" dirty="0" smtClean="0"/>
               <a:t>Compteurs Bugzilla</a:t>
             </a:r>
           </a:p>
@@ -17701,72 +14379,18 @@
               <a:rPr lang="fr-FR" dirty="0" smtClean="0"/>
               <a:t>historique</a:t>
             </a:r>
-          </a:p>
-          <a:p>
+            <a:endParaRPr lang="fr-FR" dirty="0" smtClean="0"/>
+          </a:p>
+          <a:p>
+            <a:pPr lvl="1"/>
+            <a:r>
+              <a:rPr lang="fr-FR" dirty="0"/>
+              <a:t>Mettre en commun avec les autres </a:t>
+            </a:r>
             <a:r>
               <a:rPr lang="fr-FR" dirty="0" smtClean="0"/>
-              <a:t>II- Basculer sur la nouvelle application Radiator  </a:t>
-            </a:r>
-            <a:endParaRPr lang="fr-FR" dirty="0" smtClean="0"/>
-          </a:p>
-          <a:p>
-            <a:pPr lvl="1"/>
-            <a:r>
-              <a:rPr lang="fr-FR" dirty="0" smtClean="0"/>
-              <a:t>Mettre en commun les composants avec les autres équipes </a:t>
-            </a:r>
-          </a:p>
-          <a:p>
-            <a:pPr lvl="2"/>
-            <a:r>
-              <a:rPr lang="fr-FR" dirty="0"/>
-              <a:t>Page home</a:t>
-            </a:r>
-          </a:p>
-          <a:p>
-            <a:pPr lvl="2"/>
-            <a:r>
-              <a:rPr lang="fr-FR" dirty="0"/>
-              <a:t>Gestion APIs</a:t>
-            </a:r>
-          </a:p>
-          <a:p>
-            <a:pPr lvl="2"/>
-            <a:r>
-              <a:rPr lang="fr-FR" dirty="0"/>
-              <a:t>Réutilisabilité des nouveaux composants</a:t>
-            </a:r>
-          </a:p>
-          <a:p>
-            <a:pPr lvl="1"/>
-            <a:r>
-              <a:rPr lang="fr-FR" dirty="0" smtClean="0"/>
-              <a:t>Importer l’ancien Radiator</a:t>
-            </a:r>
-          </a:p>
-          <a:p>
-            <a:pPr lvl="1"/>
-            <a:r>
-              <a:rPr lang="fr-FR" dirty="0" smtClean="0"/>
-              <a:t>Offrir une application paramétrable par l’utilisateur</a:t>
-            </a:r>
-          </a:p>
-          <a:p>
-            <a:pPr lvl="2"/>
-            <a:endParaRPr lang="fr-FR" dirty="0" smtClean="0"/>
-          </a:p>
-          <a:p>
-            <a:pPr marL="1828800" lvl="4" indent="0">
-              <a:buNone/>
-            </a:pPr>
-            <a:endParaRPr lang="fr-FR" dirty="0"/>
-          </a:p>
-          <a:p>
-            <a:pPr lvl="4"/>
-            <a:endParaRPr lang="fr-FR" dirty="0" smtClean="0"/>
-          </a:p>
-          <a:p>
-            <a:pPr lvl="3"/>
+              <a:t>équipes</a:t>
+            </a:r>
             <a:endParaRPr lang="fr-FR" dirty="0"/>
           </a:p>
         </p:txBody>
@@ -17831,6 +14455,43 @@
           </a:prstGeom>
         </p:spPr>
       </p:pic>
+      <p:sp>
+        <p:nvSpPr>
+          <p:cNvPr id="10" name="Espace réservé du texte 49">
+            <a:extLst>
+              <a:ext uri="{FF2B5EF4-FFF2-40B4-BE49-F238E27FC236}">
+                <a16:creationId xmlns:a16="http://schemas.microsoft.com/office/drawing/2014/main" id="{05160C17-D2CB-4C5C-9B60-F77CB68821C7}"/>
+              </a:ext>
+            </a:extLst>
+          </p:cNvPr>
+          <p:cNvSpPr>
+            <a:spLocks noGrp="1"/>
+          </p:cNvSpPr>
+          <p:nvPr>
+            <p:ph type="body" sz="quarter" idx="4294967295"/>
+          </p:nvPr>
+        </p:nvSpPr>
+        <p:spPr>
+          <a:xfrm>
+            <a:off x="393412" y="221147"/>
+            <a:ext cx="7128822" cy="330065"/>
+          </a:xfrm>
+          <a:prstGeom prst="rect">
+            <a:avLst/>
+          </a:prstGeom>
+        </p:spPr>
+        <p:txBody>
+          <a:bodyPr/>
+          <a:lstStyle/>
+          <a:p>
+            <a:r>
+              <a:rPr lang="fr-FR" b="1" dirty="0" smtClean="0"/>
+              <a:t>Objectifs</a:t>
+            </a:r>
+            <a:endParaRPr lang="fr-FR" b="1" dirty="0"/>
+          </a:p>
+        </p:txBody>
+      </p:sp>
     </p:spTree>
     <p:extLst>
       <p:ext uri="{BB962C8B-B14F-4D97-AF65-F5344CB8AC3E}">
@@ -17909,7 +14570,7 @@
           <a:p>
             <a:fld id="{8A43B37F-9BB6-4175-B53F-ACF2E41DCBC2}" type="datetime1">
               <a:rPr lang="fr-FR" smtClean="0"/>
-              <a:t>30/08/2018</a:t>
+              <a:t>31/08/2018</a:t>
             </a:fld>
             <a:endParaRPr lang="fr-FR" dirty="0"/>
           </a:p>
@@ -17934,7 +14595,6 @@
               <a:rPr lang="fr-FR" dirty="0"/>
               <a:t>Démo Dashboard CAD</a:t>
             </a:r>
-            <a:endParaRPr lang="fr-FR" dirty="0"/>
           </a:p>
         </p:txBody>
       </p:sp>
@@ -17969,36 +14629,6 @@
           </a:p>
         </p:txBody>
       </p:sp>
-      <p:pic>
-        <p:nvPicPr>
-          <p:cNvPr id="6" name="Espace réservé pour une image  5"/>
-          <p:cNvPicPr>
-            <a:picLocks noGrp="1" noChangeAspect="1"/>
-          </p:cNvPicPr>
-          <p:nvPr>
-            <p:ph type="pic" sz="quarter" idx="17"/>
-          </p:nvPr>
-        </p:nvPicPr>
-        <p:blipFill>
-          <a:blip r:embed="rId2">
-            <a:extLst>
-              <a:ext uri="{28A0092B-C50C-407E-A947-70E740481C1C}">
-                <a14:useLocalDpi xmlns:a14="http://schemas.microsoft.com/office/drawing/2010/main" val="0"/>
-              </a:ext>
-            </a:extLst>
-          </a:blip>
-          <a:srcRect l="20271" r="20271"/>
-          <a:stretch>
-            <a:fillRect/>
-          </a:stretch>
-        </p:blipFill>
-        <p:spPr>
-          <a:xfrm>
-            <a:off x="6118167" y="2032000"/>
-            <a:ext cx="4122796" cy="3556000"/>
-          </a:xfrm>
-        </p:spPr>
-      </p:pic>
       <p:sp>
         <p:nvSpPr>
           <p:cNvPr id="50" name="Espace réservé du texte 49">
@@ -18038,7 +14668,7 @@
         </p:nvSpPr>
         <p:spPr>
           <a:xfrm>
-            <a:off x="6329751" y="1644986"/>
+            <a:off x="6022180" y="1636667"/>
             <a:ext cx="2074862" cy="407987"/>
           </a:xfrm>
           <a:prstGeom prst="rect">
@@ -18078,7 +14708,7 @@
               </a:spcBef>
               <a:buFontTx/>
               <a:buBlip>
-                <a:blip r:embed="rId3"/>
+                <a:blip r:embed="rId2"/>
               </a:buBlip>
               <a:defRPr sz="1800" kern="1200">
                 <a:solidFill>
@@ -18098,7 +14728,7 @@
               </a:spcBef>
               <a:buFontTx/>
               <a:buBlip>
-                <a:blip r:embed="rId4"/>
+                <a:blip r:embed="rId3"/>
               </a:buBlip>
               <a:defRPr sz="1600" kern="1200">
                 <a:solidFill>
@@ -18118,7 +14748,7 @@
               </a:spcBef>
               <a:buFontTx/>
               <a:buBlip>
-                <a:blip r:embed="rId5"/>
+                <a:blip r:embed="rId4"/>
               </a:buBlip>
               <a:defRPr sz="1400" kern="1200">
                 <a:solidFill>
@@ -18224,8 +14854,11 @@
             <a:pPr algn="ctr"/>
             <a:r>
               <a:rPr lang="fr-FR" sz="1600" b="1" dirty="0" smtClean="0"/>
-              <a:t>Graph Radiator</a:t>
-            </a:r>
+              <a:t>Après</a:t>
+            </a:r>
+          </a:p>
+          <a:p>
+            <a:pPr algn="ctr"/>
             <a:endParaRPr lang="fr-FR" sz="1600" b="1" dirty="0"/>
           </a:p>
         </p:txBody>
@@ -18280,7 +14913,7 @@
               </a:spcBef>
               <a:buFontTx/>
               <a:buBlip>
-                <a:blip r:embed="rId3"/>
+                <a:blip r:embed="rId2"/>
               </a:buBlip>
               <a:defRPr sz="1800" kern="1200">
                 <a:solidFill>
@@ -18300,7 +14933,7 @@
               </a:spcBef>
               <a:buFontTx/>
               <a:buBlip>
-                <a:blip r:embed="rId4"/>
+                <a:blip r:embed="rId3"/>
               </a:buBlip>
               <a:defRPr sz="1600" kern="1200">
                 <a:solidFill>
@@ -18320,7 +14953,7 @@
               </a:spcBef>
               <a:buFontTx/>
               <a:buBlip>
-                <a:blip r:embed="rId5"/>
+                <a:blip r:embed="rId4"/>
               </a:buBlip>
               <a:defRPr sz="1400" kern="1200">
                 <a:solidFill>
@@ -18448,7 +15081,7 @@
         </p:nvSpPr>
         <p:spPr>
           <a:xfrm>
-            <a:off x="1869680" y="1637137"/>
+            <a:off x="891216" y="1644985"/>
             <a:ext cx="2074862" cy="407987"/>
           </a:xfrm>
           <a:prstGeom prst="rect">
@@ -18488,7 +15121,7 @@
               </a:spcBef>
               <a:buFontTx/>
               <a:buBlip>
-                <a:blip r:embed="rId3"/>
+                <a:blip r:embed="rId2"/>
               </a:buBlip>
               <a:defRPr sz="1800" kern="1200">
                 <a:solidFill>
@@ -18508,7 +15141,7 @@
               </a:spcBef>
               <a:buFontTx/>
               <a:buBlip>
-                <a:blip r:embed="rId4"/>
+                <a:blip r:embed="rId3"/>
               </a:buBlip>
               <a:defRPr sz="1600" kern="1200">
                 <a:solidFill>
@@ -18528,7 +15161,7 @@
               </a:spcBef>
               <a:buFontTx/>
               <a:buBlip>
-                <a:blip r:embed="rId5"/>
+                <a:blip r:embed="rId4"/>
               </a:buBlip>
               <a:defRPr sz="1400" kern="1200">
                 <a:solidFill>
@@ -18633,8 +15266,12 @@
           <a:p>
             <a:pPr algn="ctr"/>
             <a:r>
+              <a:rPr lang="fr-FR" sz="1600" b="1" dirty="0"/>
+              <a:t>A</a:t>
+            </a:r>
+            <a:r>
               <a:rPr lang="fr-FR" sz="1600" b="1" dirty="0" smtClean="0"/>
-              <a:t>Graph Excel</a:t>
+              <a:t>vant</a:t>
             </a:r>
             <a:endParaRPr lang="fr-FR" sz="1600" b="1" dirty="0"/>
           </a:p>
@@ -18696,7 +15333,7 @@
               </a:spcBef>
               <a:buFontTx/>
               <a:buBlip>
-                <a:blip r:embed="rId3"/>
+                <a:blip r:embed="rId2"/>
               </a:buBlip>
               <a:defRPr sz="1800" kern="1200">
                 <a:solidFill>
@@ -18716,7 +15353,7 @@
               </a:spcBef>
               <a:buFontTx/>
               <a:buBlip>
-                <a:blip r:embed="rId4"/>
+                <a:blip r:embed="rId3"/>
               </a:buBlip>
               <a:defRPr sz="1600" kern="1200">
                 <a:solidFill>
@@ -18736,7 +15373,7 @@
               </a:spcBef>
               <a:buFontTx/>
               <a:buBlip>
-                <a:blip r:embed="rId5"/>
+                <a:blip r:embed="rId4"/>
               </a:buBlip>
               <a:defRPr sz="1400" kern="1200">
                 <a:solidFill>
@@ -18850,36 +15487,6 @@
       </p:sp>
       <p:pic>
         <p:nvPicPr>
-          <p:cNvPr id="5" name="Espace réservé pour une image  4"/>
-          <p:cNvPicPr>
-            <a:picLocks noGrp="1" noChangeAspect="1"/>
-          </p:cNvPicPr>
-          <p:nvPr>
-            <p:ph type="pic" sz="quarter" idx="14"/>
-          </p:nvPr>
-        </p:nvPicPr>
-        <p:blipFill>
-          <a:blip r:embed="rId6">
-            <a:extLst>
-              <a:ext uri="{28A0092B-C50C-407E-A947-70E740481C1C}">
-                <a14:useLocalDpi xmlns:a14="http://schemas.microsoft.com/office/drawing/2010/main" val="0"/>
-              </a:ext>
-            </a:extLst>
-          </a:blip>
-          <a:srcRect l="18002" r="18002"/>
-          <a:stretch>
-            <a:fillRect/>
-          </a:stretch>
-        </p:blipFill>
-        <p:spPr>
-          <a:xfrm>
-            <a:off x="1803401" y="2032000"/>
-            <a:ext cx="4007196" cy="3556000"/>
-          </a:xfrm>
-        </p:spPr>
-      </p:pic>
-      <p:pic>
-        <p:nvPicPr>
           <p:cNvPr id="38" name="Image 25"/>
           <p:cNvPicPr>
             <a:picLocks noChangeAspect="1"/>
@@ -18887,7 +15494,7 @@
           <p:nvPr/>
         </p:nvPicPr>
         <p:blipFill>
-          <a:blip r:embed="rId7" cstate="print">
+          <a:blip r:embed="rId5" cstate="print">
             <a:extLst>
               <a:ext uri="{28A0092B-C50C-407E-A947-70E740481C1C}">
                 <a14:useLocalDpi xmlns:a14="http://schemas.microsoft.com/office/drawing/2010/main"/>
@@ -18917,7 +15524,7 @@
           <p:nvPr/>
         </p:nvPicPr>
         <p:blipFill>
-          <a:blip r:embed="rId8" cstate="print">
+          <a:blip r:embed="rId6" cstate="print">
             <a:extLst>
               <a:ext uri="{28A0092B-C50C-407E-A947-70E740481C1C}">
                 <a14:useLocalDpi xmlns:a14="http://schemas.microsoft.com/office/drawing/2010/main"/>
@@ -18932,6 +15539,66 @@
           <a:xfrm>
             <a:off x="10820286" y="5218839"/>
             <a:ext cx="960120" cy="646176"/>
+          </a:xfrm>
+          <a:prstGeom prst="rect">
+            <a:avLst/>
+          </a:prstGeom>
+        </p:spPr>
+      </p:pic>
+      <p:pic>
+        <p:nvPicPr>
+          <p:cNvPr id="8" name="Image 7"/>
+          <p:cNvPicPr>
+            <a:picLocks noChangeAspect="1"/>
+          </p:cNvPicPr>
+          <p:nvPr/>
+        </p:nvPicPr>
+        <p:blipFill>
+          <a:blip r:embed="rId7">
+            <a:extLst>
+              <a:ext uri="{28A0092B-C50C-407E-A947-70E740481C1C}">
+                <a14:useLocalDpi xmlns:a14="http://schemas.microsoft.com/office/drawing/2010/main" val="0"/>
+              </a:ext>
+            </a:extLst>
+          </a:blip>
+          <a:stretch>
+            <a:fillRect/>
+          </a:stretch>
+        </p:blipFill>
+        <p:spPr>
+          <a:xfrm>
+            <a:off x="891216" y="2052972"/>
+            <a:ext cx="4473711" cy="2951959"/>
+          </a:xfrm>
+          <a:prstGeom prst="rect">
+            <a:avLst/>
+          </a:prstGeom>
+        </p:spPr>
+      </p:pic>
+      <p:pic>
+        <p:nvPicPr>
+          <p:cNvPr id="11" name="Image 10"/>
+          <p:cNvPicPr>
+            <a:picLocks noChangeAspect="1"/>
+          </p:cNvPicPr>
+          <p:nvPr/>
+        </p:nvPicPr>
+        <p:blipFill>
+          <a:blip r:embed="rId8">
+            <a:extLst>
+              <a:ext uri="{28A0092B-C50C-407E-A947-70E740481C1C}">
+                <a14:useLocalDpi xmlns:a14="http://schemas.microsoft.com/office/drawing/2010/main" val="0"/>
+              </a:ext>
+            </a:extLst>
+          </a:blip>
+          <a:stretch>
+            <a:fillRect/>
+          </a:stretch>
+        </p:blipFill>
+        <p:spPr>
+          <a:xfrm>
+            <a:off x="6022182" y="2043119"/>
+            <a:ext cx="4798104" cy="2961812"/>
           </a:xfrm>
           <a:prstGeom prst="rect">
             <a:avLst/>
@@ -19016,7 +15683,7 @@
           <a:p>
             <a:fld id="{8A43B37F-9BB6-4175-B53F-ACF2E41DCBC2}" type="datetime1">
               <a:rPr lang="fr-FR" smtClean="0"/>
-              <a:t>30/08/2018</a:t>
+              <a:t>31/08/2018</a:t>
             </a:fld>
             <a:endParaRPr lang="fr-FR" dirty="0"/>
           </a:p>
@@ -19041,7 +15708,6 @@
               <a:rPr lang="fr-FR" dirty="0"/>
               <a:t>Démo Dashboard CAD</a:t>
             </a:r>
-            <a:endParaRPr lang="fr-FR" dirty="0"/>
           </a:p>
         </p:txBody>
       </p:sp>
@@ -19293,8 +15959,11 @@
             <a:pPr algn="ctr"/>
             <a:r>
               <a:rPr lang="fr-FR" sz="1600" b="1" dirty="0" smtClean="0"/>
-              <a:t>Compteur Dashboard</a:t>
-            </a:r>
+              <a:t>Après</a:t>
+            </a:r>
+          </a:p>
+          <a:p>
+            <a:pPr algn="ctr"/>
             <a:endParaRPr lang="fr-FR" sz="1600" b="1" dirty="0"/>
           </a:p>
         </p:txBody>
@@ -19703,7 +16372,7 @@
             <a:pPr algn="ctr"/>
             <a:r>
               <a:rPr lang="fr-FR" sz="1600" b="1" dirty="0" smtClean="0"/>
-              <a:t>Ancien compteur</a:t>
+              <a:t>Avant</a:t>
             </a:r>
             <a:endParaRPr lang="fr-FR" sz="1600" b="1" dirty="0"/>
           </a:p>
@@ -20115,7 +16784,7 @@
           <a:p>
             <a:fld id="{EECFC679-D7AF-475D-A1C6-630FEC67F0C5}" type="datetime1">
               <a:rPr lang="fr-FR" smtClean="0"/>
-              <a:t>30/08/2018</a:t>
+              <a:t>31/08/2018</a:t>
             </a:fld>
             <a:endParaRPr lang="fr-FR" dirty="0"/>
           </a:p>
@@ -20140,7 +16809,6 @@
               <a:rPr lang="fr-FR" dirty="0"/>
               <a:t>Démo Dashboard CAD</a:t>
             </a:r>
-            <a:endParaRPr lang="fr-FR" dirty="0"/>
           </a:p>
         </p:txBody>
       </p:sp>
@@ -20695,8 +17363,12 @@
           <a:p>
             <a:pPr algn="ctr"/>
             <a:r>
+              <a:rPr lang="fr-FR" sz="1600" b="1" dirty="0" err="1" smtClean="0"/>
+              <a:t>Spec</a:t>
+            </a:r>
+            <a:r>
               <a:rPr lang="fr-FR" sz="1600" b="1" dirty="0" smtClean="0"/>
-              <a:t>Croquis</a:t>
+              <a:t> by Fabrice</a:t>
             </a:r>
             <a:endParaRPr lang="fr-FR" sz="1600" b="1" dirty="0"/>
           </a:p>
@@ -20739,255 +17411,9 @@
           <a:chExt cx="0" cy="0"/>
         </a:xfrm>
       </p:grpSpPr>
-      <p:sp>
-        <p:nvSpPr>
-          <p:cNvPr id="7" name="Espace réservé du texte 6"/>
-          <p:cNvSpPr>
-            <a:spLocks noGrp="1"/>
-          </p:cNvSpPr>
-          <p:nvPr>
-            <p:ph type="body" sz="quarter" idx="15"/>
-          </p:nvPr>
-        </p:nvSpPr>
-        <p:spPr/>
-        <p:txBody>
-          <a:bodyPr/>
-          <a:lstStyle/>
-          <a:p>
-            <a:r>
-              <a:rPr lang="fr-FR" dirty="0" smtClean="0"/>
-              <a:t>Expression de besoin</a:t>
-            </a:r>
-            <a:endParaRPr lang="fr-FR" dirty="0" smtClean="0"/>
-          </a:p>
-          <a:p>
-            <a:endParaRPr lang="fr-FR" dirty="0"/>
-          </a:p>
-        </p:txBody>
-      </p:sp>
-      <p:sp>
-        <p:nvSpPr>
-          <p:cNvPr id="3" name="Espace réservé du numéro de diapositive 2"/>
-          <p:cNvSpPr>
-            <a:spLocks noGrp="1"/>
-          </p:cNvSpPr>
-          <p:nvPr>
-            <p:ph type="sldNum" sz="quarter" idx="10"/>
-          </p:nvPr>
-        </p:nvSpPr>
-        <p:spPr/>
-        <p:txBody>
-          <a:bodyPr/>
-          <a:lstStyle/>
-          <a:p>
-            <a:fld id="{BF139039-C7B8-4F4D-842F-EEB9FD5C5187}" type="slidenum">
-              <a:rPr lang="fr-FR" smtClean="0"/>
-              <a:pPr/>
-              <a:t>6</a:t>
-            </a:fld>
-            <a:endParaRPr lang="fr-FR" dirty="0"/>
-          </a:p>
-        </p:txBody>
-      </p:sp>
-      <p:sp>
-        <p:nvSpPr>
-          <p:cNvPr id="4" name="Espace réservé de la date 3"/>
-          <p:cNvSpPr>
-            <a:spLocks noGrp="1"/>
-          </p:cNvSpPr>
-          <p:nvPr>
-            <p:ph type="dt" sz="half" idx="11"/>
-          </p:nvPr>
-        </p:nvSpPr>
-        <p:spPr/>
-        <p:txBody>
-          <a:bodyPr/>
-          <a:lstStyle/>
-          <a:p>
-            <a:fld id="{63B61A1F-ADB2-4C00-9768-B4A748B827D8}" type="datetime1">
-              <a:rPr lang="fr-FR" smtClean="0"/>
-              <a:t>30/08/2018</a:t>
-            </a:fld>
-            <a:endParaRPr lang="fr-FR" dirty="0"/>
-          </a:p>
-        </p:txBody>
-      </p:sp>
-      <p:sp>
-        <p:nvSpPr>
-          <p:cNvPr id="5" name="Espace réservé du pied de page 4"/>
-          <p:cNvSpPr>
-            <a:spLocks noGrp="1"/>
-          </p:cNvSpPr>
-          <p:nvPr>
-            <p:ph type="ftr" sz="quarter" idx="12"/>
-          </p:nvPr>
-        </p:nvSpPr>
-        <p:spPr/>
-        <p:txBody>
-          <a:bodyPr/>
-          <a:lstStyle/>
-          <a:p>
-            <a:r>
-              <a:rPr lang="fr-FR" dirty="0" smtClean="0"/>
-              <a:t>Démo Dashboard CAD</a:t>
-            </a:r>
-            <a:endParaRPr lang="fr-FR" dirty="0"/>
-          </a:p>
-        </p:txBody>
-      </p:sp>
-      <p:sp>
-        <p:nvSpPr>
-          <p:cNvPr id="6" name="Espace réservé du contenu 5"/>
-          <p:cNvSpPr>
-            <a:spLocks noGrp="1"/>
-          </p:cNvSpPr>
-          <p:nvPr>
-            <p:ph sz="quarter" idx="13"/>
-          </p:nvPr>
-        </p:nvSpPr>
-        <p:spPr>
-          <a:xfrm>
-            <a:off x="1607487" y="869591"/>
-            <a:ext cx="8689975" cy="4270701"/>
-          </a:xfrm>
-        </p:spPr>
-        <p:txBody>
-          <a:bodyPr/>
-          <a:lstStyle/>
-          <a:p>
-            <a:r>
-              <a:rPr lang="fr-FR" dirty="0"/>
-              <a:t>I- Automatiser les taches récurrentes liées à l’agilité   </a:t>
-            </a:r>
-          </a:p>
-          <a:p>
-            <a:pPr lvl="1"/>
-            <a:r>
-              <a:rPr lang="fr-FR" dirty="0"/>
-              <a:t>Graphiques support / validation</a:t>
-            </a:r>
-          </a:p>
-          <a:p>
-            <a:pPr lvl="2"/>
-            <a:r>
-              <a:rPr lang="fr-FR" dirty="0"/>
-              <a:t>Lead </a:t>
-            </a:r>
-            <a:r>
-              <a:rPr lang="fr-FR" dirty="0" smtClean="0"/>
-              <a:t>Time Modaris</a:t>
-            </a:r>
-            <a:endParaRPr lang="fr-FR" dirty="0"/>
-          </a:p>
-          <a:p>
-            <a:pPr lvl="1"/>
-            <a:r>
-              <a:rPr lang="fr-FR" dirty="0"/>
-              <a:t>Compteurs Bugzilla</a:t>
-            </a:r>
-          </a:p>
-          <a:p>
-            <a:pPr lvl="2"/>
-            <a:r>
-              <a:rPr lang="fr-FR" dirty="0"/>
-              <a:t>Automatiser compteur existant</a:t>
-            </a:r>
-          </a:p>
-          <a:p>
-            <a:pPr lvl="2"/>
-            <a:r>
-              <a:rPr lang="fr-FR" dirty="0"/>
-              <a:t>Tenir un </a:t>
-            </a:r>
-            <a:r>
-              <a:rPr lang="fr-FR" dirty="0" smtClean="0"/>
-              <a:t>historique</a:t>
-            </a:r>
-          </a:p>
-          <a:p>
-            <a:r>
-              <a:rPr lang="fr-FR" b="1" dirty="0" smtClean="0"/>
-              <a:t>II- Basculer sur la nouvelle application Radiator  </a:t>
-            </a:r>
-            <a:endParaRPr lang="fr-FR" b="1" dirty="0" smtClean="0"/>
-          </a:p>
-          <a:p>
-            <a:pPr lvl="1"/>
-            <a:r>
-              <a:rPr lang="fr-FR" dirty="0" smtClean="0"/>
-              <a:t>Mettre en commun les composants avec les autres équipes </a:t>
-            </a:r>
-          </a:p>
-          <a:p>
-            <a:pPr lvl="2"/>
-            <a:r>
-              <a:rPr lang="fr-FR" dirty="0"/>
-              <a:t>Page home</a:t>
-            </a:r>
-          </a:p>
-          <a:p>
-            <a:pPr lvl="2"/>
-            <a:r>
-              <a:rPr lang="fr-FR" dirty="0"/>
-              <a:t>Gestion APIs</a:t>
-            </a:r>
-          </a:p>
-          <a:p>
-            <a:pPr lvl="2"/>
-            <a:r>
-              <a:rPr lang="fr-FR" dirty="0"/>
-              <a:t>Réutilisabilité des nouveaux composants</a:t>
-            </a:r>
-          </a:p>
-          <a:p>
-            <a:pPr lvl="1"/>
-            <a:r>
-              <a:rPr lang="fr-FR" dirty="0" smtClean="0"/>
-              <a:t>Importer l’ancien Radiator</a:t>
-            </a:r>
-          </a:p>
-          <a:p>
-            <a:pPr lvl="1"/>
-            <a:r>
-              <a:rPr lang="fr-FR" dirty="0" smtClean="0"/>
-              <a:t>Offrir </a:t>
-            </a:r>
-            <a:r>
-              <a:rPr lang="fr-FR" dirty="0"/>
-              <a:t>une application paramétrable par </a:t>
-            </a:r>
-            <a:r>
-              <a:rPr lang="fr-FR" dirty="0" smtClean="0"/>
-              <a:t>l’utilisateur</a:t>
-            </a:r>
-          </a:p>
-          <a:p>
-            <a:pPr lvl="2"/>
-            <a:endParaRPr lang="fr-FR" dirty="0" smtClean="0"/>
-          </a:p>
-          <a:p>
-            <a:pPr lvl="2"/>
-            <a:endParaRPr lang="fr-FR" dirty="0" smtClean="0"/>
-          </a:p>
-          <a:p>
-            <a:pPr marL="1828800" lvl="4" indent="0">
-              <a:buNone/>
-            </a:pPr>
-            <a:endParaRPr lang="fr-FR" dirty="0"/>
-          </a:p>
-          <a:p>
-            <a:pPr lvl="4"/>
-            <a:endParaRPr lang="fr-FR" dirty="0" smtClean="0"/>
-          </a:p>
-          <a:p>
-            <a:pPr lvl="3"/>
-            <a:endParaRPr lang="fr-FR" dirty="0"/>
-          </a:p>
-        </p:txBody>
-      </p:sp>
       <p:pic>
         <p:nvPicPr>
-          <p:cNvPr id="11" name="Image 10"/>
+          <p:cNvPr id="10" name="Espace réservé pour une image  8"/>
           <p:cNvPicPr>
             <a:picLocks noChangeAspect="1"/>
           </p:cNvPicPr>
@@ -21001,23 +17427,321 @@
               </a:ext>
             </a:extLst>
           </a:blip>
+          <a:srcRect/>
           <a:stretch>
             <a:fillRect/>
           </a:stretch>
         </p:blipFill>
         <p:spPr>
           <a:xfrm>
-            <a:off x="961311" y="5528193"/>
-            <a:ext cx="646176" cy="652272"/>
+            <a:off x="2309053" y="1449519"/>
+            <a:ext cx="8432800" cy="4410075"/>
           </a:xfrm>
           <a:prstGeom prst="rect">
             <a:avLst/>
           </a:prstGeom>
         </p:spPr>
       </p:pic>
+      <p:sp>
+        <p:nvSpPr>
+          <p:cNvPr id="12" name="Rectangle 11"/>
+          <p:cNvSpPr/>
+          <p:nvPr/>
+        </p:nvSpPr>
+        <p:spPr>
+          <a:xfrm>
+            <a:off x="6890539" y="1449519"/>
+            <a:ext cx="3851314" cy="4410074"/>
+          </a:xfrm>
+          <a:prstGeom prst="rect">
+            <a:avLst/>
+          </a:prstGeom>
+          <a:solidFill>
+            <a:schemeClr val="tx1">
+              <a:lumMod val="50000"/>
+              <a:lumOff val="50000"/>
+              <a:alpha val="85000"/>
+            </a:schemeClr>
+          </a:solidFill>
+          <a:ln>
+            <a:noFill/>
+          </a:ln>
+        </p:spPr>
+        <p:style>
+          <a:lnRef idx="2">
+            <a:schemeClr val="accent1">
+              <a:shade val="50000"/>
+            </a:schemeClr>
+          </a:lnRef>
+          <a:fillRef idx="1">
+            <a:schemeClr val="accent1"/>
+          </a:fillRef>
+          <a:effectRef idx="0">
+            <a:schemeClr val="accent1"/>
+          </a:effectRef>
+          <a:fontRef idx="minor">
+            <a:schemeClr val="lt1"/>
+          </a:fontRef>
+        </p:style>
+        <p:txBody>
+          <a:bodyPr rtlCol="0" anchor="ctr"/>
+          <a:lstStyle/>
+          <a:p>
+            <a:pPr algn="ctr"/>
+            <a:endParaRPr lang="fr-FR" dirty="0"/>
+          </a:p>
+        </p:txBody>
+      </p:sp>
+      <p:sp>
+        <p:nvSpPr>
+          <p:cNvPr id="3" name="Espace réservé du numéro de diapositive 2"/>
+          <p:cNvSpPr>
+            <a:spLocks noGrp="1"/>
+          </p:cNvSpPr>
+          <p:nvPr>
+            <p:ph type="sldNum" sz="quarter" idx="10"/>
+          </p:nvPr>
+        </p:nvSpPr>
+        <p:spPr/>
+        <p:txBody>
+          <a:bodyPr/>
+          <a:lstStyle/>
+          <a:p>
+            <a:fld id="{BF139039-C7B8-4F4D-842F-EEB9FD5C5187}" type="slidenum">
+              <a:rPr lang="fr-FR" smtClean="0"/>
+              <a:pPr/>
+              <a:t>6</a:t>
+            </a:fld>
+            <a:endParaRPr lang="fr-FR" dirty="0"/>
+          </a:p>
+        </p:txBody>
+      </p:sp>
+      <p:sp>
+        <p:nvSpPr>
+          <p:cNvPr id="4" name="Espace réservé de la date 3"/>
+          <p:cNvSpPr>
+            <a:spLocks noGrp="1"/>
+          </p:cNvSpPr>
+          <p:nvPr>
+            <p:ph type="dt" sz="half" idx="11"/>
+          </p:nvPr>
+        </p:nvSpPr>
+        <p:spPr/>
+        <p:txBody>
+          <a:bodyPr/>
+          <a:lstStyle/>
+          <a:p>
+            <a:fld id="{63B61A1F-ADB2-4C00-9768-B4A748B827D8}" type="datetime1">
+              <a:rPr lang="fr-FR" smtClean="0"/>
+              <a:t>31/08/2018</a:t>
+            </a:fld>
+            <a:endParaRPr lang="fr-FR" dirty="0"/>
+          </a:p>
+        </p:txBody>
+      </p:sp>
+      <p:sp>
+        <p:nvSpPr>
+          <p:cNvPr id="5" name="Espace réservé du pied de page 4"/>
+          <p:cNvSpPr>
+            <a:spLocks noGrp="1"/>
+          </p:cNvSpPr>
+          <p:nvPr>
+            <p:ph type="ftr" sz="quarter" idx="12"/>
+          </p:nvPr>
+        </p:nvSpPr>
+        <p:spPr/>
+        <p:txBody>
+          <a:bodyPr/>
+          <a:lstStyle/>
+          <a:p>
+            <a:r>
+              <a:rPr lang="fr-FR" dirty="0" smtClean="0"/>
+              <a:t>Démo Dashboard CAD</a:t>
+            </a:r>
+            <a:endParaRPr lang="fr-FR" dirty="0"/>
+          </a:p>
+        </p:txBody>
+      </p:sp>
+      <p:sp>
+        <p:nvSpPr>
+          <p:cNvPr id="6" name="Espace réservé du contenu 5"/>
+          <p:cNvSpPr>
+            <a:spLocks noGrp="1"/>
+          </p:cNvSpPr>
+          <p:nvPr>
+            <p:ph sz="quarter" idx="13"/>
+          </p:nvPr>
+        </p:nvSpPr>
+        <p:spPr>
+          <a:xfrm>
+            <a:off x="6222380" y="1797491"/>
+            <a:ext cx="6295367" cy="4270701"/>
+          </a:xfrm>
+        </p:spPr>
+        <p:txBody>
+          <a:bodyPr/>
+          <a:lstStyle/>
+          <a:p>
+            <a:pPr lvl="2"/>
+            <a:r>
+              <a:rPr lang="fr-FR" dirty="0" smtClean="0">
+                <a:solidFill>
+                  <a:schemeClr val="bg1"/>
+                </a:solidFill>
+              </a:rPr>
+              <a:t>Page home et </a:t>
+            </a:r>
+            <a:r>
+              <a:rPr lang="fr-FR" dirty="0">
+                <a:solidFill>
+                  <a:schemeClr val="bg1"/>
+                </a:solidFill>
+              </a:rPr>
+              <a:t>D</a:t>
+            </a:r>
+            <a:r>
+              <a:rPr lang="fr-FR" dirty="0" smtClean="0">
+                <a:solidFill>
+                  <a:schemeClr val="bg1"/>
+                </a:solidFill>
+              </a:rPr>
+              <a:t>ashboard CAD</a:t>
+            </a:r>
+          </a:p>
+          <a:p>
+            <a:pPr lvl="2"/>
+            <a:r>
+              <a:rPr lang="fr-FR" dirty="0" smtClean="0">
+                <a:solidFill>
+                  <a:schemeClr val="bg1"/>
+                </a:solidFill>
+              </a:rPr>
+              <a:t>Cron</a:t>
+            </a:r>
+            <a:endParaRPr lang="fr-FR" dirty="0">
+              <a:solidFill>
+                <a:schemeClr val="bg1"/>
+              </a:solidFill>
+            </a:endParaRPr>
+          </a:p>
+          <a:p>
+            <a:pPr lvl="2"/>
+            <a:r>
+              <a:rPr lang="fr-FR" dirty="0" smtClean="0">
+                <a:solidFill>
+                  <a:schemeClr val="bg1"/>
+                </a:solidFill>
+              </a:rPr>
+              <a:t>API</a:t>
+            </a:r>
+          </a:p>
+          <a:p>
+            <a:pPr lvl="3"/>
+            <a:r>
+              <a:rPr lang="fr-FR" dirty="0" smtClean="0">
+                <a:solidFill>
+                  <a:schemeClr val="bg1"/>
+                </a:solidFill>
+              </a:rPr>
+              <a:t>Bugzilla</a:t>
+            </a:r>
+            <a:endParaRPr lang="fr-FR" dirty="0">
+              <a:solidFill>
+                <a:schemeClr val="bg1"/>
+              </a:solidFill>
+            </a:endParaRPr>
+          </a:p>
+          <a:p>
+            <a:pPr lvl="2"/>
+            <a:r>
+              <a:rPr lang="fr-FR" dirty="0" smtClean="0">
+                <a:solidFill>
+                  <a:schemeClr val="bg1"/>
+                </a:solidFill>
+              </a:rPr>
+              <a:t>Des Composants réutilisable</a:t>
+            </a:r>
+          </a:p>
+          <a:p>
+            <a:pPr lvl="3"/>
+            <a:r>
+              <a:rPr lang="fr-FR" dirty="0" smtClean="0">
+                <a:solidFill>
+                  <a:schemeClr val="bg1"/>
+                </a:solidFill>
+              </a:rPr>
+              <a:t>Graph,</a:t>
+            </a:r>
+          </a:p>
+          <a:p>
+            <a:pPr lvl="3"/>
+            <a:r>
+              <a:rPr lang="fr-FR" dirty="0" smtClean="0">
+                <a:solidFill>
+                  <a:schemeClr val="bg1"/>
+                </a:solidFill>
+              </a:rPr>
+              <a:t>Compteur</a:t>
+            </a:r>
+          </a:p>
+          <a:p>
+            <a:pPr lvl="3"/>
+            <a:r>
+              <a:rPr lang="fr-FR" dirty="0" smtClean="0">
+                <a:solidFill>
+                  <a:schemeClr val="bg1"/>
+                </a:solidFill>
+              </a:rPr>
+              <a:t>Carrousel</a:t>
+            </a:r>
+          </a:p>
+          <a:p>
+            <a:pPr lvl="3"/>
+            <a:r>
+              <a:rPr lang="fr-FR" dirty="0" smtClean="0">
+                <a:solidFill>
+                  <a:schemeClr val="bg1"/>
+                </a:solidFill>
+              </a:rPr>
+              <a:t>withRemoteData (hoc)</a:t>
+            </a:r>
+            <a:endParaRPr lang="fr-FR" dirty="0" smtClean="0">
+              <a:solidFill>
+                <a:schemeClr val="bg1"/>
+              </a:solidFill>
+            </a:endParaRPr>
+          </a:p>
+          <a:p>
+            <a:pPr marL="1828800" lvl="4" indent="0">
+              <a:buNone/>
+            </a:pPr>
+            <a:endParaRPr lang="fr-FR" dirty="0">
+              <a:solidFill>
+                <a:schemeClr val="bg1"/>
+              </a:solidFill>
+            </a:endParaRPr>
+          </a:p>
+          <a:p>
+            <a:pPr lvl="4"/>
+            <a:endParaRPr lang="fr-FR" dirty="0" smtClean="0">
+              <a:solidFill>
+                <a:schemeClr val="bg1"/>
+              </a:solidFill>
+            </a:endParaRPr>
+          </a:p>
+          <a:p>
+            <a:pPr lvl="3"/>
+            <a:endParaRPr lang="fr-FR" dirty="0">
+              <a:solidFill>
+                <a:schemeClr val="bg1"/>
+              </a:solidFill>
+            </a:endParaRPr>
+          </a:p>
+        </p:txBody>
+      </p:sp>
       <p:pic>
         <p:nvPicPr>
-          <p:cNvPr id="17" name="Image 26"/>
+          <p:cNvPr id="11" name="Image 10"/>
           <p:cNvPicPr>
             <a:picLocks noChangeAspect="1"/>
           </p:cNvPicPr>
@@ -21037,18 +17761,76 @@
         </p:blipFill>
         <p:spPr>
           <a:xfrm>
-            <a:off x="144745" y="5220345"/>
-            <a:ext cx="646176" cy="960120"/>
+            <a:off x="961311" y="5528193"/>
+            <a:ext cx="646176" cy="652272"/>
           </a:xfrm>
           <a:prstGeom prst="rect">
             <a:avLst/>
           </a:prstGeom>
         </p:spPr>
       </p:pic>
+      <p:pic>
+        <p:nvPicPr>
+          <p:cNvPr id="17" name="Image 26"/>
+          <p:cNvPicPr>
+            <a:picLocks noChangeAspect="1"/>
+          </p:cNvPicPr>
+          <p:nvPr/>
+        </p:nvPicPr>
+        <p:blipFill>
+          <a:blip r:embed="rId4" cstate="print">
+            <a:extLst>
+              <a:ext uri="{28A0092B-C50C-407E-A947-70E740481C1C}">
+                <a14:useLocalDpi xmlns:a14="http://schemas.microsoft.com/office/drawing/2010/main"/>
+              </a:ext>
+            </a:extLst>
+          </a:blip>
+          <a:stretch>
+            <a:fillRect/>
+          </a:stretch>
+        </p:blipFill>
+        <p:spPr>
+          <a:xfrm>
+            <a:off x="144745" y="5220345"/>
+            <a:ext cx="646176" cy="960120"/>
+          </a:xfrm>
+          <a:prstGeom prst="rect">
+            <a:avLst/>
+          </a:prstGeom>
+        </p:spPr>
+      </p:pic>
+      <p:sp>
+        <p:nvSpPr>
+          <p:cNvPr id="13" name="Espace réservé du texte 1"/>
+          <p:cNvSpPr>
+            <a:spLocks noGrp="1"/>
+          </p:cNvSpPr>
+          <p:nvPr>
+            <p:ph type="body" sz="quarter" idx="15"/>
+          </p:nvPr>
+        </p:nvSpPr>
+        <p:spPr>
+          <a:xfrm>
+            <a:off x="769585" y="281705"/>
+            <a:ext cx="7128822" cy="330065"/>
+          </a:xfrm>
+        </p:spPr>
+        <p:txBody>
+          <a:bodyPr/>
+          <a:lstStyle/>
+          <a:p>
+            <a:r>
+              <a:rPr lang="fr-FR" dirty="0" smtClean="0"/>
+              <a:t>Mon travail</a:t>
+            </a:r>
+            <a:endParaRPr lang="fr-FR" dirty="0"/>
+          </a:p>
+        </p:txBody>
+      </p:sp>
     </p:spTree>
     <p:extLst>
       <p:ext uri="{BB962C8B-B14F-4D97-AF65-F5344CB8AC3E}">
-        <p14:creationId xmlns:p14="http://schemas.microsoft.com/office/powerpoint/2010/main" val="2921017233"/>
+        <p14:creationId xmlns:p14="http://schemas.microsoft.com/office/powerpoint/2010/main" val="1304913481"/>
       </p:ext>
     </p:extLst>
   </p:cSld>
@@ -21084,12 +17866,12 @@
       </p:grpSpPr>
       <p:sp>
         <p:nvSpPr>
-          <p:cNvPr id="2" name="Espace réservé du texte 1"/>
-          <p:cNvSpPr>
-            <a:spLocks noGrp="1"/>
-          </p:cNvSpPr>
-          <p:nvPr>
-            <p:ph type="body" sz="quarter" idx="15"/>
+          <p:cNvPr id="2" name="Espace réservé du numéro de diapositive 1"/>
+          <p:cNvSpPr>
+            <a:spLocks noGrp="1"/>
+          </p:cNvSpPr>
+          <p:nvPr>
+            <p:ph type="sldNum" sz="quarter" idx="10"/>
           </p:nvPr>
         </p:nvSpPr>
         <p:spPr/>
@@ -21097,64 +17879,18 @@
           <a:bodyPr/>
           <a:lstStyle/>
           <a:p>
-            <a:r>
-              <a:rPr lang="fr-FR" dirty="0" smtClean="0"/>
-              <a:t>Page Home</a:t>
-            </a:r>
-            <a:endParaRPr lang="fr-FR" dirty="0"/>
-          </a:p>
-        </p:txBody>
-      </p:sp>
-      <p:sp>
-        <p:nvSpPr>
-          <p:cNvPr id="3" name="Titre 2"/>
-          <p:cNvSpPr>
-            <a:spLocks noGrp="1"/>
-          </p:cNvSpPr>
-          <p:nvPr>
-            <p:ph type="title"/>
-          </p:nvPr>
-        </p:nvSpPr>
-        <p:spPr/>
-        <p:txBody>
-          <a:bodyPr/>
-          <a:lstStyle/>
-          <a:p>
-            <a:r>
-              <a:rPr lang="fr-FR" dirty="0" smtClean="0"/>
-              <a:t>Créer une page commune répertoriant les pages de toutes les équipes</a:t>
-            </a:r>
-            <a:endParaRPr lang="fr-FR" dirty="0"/>
-          </a:p>
-        </p:txBody>
-      </p:sp>
-      <p:sp>
-        <p:nvSpPr>
-          <p:cNvPr id="4" name="Espace réservé du numéro de diapositive 3"/>
-          <p:cNvSpPr>
-            <a:spLocks noGrp="1"/>
-          </p:cNvSpPr>
-          <p:nvPr>
-            <p:ph type="sldNum" sz="quarter" idx="10"/>
-          </p:nvPr>
-        </p:nvSpPr>
-        <p:spPr/>
-        <p:txBody>
-          <a:bodyPr/>
-          <a:lstStyle/>
-          <a:p>
             <a:fld id="{BF139039-C7B8-4F4D-842F-EEB9FD5C5187}" type="slidenum">
-              <a:rPr lang="fr-FR" noProof="0" smtClean="0"/>
+              <a:rPr lang="fr-FR" smtClean="0"/>
               <a:pPr/>
               <a:t>7</a:t>
             </a:fld>
-            <a:endParaRPr lang="fr-FR" noProof="0" dirty="0"/>
-          </a:p>
-        </p:txBody>
-      </p:sp>
-      <p:sp>
-        <p:nvSpPr>
-          <p:cNvPr id="5" name="Espace réservé de la date 4"/>
+            <a:endParaRPr lang="fr-FR" dirty="0"/>
+          </a:p>
+        </p:txBody>
+      </p:sp>
+      <p:sp>
+        <p:nvSpPr>
+          <p:cNvPr id="3" name="Espace réservé de la date 2"/>
           <p:cNvSpPr>
             <a:spLocks noGrp="1"/>
           </p:cNvSpPr>
@@ -21167,17 +17903,17 @@
           <a:bodyPr/>
           <a:lstStyle/>
           <a:p>
-            <a:fld id="{94ED4875-F2C6-421C-8B01-6F7B3DCD970C}" type="datetime1">
-              <a:rPr lang="fr-FR" noProof="0" smtClean="0"/>
-              <a:t>30/08/2018</a:t>
+            <a:fld id="{1905B660-28A2-4478-9A90-1B1A009E0281}" type="datetime1">
+              <a:rPr lang="fr-FR" smtClean="0"/>
+              <a:t>31/08/2018</a:t>
             </a:fld>
-            <a:endParaRPr lang="fr-FR" noProof="0" dirty="0"/>
-          </a:p>
-        </p:txBody>
-      </p:sp>
-      <p:sp>
-        <p:nvSpPr>
-          <p:cNvPr id="6" name="Espace réservé du pied de page 5"/>
+            <a:endParaRPr lang="fr-FR" dirty="0"/>
+          </a:p>
+        </p:txBody>
+      </p:sp>
+      <p:sp>
+        <p:nvSpPr>
+          <p:cNvPr id="4" name="Espace réservé du pied de page 3"/>
           <p:cNvSpPr>
             <a:spLocks noGrp="1"/>
           </p:cNvSpPr>
@@ -21194,18 +17930,58 @@
               <a:rPr lang="fr-FR" dirty="0"/>
               <a:t>Démo Dashboard CAD</a:t>
             </a:r>
-            <a:endParaRPr lang="fr-FR" dirty="0"/>
-          </a:p>
-        </p:txBody>
-      </p:sp>
-      <p:sp>
-        <p:nvSpPr>
-          <p:cNvPr id="7" name="Espace réservé du contenu 6"/>
-          <p:cNvSpPr>
-            <a:spLocks noGrp="1"/>
-          </p:cNvSpPr>
-          <p:nvPr>
-            <p:ph sz="quarter" idx="13"/>
+          </a:p>
+        </p:txBody>
+      </p:sp>
+      <p:pic>
+        <p:nvPicPr>
+          <p:cNvPr id="1026" name="Picture 2" descr="RÃ©sultat de recherche d'images pour &quot;demo&quot;"/>
+          <p:cNvPicPr>
+            <a:picLocks noChangeAspect="1" noChangeArrowheads="1"/>
+          </p:cNvPicPr>
+          <p:nvPr/>
+        </p:nvPicPr>
+        <p:blipFill>
+          <a:blip r:embed="rId2">
+            <a:extLst>
+              <a:ext uri="{28A0092B-C50C-407E-A947-70E740481C1C}">
+                <a14:useLocalDpi xmlns:a14="http://schemas.microsoft.com/office/drawing/2010/main" val="0"/>
+              </a:ext>
+            </a:extLst>
+          </a:blip>
+          <a:srcRect/>
+          <a:stretch>
+            <a:fillRect/>
+          </a:stretch>
+        </p:blipFill>
+        <p:spPr bwMode="auto">
+          <a:xfrm>
+            <a:off x="5006355" y="2676570"/>
+            <a:ext cx="1905000" cy="1524001"/>
+          </a:xfrm>
+          <a:prstGeom prst="rect">
+            <a:avLst/>
+          </a:prstGeom>
+          <a:noFill/>
+          <a:extLst>
+            <a:ext uri="{909E8E84-426E-40DD-AFC4-6F175D3DCCD1}">
+              <a14:hiddenFill xmlns:a14="http://schemas.microsoft.com/office/drawing/2010/main">
+                <a:solidFill>
+                  <a:srgbClr val="FFFFFF"/>
+                </a:solidFill>
+              </a14:hiddenFill>
+            </a:ext>
+          </a:extLst>
+        </p:spPr>
+      </p:pic>
+      <p:sp>
+        <p:nvSpPr>
+          <p:cNvPr id="6" name="Espace réservé du texte 5"/>
+          <p:cNvSpPr>
+            <a:spLocks noGrp="1"/>
+          </p:cNvSpPr>
+          <p:nvPr>
+            <p:ph type="body" sz="quarter" idx="15"/>
           </p:nvPr>
         </p:nvSpPr>
         <p:spPr/>
@@ -21213,15 +17989,9 @@
           <a:bodyPr/>
           <a:lstStyle/>
           <a:p>
-            <a:endParaRPr lang="fr-FR" dirty="0" smtClean="0"/>
-          </a:p>
-          <a:p>
-            <a:endParaRPr lang="fr-FR" dirty="0" smtClean="0"/>
-          </a:p>
-          <a:p>
-            <a:r>
-              <a:rPr lang="fr-FR" dirty="0" smtClean="0"/>
-              <a:t>Page index</a:t>
+            <a:r>
+              <a:rPr lang="fr-FR" dirty="0" err="1" smtClean="0"/>
+              <a:t>Demo</a:t>
             </a:r>
             <a:endParaRPr lang="fr-FR" dirty="0"/>
           </a:p>
@@ -21230,13 +18000,20 @@
     </p:spTree>
     <p:extLst>
       <p:ext uri="{BB962C8B-B14F-4D97-AF65-F5344CB8AC3E}">
-        <p14:creationId xmlns:p14="http://schemas.microsoft.com/office/powerpoint/2010/main" val="1842209238"/>
+        <p14:creationId xmlns:p14="http://schemas.microsoft.com/office/powerpoint/2010/main" val="909921665"/>
       </p:ext>
     </p:extLst>
   </p:cSld>
   <p:clrMapOvr>
     <a:masterClrMapping/>
   </p:clrMapOvr>
+  <p:timing>
+    <p:tnLst>
+      <p:par>
+        <p:cTn id="1" dur="indefinite" restart="never" nodeType="tmRoot"/>
+      </p:par>
+    </p:tnLst>
+  </p:timing>
 </p:sld>
 </file>
 
@@ -21259,12 +18036,12 @@
       </p:grpSpPr>
       <p:sp>
         <p:nvSpPr>
-          <p:cNvPr id="2" name="Espace réservé du texte 1"/>
-          <p:cNvSpPr>
-            <a:spLocks noGrp="1"/>
-          </p:cNvSpPr>
-          <p:nvPr>
-            <p:ph type="body" sz="quarter" idx="15"/>
+          <p:cNvPr id="10" name="Espace réservé du numéro de diapositive 1"/>
+          <p:cNvSpPr>
+            <a:spLocks noGrp="1"/>
+          </p:cNvSpPr>
+          <p:nvPr>
+            <p:ph type="sldNum" sz="quarter" idx="10"/>
           </p:nvPr>
         </p:nvSpPr>
         <p:spPr/>
@@ -21272,64 +18049,18 @@
           <a:bodyPr/>
           <a:lstStyle/>
           <a:p>
-            <a:r>
-              <a:rPr lang="fr-FR" dirty="0" smtClean="0"/>
-              <a:t>API</a:t>
-            </a:r>
-            <a:endParaRPr lang="fr-FR" dirty="0"/>
-          </a:p>
-        </p:txBody>
-      </p:sp>
-      <p:sp>
-        <p:nvSpPr>
-          <p:cNvPr id="3" name="Titre 2"/>
-          <p:cNvSpPr>
-            <a:spLocks noGrp="1"/>
-          </p:cNvSpPr>
-          <p:nvPr>
-            <p:ph type="title"/>
-          </p:nvPr>
-        </p:nvSpPr>
-        <p:spPr/>
-        <p:txBody>
-          <a:bodyPr/>
-          <a:lstStyle/>
-          <a:p>
-            <a:r>
-              <a:rPr lang="fr-FR" dirty="0" smtClean="0"/>
-              <a:t>Gérer les APIs</a:t>
-            </a:r>
-            <a:endParaRPr lang="fr-FR" dirty="0"/>
-          </a:p>
-        </p:txBody>
-      </p:sp>
-      <p:sp>
-        <p:nvSpPr>
-          <p:cNvPr id="4" name="Espace réservé du numéro de diapositive 3"/>
-          <p:cNvSpPr>
-            <a:spLocks noGrp="1"/>
-          </p:cNvSpPr>
-          <p:nvPr>
-            <p:ph type="sldNum" sz="quarter" idx="10"/>
-          </p:nvPr>
-        </p:nvSpPr>
-        <p:spPr/>
-        <p:txBody>
-          <a:bodyPr/>
-          <a:lstStyle/>
-          <a:p>
             <a:fld id="{BF139039-C7B8-4F4D-842F-EEB9FD5C5187}" type="slidenum">
-              <a:rPr lang="fr-FR" noProof="0" smtClean="0"/>
+              <a:rPr lang="fr-FR" smtClean="0"/>
               <a:pPr/>
               <a:t>8</a:t>
             </a:fld>
-            <a:endParaRPr lang="fr-FR" noProof="0" dirty="0"/>
-          </a:p>
-        </p:txBody>
-      </p:sp>
-      <p:sp>
-        <p:nvSpPr>
-          <p:cNvPr id="5" name="Espace réservé de la date 4"/>
+            <a:endParaRPr lang="fr-FR" dirty="0"/>
+          </a:p>
+        </p:txBody>
+      </p:sp>
+      <p:sp>
+        <p:nvSpPr>
+          <p:cNvPr id="11" name="Espace réservé de la date 2"/>
           <p:cNvSpPr>
             <a:spLocks noGrp="1"/>
           </p:cNvSpPr>
@@ -21342,17 +18073,17 @@
           <a:bodyPr/>
           <a:lstStyle/>
           <a:p>
-            <a:fld id="{94ED4875-F2C6-421C-8B01-6F7B3DCD970C}" type="datetime1">
-              <a:rPr lang="fr-FR" noProof="0" smtClean="0"/>
-              <a:t>30/08/2018</a:t>
+            <a:fld id="{ACA7FC07-7638-4B7A-9D25-4FA0111C493B}" type="datetime1">
+              <a:rPr lang="fr-FR" smtClean="0"/>
+              <a:t>31/08/2018</a:t>
             </a:fld>
-            <a:endParaRPr lang="fr-FR" noProof="0" dirty="0"/>
-          </a:p>
-        </p:txBody>
-      </p:sp>
-      <p:sp>
-        <p:nvSpPr>
-          <p:cNvPr id="6" name="Espace réservé du pied de page 5"/>
+            <a:endParaRPr lang="fr-FR" dirty="0"/>
+          </a:p>
+        </p:txBody>
+      </p:sp>
+      <p:sp>
+        <p:nvSpPr>
+          <p:cNvPr id="18" name="Espace réservé du pied de page 3"/>
           <p:cNvSpPr>
             <a:spLocks noGrp="1"/>
           </p:cNvSpPr>
@@ -21369,18 +18100,17 @@
               <a:rPr lang="fr-FR" dirty="0"/>
               <a:t>Démo Dashboard CAD</a:t>
             </a:r>
-            <a:endParaRPr lang="fr-FR" dirty="0"/>
-          </a:p>
-        </p:txBody>
-      </p:sp>
-      <p:sp>
-        <p:nvSpPr>
-          <p:cNvPr id="7" name="Espace réservé du contenu 6"/>
-          <p:cNvSpPr>
-            <a:spLocks noGrp="1"/>
-          </p:cNvSpPr>
-          <p:nvPr>
-            <p:ph sz="quarter" idx="13"/>
+          </a:p>
+        </p:txBody>
+      </p:sp>
+      <p:sp>
+        <p:nvSpPr>
+          <p:cNvPr id="13" name="Titre 4"/>
+          <p:cNvSpPr>
+            <a:spLocks noGrp="1"/>
+          </p:cNvSpPr>
+          <p:nvPr>
+            <p:ph type="title"/>
           </p:nvPr>
         </p:nvSpPr>
         <p:spPr/>
@@ -21388,30 +18118,114 @@
           <a:bodyPr/>
           <a:lstStyle/>
           <a:p>
-            <a:endParaRPr lang="fr-FR" dirty="0" smtClean="0"/>
-          </a:p>
-          <a:p>
+            <a:r>
+              <a:rPr lang="fr-FR" dirty="0" smtClean="0"/>
+              <a:t>L’utilisateur a le pouvoir de paramétrer le Dashboard</a:t>
+            </a:r>
             <a:endParaRPr lang="fr-FR" dirty="0"/>
           </a:p>
+        </p:txBody>
+      </p:sp>
+      <p:sp>
+        <p:nvSpPr>
+          <p:cNvPr id="16" name="Espace réservé du texte 7"/>
+          <p:cNvSpPr>
+            <a:spLocks noGrp="1"/>
+          </p:cNvSpPr>
+          <p:nvPr>
+            <p:ph type="body" sz="quarter" idx="16"/>
+          </p:nvPr>
+        </p:nvSpPr>
+        <p:spPr/>
+        <p:txBody>
+          <a:bodyPr/>
+          <a:lstStyle/>
           <a:p>
             <a:r>
               <a:rPr lang="fr-FR" dirty="0" smtClean="0"/>
-              <a:t>Schémas server</a:t>
+              <a:t>  .env</a:t>
             </a:r>
             <a:endParaRPr lang="fr-FR" dirty="0"/>
           </a:p>
         </p:txBody>
       </p:sp>
+      <p:pic>
+        <p:nvPicPr>
+          <p:cNvPr id="19" name="Espace réservé pour une image  2"/>
+          <p:cNvPicPr>
+            <a:picLocks noChangeAspect="1"/>
+          </p:cNvPicPr>
+          <p:nvPr/>
+        </p:nvPicPr>
+        <p:blipFill>
+          <a:blip r:embed="rId3">
+            <a:extLst>
+              <a:ext uri="{28A0092B-C50C-407E-A947-70E740481C1C}">
+                <a14:useLocalDpi xmlns:a14="http://schemas.microsoft.com/office/drawing/2010/main"/>
+              </a:ext>
+            </a:extLst>
+          </a:blip>
+          <a:stretch>
+            <a:fillRect/>
+          </a:stretch>
+        </p:blipFill>
+        <p:spPr>
+          <a:xfrm>
+            <a:off x="1813135" y="1909763"/>
+            <a:ext cx="8423173" cy="3556000"/>
+          </a:xfrm>
+          <a:prstGeom prst="rect">
+            <a:avLst/>
+          </a:prstGeom>
+        </p:spPr>
+      </p:pic>
+      <p:pic>
+        <p:nvPicPr>
+          <p:cNvPr id="20" name="Image 21"/>
+          <p:cNvPicPr>
+            <a:picLocks noChangeAspect="1"/>
+          </p:cNvPicPr>
+          <p:nvPr/>
+        </p:nvPicPr>
+        <p:blipFill>
+          <a:blip r:embed="rId4" cstate="print">
+            <a:extLst>
+              <a:ext uri="{28A0092B-C50C-407E-A947-70E740481C1C}">
+                <a14:useLocalDpi xmlns:a14="http://schemas.microsoft.com/office/drawing/2010/main"/>
+              </a:ext>
+            </a:extLst>
+          </a:blip>
+          <a:stretch>
+            <a:fillRect/>
+          </a:stretch>
+        </p:blipFill>
+        <p:spPr>
+          <a:xfrm>
+            <a:off x="210532" y="5541296"/>
+            <a:ext cx="960120" cy="646176"/>
+          </a:xfrm>
+          <a:prstGeom prst="rect">
+            <a:avLst/>
+          </a:prstGeom>
+        </p:spPr>
+      </p:pic>
     </p:spTree>
     <p:extLst>
       <p:ext uri="{BB962C8B-B14F-4D97-AF65-F5344CB8AC3E}">
-        <p14:creationId xmlns:p14="http://schemas.microsoft.com/office/powerpoint/2010/main" val="475939017"/>
+        <p14:creationId xmlns:p14="http://schemas.microsoft.com/office/powerpoint/2010/main" val="2133718726"/>
       </p:ext>
     </p:extLst>
   </p:cSld>
   <p:clrMapOvr>
     <a:masterClrMapping/>
   </p:clrMapOvr>
+  <p:timing>
+    <p:tnLst>
+      <p:par>
+        <p:cTn id="1" dur="indefinite" restart="never" nodeType="tmRoot"/>
+      </p:par>
+    </p:tnLst>
+  </p:timing>
 </p:sld>
 </file>
 
@@ -21432,706 +18246,10 @@
           <a:chExt cx="0" cy="0"/>
         </a:xfrm>
       </p:grpSpPr>
-      <p:pic>
-        <p:nvPicPr>
-          <p:cNvPr id="18" name="Espace réservé pour une image  8"/>
-          <p:cNvPicPr>
-            <a:picLocks noChangeAspect="1"/>
-          </p:cNvPicPr>
-          <p:nvPr/>
-        </p:nvPicPr>
-        <p:blipFill>
-          <a:blip r:embed="rId2" cstate="print">
-            <a:extLst>
-              <a:ext uri="{28A0092B-C50C-407E-A947-70E740481C1C}">
-                <a14:useLocalDpi xmlns:a14="http://schemas.microsoft.com/office/drawing/2010/main"/>
-              </a:ext>
-            </a:extLst>
-          </a:blip>
-          <a:srcRect/>
-          <a:stretch>
-            <a:fillRect/>
-          </a:stretch>
-        </p:blipFill>
-        <p:spPr>
-          <a:xfrm>
-            <a:off x="1808163" y="1177925"/>
-            <a:ext cx="8432800" cy="4410075"/>
-          </a:xfrm>
-          <a:prstGeom prst="rect">
-            <a:avLst/>
-          </a:prstGeom>
-        </p:spPr>
-      </p:pic>
-      <p:sp>
-        <p:nvSpPr>
-          <p:cNvPr id="2" name="Espace réservé du numéro de diapositive 1"/>
-          <p:cNvSpPr>
-            <a:spLocks noGrp="1"/>
-          </p:cNvSpPr>
-          <p:nvPr>
-            <p:ph type="sldNum" sz="quarter" idx="10"/>
-          </p:nvPr>
-        </p:nvSpPr>
-        <p:spPr/>
-        <p:txBody>
-          <a:bodyPr/>
-          <a:lstStyle/>
-          <a:p>
-            <a:fld id="{BF139039-C7B8-4F4D-842F-EEB9FD5C5187}" type="slidenum">
-              <a:rPr lang="fr-FR" smtClean="0"/>
-              <a:pPr/>
-              <a:t>9</a:t>
-            </a:fld>
-            <a:endParaRPr lang="fr-FR" dirty="0"/>
-          </a:p>
-        </p:txBody>
-      </p:sp>
-      <p:sp>
-        <p:nvSpPr>
-          <p:cNvPr id="3" name="Espace réservé de la date 2"/>
-          <p:cNvSpPr>
-            <a:spLocks noGrp="1"/>
-          </p:cNvSpPr>
-          <p:nvPr>
-            <p:ph type="dt" sz="half" idx="11"/>
-          </p:nvPr>
-        </p:nvSpPr>
-        <p:spPr/>
-        <p:txBody>
-          <a:bodyPr/>
-          <a:lstStyle/>
-          <a:p>
-            <a:fld id="{1905B660-28A2-4478-9A90-1B1A009E0281}" type="datetime1">
-              <a:rPr lang="fr-FR" smtClean="0"/>
-              <a:t>30/08/2018</a:t>
-            </a:fld>
-            <a:endParaRPr lang="fr-FR" dirty="0"/>
-          </a:p>
-        </p:txBody>
-      </p:sp>
-      <p:sp>
-        <p:nvSpPr>
-          <p:cNvPr id="4" name="Espace réservé du pied de page 3"/>
-          <p:cNvSpPr>
-            <a:spLocks noGrp="1"/>
-          </p:cNvSpPr>
-          <p:nvPr>
-            <p:ph type="ftr" sz="quarter" idx="12"/>
-          </p:nvPr>
-        </p:nvSpPr>
-        <p:spPr/>
-        <p:txBody>
-          <a:bodyPr/>
-          <a:lstStyle/>
-          <a:p>
-            <a:r>
-              <a:rPr lang="fr-FR" dirty="0"/>
-              <a:t>Démo Dashboard CAD</a:t>
-            </a:r>
-            <a:endParaRPr lang="fr-FR" dirty="0"/>
-          </a:p>
-        </p:txBody>
-      </p:sp>
-      <p:sp>
-        <p:nvSpPr>
-          <p:cNvPr id="5" name="Espace réservé du texte 4"/>
-          <p:cNvSpPr>
-            <a:spLocks noGrp="1"/>
-          </p:cNvSpPr>
-          <p:nvPr>
-            <p:ph type="body" sz="quarter" idx="15"/>
-          </p:nvPr>
-        </p:nvSpPr>
-        <p:spPr/>
-        <p:txBody>
-          <a:bodyPr/>
-          <a:lstStyle/>
-          <a:p>
-            <a:r>
-              <a:rPr lang="fr-FR" dirty="0" smtClean="0"/>
-              <a:t>Réutilisables</a:t>
-            </a:r>
-            <a:endParaRPr lang="fr-FR" dirty="0" smtClean="0"/>
-          </a:p>
-          <a:p>
-            <a:endParaRPr lang="fr-FR" dirty="0"/>
-          </a:p>
-        </p:txBody>
-      </p:sp>
-      <p:sp>
-        <p:nvSpPr>
-          <p:cNvPr id="7" name="Rectangle 6"/>
-          <p:cNvSpPr/>
-          <p:nvPr/>
-        </p:nvSpPr>
-        <p:spPr>
-          <a:xfrm>
-            <a:off x="6431280" y="1280160"/>
-            <a:ext cx="3667760" cy="4175760"/>
-          </a:xfrm>
-          <a:prstGeom prst="rect">
-            <a:avLst/>
-          </a:prstGeom>
-          <a:solidFill>
-            <a:schemeClr val="tx1">
-              <a:lumMod val="50000"/>
-              <a:lumOff val="50000"/>
-              <a:alpha val="85000"/>
-            </a:schemeClr>
-          </a:solidFill>
-          <a:ln>
-            <a:noFill/>
-          </a:ln>
-        </p:spPr>
-        <p:style>
-          <a:lnRef idx="2">
-            <a:schemeClr val="accent1">
-              <a:shade val="50000"/>
-            </a:schemeClr>
-          </a:lnRef>
-          <a:fillRef idx="1">
-            <a:schemeClr val="accent1"/>
-          </a:fillRef>
-          <a:effectRef idx="0">
-            <a:schemeClr val="accent1"/>
-          </a:effectRef>
-          <a:fontRef idx="minor">
-            <a:schemeClr val="lt1"/>
-          </a:fontRef>
-        </p:style>
-        <p:txBody>
-          <a:bodyPr rtlCol="0" anchor="ctr"/>
-          <a:lstStyle/>
-          <a:p>
-            <a:pPr algn="ctr"/>
-            <a:endParaRPr lang="fr-FR" dirty="0"/>
-          </a:p>
-        </p:txBody>
-      </p:sp>
-      <p:sp>
-        <p:nvSpPr>
-          <p:cNvPr id="8" name="Rectangle 7"/>
-          <p:cNvSpPr/>
-          <p:nvPr/>
-        </p:nvSpPr>
-        <p:spPr>
-          <a:xfrm>
-            <a:off x="7109254" y="1684865"/>
-            <a:ext cx="304800" cy="115330"/>
-          </a:xfrm>
-          <a:prstGeom prst="rect">
-            <a:avLst/>
-          </a:prstGeom>
-          <a:solidFill>
-            <a:srgbClr val="C00000"/>
-          </a:solidFill>
-          <a:ln>
-            <a:noFill/>
-          </a:ln>
-        </p:spPr>
-        <p:style>
-          <a:lnRef idx="2">
-            <a:schemeClr val="accent1">
-              <a:shade val="50000"/>
-            </a:schemeClr>
-          </a:lnRef>
-          <a:fillRef idx="1">
-            <a:schemeClr val="accent1"/>
-          </a:fillRef>
-          <a:effectRef idx="0">
-            <a:schemeClr val="accent1"/>
-          </a:effectRef>
-          <a:fontRef idx="minor">
-            <a:schemeClr val="lt1"/>
-          </a:fontRef>
-        </p:style>
-        <p:txBody>
-          <a:bodyPr rtlCol="0" anchor="ctr"/>
-          <a:lstStyle/>
-          <a:p>
-            <a:pPr algn="ctr"/>
-            <a:endParaRPr lang="fr-FR" dirty="0">
-              <a:solidFill>
-                <a:srgbClr val="C00000"/>
-              </a:solidFill>
-            </a:endParaRPr>
-          </a:p>
-        </p:txBody>
-      </p:sp>
-      <p:sp>
-        <p:nvSpPr>
-          <p:cNvPr id="9" name="ZoneTexte 8"/>
-          <p:cNvSpPr txBox="1"/>
-          <p:nvPr/>
-        </p:nvSpPr>
-        <p:spPr>
-          <a:xfrm>
-            <a:off x="7172960" y="1629474"/>
-            <a:ext cx="2926080" cy="369332"/>
-          </a:xfrm>
-          <a:prstGeom prst="rect">
-            <a:avLst/>
-          </a:prstGeom>
-          <a:noFill/>
-        </p:spPr>
-        <p:txBody>
-          <a:bodyPr wrap="square" rtlCol="0">
-            <a:spAutoFit/>
-          </a:bodyPr>
-          <a:lstStyle/>
-          <a:p>
-            <a:pPr lvl="0"/>
-            <a:r>
-              <a:rPr lang="fr-FR" b="1" dirty="0">
-                <a:latin typeface="Arial" charset="0"/>
-                <a:ea typeface="Arial" charset="0"/>
-                <a:cs typeface="Arial" charset="0"/>
-              </a:rPr>
-              <a:t>Server /API</a:t>
-            </a:r>
-            <a:endParaRPr lang="fr-FR" b="1" dirty="0" smtClean="0">
-              <a:latin typeface="Arial" charset="0"/>
-              <a:ea typeface="Arial" charset="0"/>
-              <a:cs typeface="Arial" charset="0"/>
-            </a:endParaRPr>
-          </a:p>
-        </p:txBody>
-      </p:sp>
-      <p:sp>
-        <p:nvSpPr>
-          <p:cNvPr id="10" name="Rectangle 9"/>
-          <p:cNvSpPr/>
-          <p:nvPr/>
-        </p:nvSpPr>
-        <p:spPr>
-          <a:xfrm>
-            <a:off x="7109254" y="2507399"/>
-            <a:ext cx="304800" cy="115330"/>
-          </a:xfrm>
-          <a:prstGeom prst="rect">
-            <a:avLst/>
-          </a:prstGeom>
-          <a:solidFill>
-            <a:srgbClr val="C00000"/>
-          </a:solidFill>
-          <a:ln>
-            <a:noFill/>
-          </a:ln>
-        </p:spPr>
-        <p:style>
-          <a:lnRef idx="2">
-            <a:schemeClr val="accent1">
-              <a:shade val="50000"/>
-            </a:schemeClr>
-          </a:lnRef>
-          <a:fillRef idx="1">
-            <a:schemeClr val="accent1"/>
-          </a:fillRef>
-          <a:effectRef idx="0">
-            <a:schemeClr val="accent1"/>
-          </a:effectRef>
-          <a:fontRef idx="minor">
-            <a:schemeClr val="lt1"/>
-          </a:fontRef>
-        </p:style>
-        <p:txBody>
-          <a:bodyPr rtlCol="0" anchor="ctr"/>
-          <a:lstStyle/>
-          <a:p>
-            <a:pPr algn="ctr"/>
-            <a:endParaRPr lang="fr-FR" dirty="0">
-              <a:solidFill>
-                <a:srgbClr val="C00000"/>
-              </a:solidFill>
-            </a:endParaRPr>
-          </a:p>
-        </p:txBody>
-      </p:sp>
-      <p:sp>
-        <p:nvSpPr>
-          <p:cNvPr id="11" name="Rectangle 10"/>
-          <p:cNvSpPr/>
-          <p:nvPr/>
-        </p:nvSpPr>
-        <p:spPr>
-          <a:xfrm>
-            <a:off x="7109254" y="3247301"/>
-            <a:ext cx="304800" cy="115330"/>
-          </a:xfrm>
-          <a:prstGeom prst="rect">
-            <a:avLst/>
-          </a:prstGeom>
-          <a:solidFill>
-            <a:srgbClr val="C00000"/>
-          </a:solidFill>
-          <a:ln>
-            <a:noFill/>
-          </a:ln>
-        </p:spPr>
-        <p:style>
-          <a:lnRef idx="2">
-            <a:schemeClr val="accent1">
-              <a:shade val="50000"/>
-            </a:schemeClr>
-          </a:lnRef>
-          <a:fillRef idx="1">
-            <a:schemeClr val="accent1"/>
-          </a:fillRef>
-          <a:effectRef idx="0">
-            <a:schemeClr val="accent1"/>
-          </a:effectRef>
-          <a:fontRef idx="minor">
-            <a:schemeClr val="lt1"/>
-          </a:fontRef>
-        </p:style>
-        <p:txBody>
-          <a:bodyPr rtlCol="0" anchor="ctr"/>
-          <a:lstStyle/>
-          <a:p>
-            <a:pPr algn="ctr"/>
-            <a:endParaRPr lang="fr-FR" dirty="0">
-              <a:solidFill>
-                <a:srgbClr val="C00000"/>
-              </a:solidFill>
-            </a:endParaRPr>
-          </a:p>
-        </p:txBody>
-      </p:sp>
-      <p:sp>
-        <p:nvSpPr>
-          <p:cNvPr id="14" name="ZoneTexte 13"/>
-          <p:cNvSpPr txBox="1"/>
-          <p:nvPr/>
-        </p:nvSpPr>
-        <p:spPr>
-          <a:xfrm>
-            <a:off x="7194336" y="2432913"/>
-            <a:ext cx="2926080" cy="646331"/>
-          </a:xfrm>
-          <a:prstGeom prst="rect">
-            <a:avLst/>
-          </a:prstGeom>
-          <a:noFill/>
-        </p:spPr>
-        <p:txBody>
-          <a:bodyPr wrap="square" rtlCol="0">
-            <a:spAutoFit/>
-          </a:bodyPr>
-          <a:lstStyle/>
-          <a:p>
-            <a:pPr>
-              <a:defRPr/>
-            </a:pPr>
-            <a:r>
-              <a:rPr lang="fr-FR" dirty="0" smtClean="0">
-                <a:solidFill>
-                  <a:schemeClr val="bg1"/>
-                </a:solidFill>
-                <a:latin typeface="Arial" charset="0"/>
-                <a:ea typeface="Arial" charset="0"/>
-                <a:cs typeface="Arial" charset="0"/>
-              </a:rPr>
-              <a:t>withRemoteData</a:t>
-            </a:r>
-            <a:endParaRPr lang="fr-FR" dirty="0">
-              <a:solidFill>
-                <a:schemeClr val="bg1"/>
-              </a:solidFill>
-              <a:latin typeface="Arial" charset="0"/>
-              <a:ea typeface="Arial" charset="0"/>
-              <a:cs typeface="Arial" charset="0"/>
-            </a:endParaRPr>
-          </a:p>
-          <a:p>
-            <a:pPr lvl="0">
-              <a:defRPr/>
-            </a:pPr>
-            <a:endParaRPr lang="fr-FR" dirty="0" smtClean="0">
-              <a:solidFill>
-                <a:prstClr val="white"/>
-              </a:solidFill>
-              <a:latin typeface="Arial" charset="0"/>
-              <a:ea typeface="Arial" charset="0"/>
-              <a:cs typeface="Arial" charset="0"/>
-            </a:endParaRPr>
-          </a:p>
-        </p:txBody>
-      </p:sp>
-      <p:sp>
-        <p:nvSpPr>
-          <p:cNvPr id="17" name="ZoneTexte 16"/>
-          <p:cNvSpPr txBox="1"/>
-          <p:nvPr/>
-        </p:nvSpPr>
-        <p:spPr>
-          <a:xfrm>
-            <a:off x="7194336" y="3205283"/>
-            <a:ext cx="2926080" cy="369332"/>
-          </a:xfrm>
-          <a:prstGeom prst="rect">
-            <a:avLst/>
-          </a:prstGeom>
-          <a:noFill/>
-        </p:spPr>
-        <p:txBody>
-          <a:bodyPr wrap="square" rtlCol="0">
-            <a:spAutoFit/>
-          </a:bodyPr>
-          <a:lstStyle/>
-          <a:p>
-            <a:pPr lvl="0">
-              <a:defRPr/>
-            </a:pPr>
-            <a:r>
-              <a:rPr lang="fr-FR" dirty="0" smtClean="0">
-                <a:solidFill>
-                  <a:prstClr val="white"/>
-                </a:solidFill>
-                <a:latin typeface="Arial" charset="0"/>
-                <a:ea typeface="Arial" charset="0"/>
-                <a:cs typeface="Arial" charset="0"/>
-              </a:rPr>
-              <a:t>Cron</a:t>
-            </a:r>
-            <a:endParaRPr lang="fr-FR" dirty="0">
-              <a:solidFill>
-                <a:prstClr val="white"/>
-              </a:solidFill>
-              <a:latin typeface="Arial" charset="0"/>
-              <a:ea typeface="Arial" charset="0"/>
-              <a:cs typeface="Arial" charset="0"/>
-            </a:endParaRPr>
-          </a:p>
-        </p:txBody>
-      </p:sp>
-      <p:sp>
-        <p:nvSpPr>
-          <p:cNvPr id="20" name="Rectangle 19"/>
-          <p:cNvSpPr/>
-          <p:nvPr/>
-        </p:nvSpPr>
-        <p:spPr>
-          <a:xfrm>
-            <a:off x="7100018" y="4489362"/>
-            <a:ext cx="304800" cy="115330"/>
-          </a:xfrm>
-          <a:prstGeom prst="rect">
-            <a:avLst/>
-          </a:prstGeom>
-          <a:solidFill>
-            <a:srgbClr val="C00000"/>
-          </a:solidFill>
-          <a:ln>
-            <a:noFill/>
-          </a:ln>
-        </p:spPr>
-        <p:style>
-          <a:lnRef idx="2">
-            <a:schemeClr val="accent1">
-              <a:shade val="50000"/>
-            </a:schemeClr>
-          </a:lnRef>
-          <a:fillRef idx="1">
-            <a:schemeClr val="accent1"/>
-          </a:fillRef>
-          <a:effectRef idx="0">
-            <a:schemeClr val="accent1"/>
-          </a:effectRef>
-          <a:fontRef idx="minor">
-            <a:schemeClr val="lt1"/>
-          </a:fontRef>
-        </p:style>
-        <p:txBody>
-          <a:bodyPr rtlCol="0" anchor="ctr"/>
-          <a:lstStyle/>
-          <a:p>
-            <a:pPr algn="ctr"/>
-            <a:endParaRPr lang="fr-FR" dirty="0">
-              <a:solidFill>
-                <a:srgbClr val="C00000"/>
-              </a:solidFill>
-            </a:endParaRPr>
-          </a:p>
-        </p:txBody>
-      </p:sp>
-      <p:sp>
-        <p:nvSpPr>
-          <p:cNvPr id="22" name="ZoneTexte 21"/>
-          <p:cNvSpPr txBox="1"/>
-          <p:nvPr/>
-        </p:nvSpPr>
-        <p:spPr>
-          <a:xfrm>
-            <a:off x="7144049" y="4446892"/>
-            <a:ext cx="2926080" cy="923330"/>
-          </a:xfrm>
-          <a:prstGeom prst="rect">
-            <a:avLst/>
-          </a:prstGeom>
-          <a:noFill/>
-        </p:spPr>
-        <p:txBody>
-          <a:bodyPr wrap="square" rtlCol="0">
-            <a:spAutoFit/>
-          </a:bodyPr>
-          <a:lstStyle/>
-          <a:p>
-            <a:pPr lvl="0">
-              <a:defRPr/>
-            </a:pPr>
-            <a:r>
-              <a:rPr lang="fr-FR" dirty="0">
-                <a:solidFill>
-                  <a:schemeClr val="bg1"/>
-                </a:solidFill>
-                <a:latin typeface="Arial" charset="0"/>
-                <a:ea typeface="Arial" charset="0"/>
-                <a:cs typeface="Arial" charset="0"/>
-              </a:rPr>
-              <a:t>Carrousel </a:t>
-            </a:r>
-          </a:p>
-          <a:p>
-            <a:pPr lvl="0">
-              <a:defRPr/>
-            </a:pPr>
-            <a:r>
-              <a:rPr lang="fr-FR" dirty="0">
-                <a:solidFill>
-                  <a:schemeClr val="bg1"/>
-                </a:solidFill>
-                <a:latin typeface="Arial" charset="0"/>
-                <a:ea typeface="Arial" charset="0"/>
-                <a:cs typeface="Arial" charset="0"/>
-              </a:rPr>
-              <a:t>et navigation au clavier</a:t>
-            </a:r>
-          </a:p>
-          <a:p>
-            <a:pPr lvl="0">
-              <a:defRPr/>
-            </a:pPr>
-            <a:endParaRPr lang="fr-FR" b="1" dirty="0">
-              <a:latin typeface="Arial" charset="0"/>
-              <a:ea typeface="Arial" charset="0"/>
-              <a:cs typeface="Arial" charset="0"/>
-            </a:endParaRPr>
-          </a:p>
-        </p:txBody>
-      </p:sp>
-      <p:sp>
-        <p:nvSpPr>
-          <p:cNvPr id="24" name="Rectangle 23"/>
-          <p:cNvSpPr/>
-          <p:nvPr/>
-        </p:nvSpPr>
-        <p:spPr>
-          <a:xfrm>
-            <a:off x="7109254" y="3816077"/>
-            <a:ext cx="304800" cy="115330"/>
-          </a:xfrm>
-          <a:prstGeom prst="rect">
-            <a:avLst/>
-          </a:prstGeom>
-          <a:solidFill>
-            <a:srgbClr val="C00000"/>
-          </a:solidFill>
-          <a:ln>
-            <a:noFill/>
-          </a:ln>
-        </p:spPr>
-        <p:style>
-          <a:lnRef idx="2">
-            <a:schemeClr val="accent1">
-              <a:shade val="50000"/>
-            </a:schemeClr>
-          </a:lnRef>
-          <a:fillRef idx="1">
-            <a:schemeClr val="accent1"/>
-          </a:fillRef>
-          <a:effectRef idx="0">
-            <a:schemeClr val="accent1"/>
-          </a:effectRef>
-          <a:fontRef idx="minor">
-            <a:schemeClr val="lt1"/>
-          </a:fontRef>
-        </p:style>
-        <p:txBody>
-          <a:bodyPr rtlCol="0" anchor="ctr"/>
-          <a:lstStyle/>
-          <a:p>
-            <a:pPr algn="ctr"/>
-            <a:endParaRPr lang="fr-FR" dirty="0">
-              <a:solidFill>
-                <a:srgbClr val="C00000"/>
-              </a:solidFill>
-            </a:endParaRPr>
-          </a:p>
-        </p:txBody>
-      </p:sp>
-      <p:sp>
-        <p:nvSpPr>
-          <p:cNvPr id="25" name="ZoneTexte 24"/>
-          <p:cNvSpPr txBox="1"/>
-          <p:nvPr/>
-        </p:nvSpPr>
-        <p:spPr>
-          <a:xfrm>
-            <a:off x="7194336" y="3751605"/>
-            <a:ext cx="2926080" cy="369332"/>
-          </a:xfrm>
-          <a:prstGeom prst="rect">
-            <a:avLst/>
-          </a:prstGeom>
-          <a:noFill/>
-        </p:spPr>
-        <p:txBody>
-          <a:bodyPr wrap="square" rtlCol="0">
-            <a:spAutoFit/>
-          </a:bodyPr>
-          <a:lstStyle/>
-          <a:p>
-            <a:pPr>
-              <a:defRPr/>
-            </a:pPr>
-            <a:r>
-              <a:rPr lang="fr-FR" dirty="0">
-                <a:solidFill>
-                  <a:schemeClr val="bg1"/>
-                </a:solidFill>
-                <a:latin typeface="Arial" charset="0"/>
-                <a:ea typeface="Arial" charset="0"/>
-                <a:cs typeface="Arial" charset="0"/>
-              </a:rPr>
-              <a:t>Composant </a:t>
-            </a:r>
-            <a:r>
-              <a:rPr lang="fr-FR" dirty="0" smtClean="0">
-                <a:solidFill>
-                  <a:schemeClr val="bg1"/>
-                </a:solidFill>
-                <a:latin typeface="Arial" charset="0"/>
-                <a:ea typeface="Arial" charset="0"/>
-                <a:cs typeface="Arial" charset="0"/>
-              </a:rPr>
-              <a:t>graph</a:t>
-            </a:r>
-            <a:endParaRPr lang="fr-FR" dirty="0">
-              <a:solidFill>
-                <a:schemeClr val="bg1"/>
-              </a:solidFill>
-              <a:latin typeface="Arial" charset="0"/>
-              <a:ea typeface="Arial" charset="0"/>
-              <a:cs typeface="Arial" charset="0"/>
-            </a:endParaRPr>
-          </a:p>
-        </p:txBody>
-      </p:sp>
     </p:spTree>
     <p:extLst>
       <p:ext uri="{BB962C8B-B14F-4D97-AF65-F5344CB8AC3E}">
-        <p14:creationId xmlns:p14="http://schemas.microsoft.com/office/powerpoint/2010/main" val="909921665"/>
+        <p14:creationId xmlns:p14="http://schemas.microsoft.com/office/powerpoint/2010/main" val="2913702200"/>
       </p:ext>
     </p:extLst>
   </p:cSld>
